--- a/materials/slides/ch04/04 VuGen常用函数.pptx
+++ b/materials/slides/ch04/04 VuGen常用函数.pptx
@@ -67,14 +67,14 @@
     <p:sldId id="317" r:id="rId58"/>
     <p:sldId id="318" r:id="rId59"/>
   </p:sldIdLst>
-  <p:sldSz cx="9144000" cy="6858000" type="screen4x3"/>
+  <p:sldSz cx="10383838" cy="7126288"/>
   <p:notesSz cx="6858000" cy="9144000"/>
   <p:defaultTextStyle>
     <a:defPPr>
       <a:defRPr lang="zh-CN"/>
     </a:defPPr>
-    <a:lvl1pPr marL="0" algn="l" defTabSz="914400" rtl="0" eaLnBrk="1" latinLnBrk="0" hangingPunct="1">
-      <a:defRPr sz="1800" kern="1200">
+    <a:lvl1pPr marL="0" algn="l" defTabSz="1000536" rtl="0" eaLnBrk="1" latinLnBrk="0" hangingPunct="1">
+      <a:defRPr sz="2000" kern="1200">
         <a:solidFill>
           <a:schemeClr val="tx1"/>
         </a:solidFill>
@@ -83,8 +83,8 @@
         <a:cs typeface="+mn-cs"/>
       </a:defRPr>
     </a:lvl1pPr>
-    <a:lvl2pPr marL="457200" algn="l" defTabSz="914400" rtl="0" eaLnBrk="1" latinLnBrk="0" hangingPunct="1">
-      <a:defRPr sz="1800" kern="1200">
+    <a:lvl2pPr marL="500268" algn="l" defTabSz="1000536" rtl="0" eaLnBrk="1" latinLnBrk="0" hangingPunct="1">
+      <a:defRPr sz="2000" kern="1200">
         <a:solidFill>
           <a:schemeClr val="tx1"/>
         </a:solidFill>
@@ -93,8 +93,8 @@
         <a:cs typeface="+mn-cs"/>
       </a:defRPr>
     </a:lvl2pPr>
-    <a:lvl3pPr marL="914400" algn="l" defTabSz="914400" rtl="0" eaLnBrk="1" latinLnBrk="0" hangingPunct="1">
-      <a:defRPr sz="1800" kern="1200">
+    <a:lvl3pPr marL="1000536" algn="l" defTabSz="1000536" rtl="0" eaLnBrk="1" latinLnBrk="0" hangingPunct="1">
+      <a:defRPr sz="2000" kern="1200">
         <a:solidFill>
           <a:schemeClr val="tx1"/>
         </a:solidFill>
@@ -103,8 +103,8 @@
         <a:cs typeface="+mn-cs"/>
       </a:defRPr>
     </a:lvl3pPr>
-    <a:lvl4pPr marL="1371600" algn="l" defTabSz="914400" rtl="0" eaLnBrk="1" latinLnBrk="0" hangingPunct="1">
-      <a:defRPr sz="1800" kern="1200">
+    <a:lvl4pPr marL="1500805" algn="l" defTabSz="1000536" rtl="0" eaLnBrk="1" latinLnBrk="0" hangingPunct="1">
+      <a:defRPr sz="2000" kern="1200">
         <a:solidFill>
           <a:schemeClr val="tx1"/>
         </a:solidFill>
@@ -113,8 +113,8 @@
         <a:cs typeface="+mn-cs"/>
       </a:defRPr>
     </a:lvl4pPr>
-    <a:lvl5pPr marL="1828800" algn="l" defTabSz="914400" rtl="0" eaLnBrk="1" latinLnBrk="0" hangingPunct="1">
-      <a:defRPr sz="1800" kern="1200">
+    <a:lvl5pPr marL="2001073" algn="l" defTabSz="1000536" rtl="0" eaLnBrk="1" latinLnBrk="0" hangingPunct="1">
+      <a:defRPr sz="2000" kern="1200">
         <a:solidFill>
           <a:schemeClr val="tx1"/>
         </a:solidFill>
@@ -123,8 +123,8 @@
         <a:cs typeface="+mn-cs"/>
       </a:defRPr>
     </a:lvl5pPr>
-    <a:lvl6pPr marL="2286000" algn="l" defTabSz="914400" rtl="0" eaLnBrk="1" latinLnBrk="0" hangingPunct="1">
-      <a:defRPr sz="1800" kern="1200">
+    <a:lvl6pPr marL="2501341" algn="l" defTabSz="1000536" rtl="0" eaLnBrk="1" latinLnBrk="0" hangingPunct="1">
+      <a:defRPr sz="2000" kern="1200">
         <a:solidFill>
           <a:schemeClr val="tx1"/>
         </a:solidFill>
@@ -133,8 +133,8 @@
         <a:cs typeface="+mn-cs"/>
       </a:defRPr>
     </a:lvl6pPr>
-    <a:lvl7pPr marL="2743200" algn="l" defTabSz="914400" rtl="0" eaLnBrk="1" latinLnBrk="0" hangingPunct="1">
-      <a:defRPr sz="1800" kern="1200">
+    <a:lvl7pPr marL="3001609" algn="l" defTabSz="1000536" rtl="0" eaLnBrk="1" latinLnBrk="0" hangingPunct="1">
+      <a:defRPr sz="2000" kern="1200">
         <a:solidFill>
           <a:schemeClr val="tx1"/>
         </a:solidFill>
@@ -143,8 +143,8 @@
         <a:cs typeface="+mn-cs"/>
       </a:defRPr>
     </a:lvl7pPr>
-    <a:lvl8pPr marL="3200400" algn="l" defTabSz="914400" rtl="0" eaLnBrk="1" latinLnBrk="0" hangingPunct="1">
-      <a:defRPr sz="1800" kern="1200">
+    <a:lvl8pPr marL="3501878" algn="l" defTabSz="1000536" rtl="0" eaLnBrk="1" latinLnBrk="0" hangingPunct="1">
+      <a:defRPr sz="2000" kern="1200">
         <a:solidFill>
           <a:schemeClr val="tx1"/>
         </a:solidFill>
@@ -153,8 +153,8 @@
         <a:cs typeface="+mn-cs"/>
       </a:defRPr>
     </a:lvl8pPr>
-    <a:lvl9pPr marL="3657600" algn="l" defTabSz="914400" rtl="0" eaLnBrk="1" latinLnBrk="0" hangingPunct="1">
-      <a:defRPr sz="1800" kern="1200">
+    <a:lvl9pPr marL="4002146" algn="l" defTabSz="1000536" rtl="0" eaLnBrk="1" latinLnBrk="0" hangingPunct="1">
+      <a:defRPr sz="2000" kern="1200">
         <a:solidFill>
           <a:schemeClr val="tx1"/>
         </a:solidFill>
@@ -249,7 +249,7 @@
           <a:p>
             <a:fld id="{F46F08AE-647D-4BAD-8B44-E4FFCE16FF61}" type="datetimeFigureOut">
               <a:rPr lang="zh-CN" altLang="en-US" smtClean="0"/>
-              <a:t>2019/10/14</a:t>
+              <a:t>2019/10/15</a:t>
             </a:fld>
             <a:endParaRPr lang="zh-CN" altLang="en-US"/>
           </a:p>
@@ -267,8 +267,8 @@
         </p:nvSpPr>
         <p:spPr>
           <a:xfrm>
-            <a:off x="1143000" y="685800"/>
-            <a:ext cx="4572000" cy="3429000"/>
+            <a:off x="931863" y="685800"/>
+            <a:ext cx="4994275" cy="3429000"/>
           </a:xfrm>
           <a:prstGeom prst="rect">
             <a:avLst/>
@@ -423,8 +423,8 @@
   </p:cSld>
   <p:clrMap bg1="lt1" tx1="dk1" bg2="lt2" tx2="dk2" accent1="accent1" accent2="accent2" accent3="accent3" accent4="accent4" accent5="accent5" accent6="accent6" hlink="hlink" folHlink="folHlink"/>
   <p:notesStyle>
-    <a:lvl1pPr marL="0" algn="l" defTabSz="914400" rtl="0" eaLnBrk="1" latinLnBrk="0" hangingPunct="1">
-      <a:defRPr sz="1200" kern="1200">
+    <a:lvl1pPr marL="0" algn="l" defTabSz="1000536" rtl="0" eaLnBrk="1" latinLnBrk="0" hangingPunct="1">
+      <a:defRPr sz="1300" kern="1200">
         <a:solidFill>
           <a:schemeClr val="tx1"/>
         </a:solidFill>
@@ -433,8 +433,8 @@
         <a:cs typeface="+mn-cs"/>
       </a:defRPr>
     </a:lvl1pPr>
-    <a:lvl2pPr marL="457200" algn="l" defTabSz="914400" rtl="0" eaLnBrk="1" latinLnBrk="0" hangingPunct="1">
-      <a:defRPr sz="1200" kern="1200">
+    <a:lvl2pPr marL="500268" algn="l" defTabSz="1000536" rtl="0" eaLnBrk="1" latinLnBrk="0" hangingPunct="1">
+      <a:defRPr sz="1300" kern="1200">
         <a:solidFill>
           <a:schemeClr val="tx1"/>
         </a:solidFill>
@@ -443,8 +443,8 @@
         <a:cs typeface="+mn-cs"/>
       </a:defRPr>
     </a:lvl2pPr>
-    <a:lvl3pPr marL="914400" algn="l" defTabSz="914400" rtl="0" eaLnBrk="1" latinLnBrk="0" hangingPunct="1">
-      <a:defRPr sz="1200" kern="1200">
+    <a:lvl3pPr marL="1000536" algn="l" defTabSz="1000536" rtl="0" eaLnBrk="1" latinLnBrk="0" hangingPunct="1">
+      <a:defRPr sz="1300" kern="1200">
         <a:solidFill>
           <a:schemeClr val="tx1"/>
         </a:solidFill>
@@ -453,8 +453,8 @@
         <a:cs typeface="+mn-cs"/>
       </a:defRPr>
     </a:lvl3pPr>
-    <a:lvl4pPr marL="1371600" algn="l" defTabSz="914400" rtl="0" eaLnBrk="1" latinLnBrk="0" hangingPunct="1">
-      <a:defRPr sz="1200" kern="1200">
+    <a:lvl4pPr marL="1500805" algn="l" defTabSz="1000536" rtl="0" eaLnBrk="1" latinLnBrk="0" hangingPunct="1">
+      <a:defRPr sz="1300" kern="1200">
         <a:solidFill>
           <a:schemeClr val="tx1"/>
         </a:solidFill>
@@ -463,8 +463,8 @@
         <a:cs typeface="+mn-cs"/>
       </a:defRPr>
     </a:lvl4pPr>
-    <a:lvl5pPr marL="1828800" algn="l" defTabSz="914400" rtl="0" eaLnBrk="1" latinLnBrk="0" hangingPunct="1">
-      <a:defRPr sz="1200" kern="1200">
+    <a:lvl5pPr marL="2001073" algn="l" defTabSz="1000536" rtl="0" eaLnBrk="1" latinLnBrk="0" hangingPunct="1">
+      <a:defRPr sz="1300" kern="1200">
         <a:solidFill>
           <a:schemeClr val="tx1"/>
         </a:solidFill>
@@ -473,8 +473,8 @@
         <a:cs typeface="+mn-cs"/>
       </a:defRPr>
     </a:lvl5pPr>
-    <a:lvl6pPr marL="2286000" algn="l" defTabSz="914400" rtl="0" eaLnBrk="1" latinLnBrk="0" hangingPunct="1">
-      <a:defRPr sz="1200" kern="1200">
+    <a:lvl6pPr marL="2501341" algn="l" defTabSz="1000536" rtl="0" eaLnBrk="1" latinLnBrk="0" hangingPunct="1">
+      <a:defRPr sz="1300" kern="1200">
         <a:solidFill>
           <a:schemeClr val="tx1"/>
         </a:solidFill>
@@ -483,8 +483,8 @@
         <a:cs typeface="+mn-cs"/>
       </a:defRPr>
     </a:lvl6pPr>
-    <a:lvl7pPr marL="2743200" algn="l" defTabSz="914400" rtl="0" eaLnBrk="1" latinLnBrk="0" hangingPunct="1">
-      <a:defRPr sz="1200" kern="1200">
+    <a:lvl7pPr marL="3001609" algn="l" defTabSz="1000536" rtl="0" eaLnBrk="1" latinLnBrk="0" hangingPunct="1">
+      <a:defRPr sz="1300" kern="1200">
         <a:solidFill>
           <a:schemeClr val="tx1"/>
         </a:solidFill>
@@ -493,8 +493,8 @@
         <a:cs typeface="+mn-cs"/>
       </a:defRPr>
     </a:lvl7pPr>
-    <a:lvl8pPr marL="3200400" algn="l" defTabSz="914400" rtl="0" eaLnBrk="1" latinLnBrk="0" hangingPunct="1">
-      <a:defRPr sz="1200" kern="1200">
+    <a:lvl8pPr marL="3501878" algn="l" defTabSz="1000536" rtl="0" eaLnBrk="1" latinLnBrk="0" hangingPunct="1">
+      <a:defRPr sz="1300" kern="1200">
         <a:solidFill>
           <a:schemeClr val="tx1"/>
         </a:solidFill>
@@ -503,8 +503,8 @@
         <a:cs typeface="+mn-cs"/>
       </a:defRPr>
     </a:lvl8pPr>
-    <a:lvl9pPr marL="3657600" algn="l" defTabSz="914400" rtl="0" eaLnBrk="1" latinLnBrk="0" hangingPunct="1">
-      <a:defRPr sz="1200" kern="1200">
+    <a:lvl9pPr marL="4002146" algn="l" defTabSz="1000536" rtl="0" eaLnBrk="1" latinLnBrk="0" hangingPunct="1">
+      <a:defRPr sz="1300" kern="1200">
         <a:solidFill>
           <a:schemeClr val="tx1"/>
         </a:solidFill>
@@ -544,7 +544,12 @@
             <p:ph type="sldImg"/>
           </p:nvPr>
         </p:nvSpPr>
-        <p:spPr/>
+        <p:spPr>
+          <a:xfrm>
+            <a:off x="931863" y="685800"/>
+            <a:ext cx="4994275" cy="3429000"/>
+          </a:xfrm>
+        </p:spPr>
       </p:sp>
       <p:sp>
         <p:nvSpPr>
@@ -626,7 +631,12 @@
             <p:ph type="sldImg"/>
           </p:nvPr>
         </p:nvSpPr>
-        <p:spPr/>
+        <p:spPr>
+          <a:xfrm>
+            <a:off x="931863" y="685800"/>
+            <a:ext cx="4994275" cy="3429000"/>
+          </a:xfrm>
+        </p:spPr>
       </p:sp>
       <p:sp>
         <p:nvSpPr>
@@ -713,7 +723,12 @@
             <p:ph type="sldImg"/>
           </p:nvPr>
         </p:nvSpPr>
-        <p:spPr/>
+        <p:spPr>
+          <a:xfrm>
+            <a:off x="931863" y="685800"/>
+            <a:ext cx="4994275" cy="3429000"/>
+          </a:xfrm>
+        </p:spPr>
       </p:sp>
       <p:sp>
         <p:nvSpPr>
@@ -800,7 +815,12 @@
             <p:ph type="sldImg"/>
           </p:nvPr>
         </p:nvSpPr>
-        <p:spPr/>
+        <p:spPr>
+          <a:xfrm>
+            <a:off x="931863" y="685800"/>
+            <a:ext cx="4994275" cy="3429000"/>
+          </a:xfrm>
+        </p:spPr>
       </p:sp>
       <p:sp>
         <p:nvSpPr>
@@ -888,6 +908,10 @@
           </p:nvPr>
         </p:nvSpPr>
         <p:spPr>
+          <a:xfrm>
+            <a:off x="931863" y="685800"/>
+            <a:ext cx="4994275" cy="3429000"/>
+          </a:xfrm>
           <a:ln/>
         </p:spPr>
       </p:sp>
@@ -975,7 +999,12 @@
             <p:ph type="sldImg"/>
           </p:nvPr>
         </p:nvSpPr>
-        <p:spPr/>
+        <p:spPr>
+          <a:xfrm>
+            <a:off x="931863" y="685800"/>
+            <a:ext cx="4994275" cy="3429000"/>
+          </a:xfrm>
+        </p:spPr>
       </p:sp>
       <p:sp>
         <p:nvSpPr>
@@ -1062,7 +1091,12 @@
             <p:ph type="sldImg"/>
           </p:nvPr>
         </p:nvSpPr>
-        <p:spPr/>
+        <p:spPr>
+          <a:xfrm>
+            <a:off x="931863" y="685800"/>
+            <a:ext cx="4994275" cy="3429000"/>
+          </a:xfrm>
+        </p:spPr>
       </p:sp>
       <p:sp>
         <p:nvSpPr>
@@ -1149,7 +1183,12 @@
             <p:ph type="sldImg"/>
           </p:nvPr>
         </p:nvSpPr>
-        <p:spPr/>
+        <p:spPr>
+          <a:xfrm>
+            <a:off x="931863" y="685800"/>
+            <a:ext cx="4994275" cy="3429000"/>
+          </a:xfrm>
+        </p:spPr>
       </p:sp>
       <p:sp>
         <p:nvSpPr>
@@ -1236,7 +1275,12 @@
             <p:ph type="sldImg"/>
           </p:nvPr>
         </p:nvSpPr>
-        <p:spPr/>
+        <p:spPr>
+          <a:xfrm>
+            <a:off x="931863" y="685800"/>
+            <a:ext cx="4994275" cy="3429000"/>
+          </a:xfrm>
+        </p:spPr>
       </p:sp>
       <p:sp>
         <p:nvSpPr>
@@ -1323,7 +1367,12 @@
             <p:ph type="sldImg"/>
           </p:nvPr>
         </p:nvSpPr>
-        <p:spPr/>
+        <p:spPr>
+          <a:xfrm>
+            <a:off x="931863" y="685800"/>
+            <a:ext cx="4994275" cy="3429000"/>
+          </a:xfrm>
+        </p:spPr>
       </p:sp>
       <p:sp>
         <p:nvSpPr>
@@ -1883,7 +1932,12 @@
             <p:ph type="sldImg"/>
           </p:nvPr>
         </p:nvSpPr>
-        <p:spPr/>
+        <p:spPr>
+          <a:xfrm>
+            <a:off x="931863" y="685800"/>
+            <a:ext cx="4994275" cy="3429000"/>
+          </a:xfrm>
+        </p:spPr>
       </p:sp>
       <p:sp>
         <p:nvSpPr>
@@ -1970,7 +2024,12 @@
             <p:ph type="sldImg"/>
           </p:nvPr>
         </p:nvSpPr>
-        <p:spPr/>
+        <p:spPr>
+          <a:xfrm>
+            <a:off x="931863" y="685800"/>
+            <a:ext cx="4994275" cy="3429000"/>
+          </a:xfrm>
+        </p:spPr>
       </p:sp>
       <p:sp>
         <p:nvSpPr>
@@ -2057,7 +2116,12 @@
             <p:ph type="sldImg"/>
           </p:nvPr>
         </p:nvSpPr>
-        <p:spPr/>
+        <p:spPr>
+          <a:xfrm>
+            <a:off x="931863" y="685800"/>
+            <a:ext cx="4994275" cy="3429000"/>
+          </a:xfrm>
+        </p:spPr>
       </p:sp>
       <p:sp>
         <p:nvSpPr>
@@ -2144,7 +2208,12 @@
             <p:ph type="sldImg"/>
           </p:nvPr>
         </p:nvSpPr>
-        <p:spPr/>
+        <p:spPr>
+          <a:xfrm>
+            <a:off x="931863" y="685800"/>
+            <a:ext cx="4994275" cy="3429000"/>
+          </a:xfrm>
+        </p:spPr>
       </p:sp>
       <p:sp>
         <p:nvSpPr>
@@ -2231,7 +2300,12 @@
             <p:ph type="sldImg"/>
           </p:nvPr>
         </p:nvSpPr>
-        <p:spPr/>
+        <p:spPr>
+          <a:xfrm>
+            <a:off x="931863" y="685800"/>
+            <a:ext cx="4994275" cy="3429000"/>
+          </a:xfrm>
+        </p:spPr>
       </p:sp>
       <p:sp>
         <p:nvSpPr>
@@ -2791,7 +2865,12 @@
             <p:ph type="sldImg"/>
           </p:nvPr>
         </p:nvSpPr>
-        <p:spPr/>
+        <p:spPr>
+          <a:xfrm>
+            <a:off x="931863" y="685800"/>
+            <a:ext cx="4994275" cy="3429000"/>
+          </a:xfrm>
+        </p:spPr>
       </p:sp>
       <p:sp>
         <p:nvSpPr>
@@ -2879,6 +2958,10 @@
           </p:nvPr>
         </p:nvSpPr>
         <p:spPr>
+          <a:xfrm>
+            <a:off x="931863" y="685800"/>
+            <a:ext cx="4994275" cy="3429000"/>
+          </a:xfrm>
           <a:ln/>
         </p:spPr>
       </p:sp>
@@ -2966,7 +3049,12 @@
             <p:ph type="sldImg"/>
           </p:nvPr>
         </p:nvSpPr>
-        <p:spPr/>
+        <p:spPr>
+          <a:xfrm>
+            <a:off x="931863" y="685800"/>
+            <a:ext cx="4994275" cy="3429000"/>
+          </a:xfrm>
+        </p:spPr>
       </p:sp>
       <p:sp>
         <p:nvSpPr>
@@ -3053,7 +3141,12 @@
             <p:ph type="sldImg"/>
           </p:nvPr>
         </p:nvSpPr>
-        <p:spPr/>
+        <p:spPr>
+          <a:xfrm>
+            <a:off x="931863" y="685800"/>
+            <a:ext cx="4994275" cy="3429000"/>
+          </a:xfrm>
+        </p:spPr>
       </p:sp>
       <p:sp>
         <p:nvSpPr>
@@ -3140,7 +3233,12 @@
             <p:ph type="sldImg"/>
           </p:nvPr>
         </p:nvSpPr>
-        <p:spPr/>
+        <p:spPr>
+          <a:xfrm>
+            <a:off x="931863" y="685800"/>
+            <a:ext cx="4994275" cy="3429000"/>
+          </a:xfrm>
+        </p:spPr>
       </p:sp>
       <p:sp>
         <p:nvSpPr>
@@ -3227,7 +3325,12 @@
             <p:ph type="sldImg"/>
           </p:nvPr>
         </p:nvSpPr>
-        <p:spPr/>
+        <p:spPr>
+          <a:xfrm>
+            <a:off x="931863" y="685800"/>
+            <a:ext cx="4994275" cy="3429000"/>
+          </a:xfrm>
+        </p:spPr>
       </p:sp>
       <p:sp>
         <p:nvSpPr>
@@ -3314,7 +3417,12 @@
             <p:ph type="sldImg"/>
           </p:nvPr>
         </p:nvSpPr>
-        <p:spPr/>
+        <p:spPr>
+          <a:xfrm>
+            <a:off x="931863" y="685800"/>
+            <a:ext cx="4994275" cy="3429000"/>
+          </a:xfrm>
+        </p:spPr>
       </p:sp>
       <p:sp>
         <p:nvSpPr>
@@ -3874,7 +3982,12 @@
             <p:ph type="sldImg"/>
           </p:nvPr>
         </p:nvSpPr>
-        <p:spPr/>
+        <p:spPr>
+          <a:xfrm>
+            <a:off x="931863" y="685800"/>
+            <a:ext cx="4994275" cy="3429000"/>
+          </a:xfrm>
+        </p:spPr>
       </p:sp>
       <p:sp>
         <p:nvSpPr>
@@ -3956,7 +4069,12 @@
             <p:ph type="sldImg"/>
           </p:nvPr>
         </p:nvSpPr>
-        <p:spPr/>
+        <p:spPr>
+          <a:xfrm>
+            <a:off x="931863" y="685800"/>
+            <a:ext cx="4994275" cy="3429000"/>
+          </a:xfrm>
+        </p:spPr>
       </p:sp>
       <p:sp>
         <p:nvSpPr>
@@ -4043,7 +4161,12 @@
             <p:ph type="sldImg"/>
           </p:nvPr>
         </p:nvSpPr>
-        <p:spPr/>
+        <p:spPr>
+          <a:xfrm>
+            <a:off x="931863" y="685800"/>
+            <a:ext cx="4994275" cy="3429000"/>
+          </a:xfrm>
+        </p:spPr>
       </p:sp>
       <p:sp>
         <p:nvSpPr>
@@ -4130,7 +4253,12 @@
             <p:ph type="sldImg"/>
           </p:nvPr>
         </p:nvSpPr>
-        <p:spPr/>
+        <p:spPr>
+          <a:xfrm>
+            <a:off x="931863" y="685800"/>
+            <a:ext cx="4994275" cy="3429000"/>
+          </a:xfrm>
+        </p:spPr>
       </p:sp>
       <p:sp>
         <p:nvSpPr>
@@ -4217,7 +4345,12 @@
             <p:ph type="sldImg"/>
           </p:nvPr>
         </p:nvSpPr>
-        <p:spPr/>
+        <p:spPr>
+          <a:xfrm>
+            <a:off x="931863" y="685800"/>
+            <a:ext cx="4994275" cy="3429000"/>
+          </a:xfrm>
+        </p:spPr>
       </p:sp>
       <p:sp>
         <p:nvSpPr>
@@ -4777,7 +4910,12 @@
             <p:ph type="sldImg"/>
           </p:nvPr>
         </p:nvSpPr>
-        <p:spPr/>
+        <p:spPr>
+          <a:xfrm>
+            <a:off x="931863" y="685800"/>
+            <a:ext cx="4994275" cy="3429000"/>
+          </a:xfrm>
+        </p:spPr>
       </p:sp>
       <p:sp>
         <p:nvSpPr>
@@ -4864,7 +5002,12 @@
             <p:ph type="sldImg"/>
           </p:nvPr>
         </p:nvSpPr>
-        <p:spPr/>
+        <p:spPr>
+          <a:xfrm>
+            <a:off x="931863" y="685800"/>
+            <a:ext cx="4994275" cy="3429000"/>
+          </a:xfrm>
+        </p:spPr>
       </p:sp>
       <p:sp>
         <p:nvSpPr>
@@ -4948,7 +5091,12 @@
             <p:ph type="sldImg"/>
           </p:nvPr>
         </p:nvSpPr>
-        <p:spPr/>
+        <p:spPr>
+          <a:xfrm>
+            <a:off x="931863" y="685800"/>
+            <a:ext cx="4994275" cy="3429000"/>
+          </a:xfrm>
+        </p:spPr>
       </p:sp>
       <p:sp>
         <p:nvSpPr>
@@ -5030,7 +5178,12 @@
             <p:ph type="sldImg"/>
           </p:nvPr>
         </p:nvSpPr>
-        <p:spPr/>
+        <p:spPr>
+          <a:xfrm>
+            <a:off x="931863" y="685800"/>
+            <a:ext cx="4994275" cy="3429000"/>
+          </a:xfrm>
+        </p:spPr>
       </p:sp>
       <p:sp>
         <p:nvSpPr>
@@ -5112,7 +5265,12 @@
             <p:ph type="sldImg"/>
           </p:nvPr>
         </p:nvSpPr>
-        <p:spPr/>
+        <p:spPr>
+          <a:xfrm>
+            <a:off x="931863" y="685800"/>
+            <a:ext cx="4994275" cy="3429000"/>
+          </a:xfrm>
+        </p:spPr>
       </p:sp>
       <p:sp>
         <p:nvSpPr>
@@ -5194,7 +5352,12 @@
             <p:ph type="sldImg"/>
           </p:nvPr>
         </p:nvSpPr>
-        <p:spPr/>
+        <p:spPr>
+          <a:xfrm>
+            <a:off x="931863" y="685800"/>
+            <a:ext cx="4994275" cy="3429000"/>
+          </a:xfrm>
+        </p:spPr>
       </p:sp>
       <p:sp>
         <p:nvSpPr>
@@ -5281,7 +5444,12 @@
             <p:ph type="sldImg"/>
           </p:nvPr>
         </p:nvSpPr>
-        <p:spPr/>
+        <p:spPr>
+          <a:xfrm>
+            <a:off x="931863" y="685800"/>
+            <a:ext cx="4994275" cy="3429000"/>
+          </a:xfrm>
+        </p:spPr>
       </p:sp>
       <p:sp>
         <p:nvSpPr>
@@ -5368,7 +5536,12 @@
             <p:ph type="sldImg"/>
           </p:nvPr>
         </p:nvSpPr>
-        <p:spPr/>
+        <p:spPr>
+          <a:xfrm>
+            <a:off x="931863" y="685800"/>
+            <a:ext cx="4994275" cy="3429000"/>
+          </a:xfrm>
+        </p:spPr>
       </p:sp>
       <p:sp>
         <p:nvSpPr>
@@ -5455,7 +5628,12 @@
             <p:ph type="sldImg"/>
           </p:nvPr>
         </p:nvSpPr>
-        <p:spPr/>
+        <p:spPr>
+          <a:xfrm>
+            <a:off x="931863" y="685800"/>
+            <a:ext cx="4994275" cy="3429000"/>
+          </a:xfrm>
+        </p:spPr>
       </p:sp>
       <p:sp>
         <p:nvSpPr>
@@ -5545,7 +5723,12 @@
             <p:ph type="sldImg"/>
           </p:nvPr>
         </p:nvSpPr>
-        <p:spPr/>
+        <p:spPr>
+          <a:xfrm>
+            <a:off x="931863" y="685800"/>
+            <a:ext cx="4994275" cy="3429000"/>
+          </a:xfrm>
+        </p:spPr>
       </p:sp>
       <p:sp>
         <p:nvSpPr>
@@ -5780,7 +5963,12 @@
             <p:ph type="sldImg"/>
           </p:nvPr>
         </p:nvSpPr>
-        <p:spPr/>
+        <p:spPr>
+          <a:xfrm>
+            <a:off x="931863" y="685800"/>
+            <a:ext cx="4994275" cy="3429000"/>
+          </a:xfrm>
+        </p:spPr>
       </p:sp>
       <p:sp>
         <p:nvSpPr>
@@ -5884,7 +6072,12 @@
             <p:ph type="sldImg"/>
           </p:nvPr>
         </p:nvSpPr>
-        <p:spPr/>
+        <p:spPr>
+          <a:xfrm>
+            <a:off x="931863" y="685800"/>
+            <a:ext cx="4994275" cy="3429000"/>
+          </a:xfrm>
+        </p:spPr>
       </p:sp>
       <p:sp>
         <p:nvSpPr>
@@ -5975,7 +6168,12 @@
             <p:ph type="sldImg"/>
           </p:nvPr>
         </p:nvSpPr>
-        <p:spPr/>
+        <p:spPr>
+          <a:xfrm>
+            <a:off x="931863" y="685800"/>
+            <a:ext cx="4994275" cy="3429000"/>
+          </a:xfrm>
+        </p:spPr>
       </p:sp>
       <p:sp>
         <p:nvSpPr>
@@ -6091,7 +6289,12 @@
             <p:ph type="sldImg"/>
           </p:nvPr>
         </p:nvSpPr>
-        <p:spPr/>
+        <p:spPr>
+          <a:xfrm>
+            <a:off x="931863" y="685800"/>
+            <a:ext cx="4994275" cy="3429000"/>
+          </a:xfrm>
+        </p:spPr>
       </p:sp>
       <p:sp>
         <p:nvSpPr>
@@ -6195,7 +6398,12 @@
             <p:ph type="sldImg"/>
           </p:nvPr>
         </p:nvSpPr>
-        <p:spPr/>
+        <p:spPr>
+          <a:xfrm>
+            <a:off x="931863" y="685800"/>
+            <a:ext cx="4994275" cy="3429000"/>
+          </a:xfrm>
+        </p:spPr>
       </p:sp>
       <p:sp>
         <p:nvSpPr>
@@ -6567,7 +6775,12 @@
             <p:ph type="sldImg"/>
           </p:nvPr>
         </p:nvSpPr>
-        <p:spPr/>
+        <p:spPr>
+          <a:xfrm>
+            <a:off x="931863" y="685800"/>
+            <a:ext cx="4994275" cy="3429000"/>
+          </a:xfrm>
+        </p:spPr>
       </p:sp>
       <p:sp>
         <p:nvSpPr>
@@ -6939,7 +7152,12 @@
             <p:ph type="sldImg"/>
           </p:nvPr>
         </p:nvSpPr>
-        <p:spPr/>
+        <p:spPr>
+          <a:xfrm>
+            <a:off x="931863" y="685800"/>
+            <a:ext cx="4994275" cy="3429000"/>
+          </a:xfrm>
+        </p:spPr>
       </p:sp>
       <p:sp>
         <p:nvSpPr>
@@ -7027,6 +7245,10 @@
           </p:nvPr>
         </p:nvSpPr>
         <p:spPr>
+          <a:xfrm>
+            <a:off x="931863" y="685800"/>
+            <a:ext cx="4994275" cy="3429000"/>
+          </a:xfrm>
           <a:ln/>
         </p:spPr>
       </p:sp>
@@ -7114,7 +7336,12 @@
             <p:ph type="sldImg"/>
           </p:nvPr>
         </p:nvSpPr>
-        <p:spPr/>
+        <p:spPr>
+          <a:xfrm>
+            <a:off x="931863" y="685800"/>
+            <a:ext cx="4994275" cy="3429000"/>
+          </a:xfrm>
+        </p:spPr>
       </p:sp>
       <p:sp>
         <p:nvSpPr>
@@ -7506,7 +7733,12 @@
             <p:ph type="sldImg"/>
           </p:nvPr>
         </p:nvSpPr>
-        <p:spPr/>
+        <p:spPr>
+          <a:xfrm>
+            <a:off x="931863" y="685800"/>
+            <a:ext cx="4994275" cy="3429000"/>
+          </a:xfrm>
+        </p:spPr>
       </p:sp>
       <p:sp>
         <p:nvSpPr>
@@ -7593,7 +7825,12 @@
             <p:ph type="sldImg"/>
           </p:nvPr>
         </p:nvSpPr>
-        <p:spPr/>
+        <p:spPr>
+          <a:xfrm>
+            <a:off x="931863" y="685800"/>
+            <a:ext cx="4994275" cy="3429000"/>
+          </a:xfrm>
+        </p:spPr>
       </p:sp>
       <p:sp>
         <p:nvSpPr>
@@ -7680,7 +7917,12 @@
             <p:ph type="sldImg"/>
           </p:nvPr>
         </p:nvSpPr>
-        <p:spPr/>
+        <p:spPr>
+          <a:xfrm>
+            <a:off x="931863" y="685800"/>
+            <a:ext cx="4994275" cy="3429000"/>
+          </a:xfrm>
+        </p:spPr>
       </p:sp>
       <p:sp>
         <p:nvSpPr>
@@ -7767,7 +8009,12 @@
             <p:ph type="sldImg"/>
           </p:nvPr>
         </p:nvSpPr>
-        <p:spPr/>
+        <p:spPr>
+          <a:xfrm>
+            <a:off x="931863" y="685800"/>
+            <a:ext cx="4994275" cy="3429000"/>
+          </a:xfrm>
+        </p:spPr>
       </p:sp>
       <p:sp>
         <p:nvSpPr>
@@ -7861,7 +8108,7 @@
           <a:p>
             <a:fld id="{530820CF-B880-4189-942D-D702A7CBA730}" type="datetimeFigureOut">
               <a:rPr lang="zh-CN" altLang="en-US" smtClean="0"/>
-              <a:t>2019/10/14</a:t>
+              <a:t>2019/10/15</a:t>
             </a:fld>
             <a:endParaRPr lang="zh-CN" altLang="en-US"/>
           </a:p>
@@ -7917,8 +8164,8 @@
         </p:nvSpPr>
         <p:spPr>
           <a:xfrm>
-            <a:off x="2106" y="818866"/>
-            <a:ext cx="9144000" cy="6210887"/>
+            <a:off x="2392" y="850901"/>
+            <a:ext cx="10383838" cy="6453860"/>
           </a:xfrm>
           <a:prstGeom prst="rect">
             <a:avLst/>
@@ -7947,7 +8194,7 @@
           </a:fontRef>
         </p:style>
         <p:txBody>
-          <a:bodyPr rtlCol="0" anchor="ctr"/>
+          <a:bodyPr lIns="100054" tIns="50027" rIns="100054" bIns="50027" rtlCol="0" anchor="ctr"/>
           <a:lstStyle/>
           <a:p>
             <a:pPr algn="ctr"/>
@@ -7963,8 +8210,8 @@
         </p:nvSpPr>
         <p:spPr>
           <a:xfrm>
-            <a:off x="0" y="-1"/>
-            <a:ext cx="9145588" cy="818867"/>
+            <a:off x="0" y="0"/>
+            <a:ext cx="10385641" cy="850901"/>
           </a:xfrm>
           <a:prstGeom prst="rect">
             <a:avLst/>
@@ -7993,7 +8240,7 @@
           </a:fontRef>
         </p:style>
         <p:txBody>
-          <a:bodyPr rtlCol="0" anchor="ctr"/>
+          <a:bodyPr lIns="100054" tIns="50027" rIns="100054" bIns="50027" rtlCol="0" anchor="ctr"/>
           <a:lstStyle/>
           <a:p>
             <a:pPr algn="ctr"/>
@@ -8013,8 +8260,8 @@
         </p:nvSpPr>
         <p:spPr>
           <a:xfrm>
-            <a:off x="685800" y="2130425"/>
-            <a:ext cx="7772400" cy="1470025"/>
+            <a:off x="778788" y="2213769"/>
+            <a:ext cx="8826262" cy="1527533"/>
           </a:xfrm>
         </p:spPr>
         <p:txBody>
@@ -8023,7 +8270,7 @@
           </a:bodyPr>
           <a:lstStyle>
             <a:lvl1pPr>
-              <a:defRPr sz="4400" b="1">
+              <a:defRPr sz="4800" b="1">
                 <a:solidFill>
                   <a:schemeClr val="bg1"/>
                 </a:solidFill>
@@ -8053,8 +8300,8 @@
         </p:nvSpPr>
         <p:spPr>
           <a:xfrm>
-            <a:off x="1371600" y="3886200"/>
-            <a:ext cx="6400800" cy="1752600"/>
+            <a:off x="1557576" y="4038230"/>
+            <a:ext cx="7268687" cy="1821162"/>
           </a:xfrm>
         </p:spPr>
         <p:txBody>
@@ -8070,7 +8317,7 @@
                 </a:solidFill>
               </a:defRPr>
             </a:lvl1pPr>
-            <a:lvl2pPr marL="457200" indent="0" algn="ctr">
+            <a:lvl2pPr marL="500268" indent="0" algn="ctr">
               <a:buNone/>
               <a:defRPr>
                 <a:solidFill>
@@ -8080,7 +8327,7 @@
                 </a:solidFill>
               </a:defRPr>
             </a:lvl2pPr>
-            <a:lvl3pPr marL="914400" indent="0" algn="ctr">
+            <a:lvl3pPr marL="1000536" indent="0" algn="ctr">
               <a:buNone/>
               <a:defRPr>
                 <a:solidFill>
@@ -8090,7 +8337,7 @@
                 </a:solidFill>
               </a:defRPr>
             </a:lvl3pPr>
-            <a:lvl4pPr marL="1371600" indent="0" algn="ctr">
+            <a:lvl4pPr marL="1500805" indent="0" algn="ctr">
               <a:buNone/>
               <a:defRPr>
                 <a:solidFill>
@@ -8100,7 +8347,7 @@
                 </a:solidFill>
               </a:defRPr>
             </a:lvl4pPr>
-            <a:lvl5pPr marL="1828800" indent="0" algn="ctr">
+            <a:lvl5pPr marL="2001073" indent="0" algn="ctr">
               <a:buNone/>
               <a:defRPr>
                 <a:solidFill>
@@ -8110,7 +8357,7 @@
                 </a:solidFill>
               </a:defRPr>
             </a:lvl5pPr>
-            <a:lvl6pPr marL="2286000" indent="0" algn="ctr">
+            <a:lvl6pPr marL="2501341" indent="0" algn="ctr">
               <a:buNone/>
               <a:defRPr>
                 <a:solidFill>
@@ -8120,7 +8367,7 @@
                 </a:solidFill>
               </a:defRPr>
             </a:lvl6pPr>
-            <a:lvl7pPr marL="2743200" indent="0" algn="ctr">
+            <a:lvl7pPr marL="3001609" indent="0" algn="ctr">
               <a:buNone/>
               <a:defRPr>
                 <a:solidFill>
@@ -8130,7 +8377,7 @@
                 </a:solidFill>
               </a:defRPr>
             </a:lvl7pPr>
-            <a:lvl8pPr marL="3200400" indent="0" algn="ctr">
+            <a:lvl8pPr marL="3501878" indent="0" algn="ctr">
               <a:buNone/>
               <a:defRPr>
                 <a:solidFill>
@@ -8140,7 +8387,7 @@
                 </a:solidFill>
               </a:defRPr>
             </a:lvl8pPr>
-            <a:lvl9pPr marL="3657600" indent="0" algn="ctr">
+            <a:lvl9pPr marL="4002146" indent="0" algn="ctr">
               <a:buNone/>
               <a:defRPr>
                 <a:solidFill>
@@ -8285,7 +8532,7 @@
           <a:p>
             <a:fld id="{530820CF-B880-4189-942D-D702A7CBA730}" type="datetimeFigureOut">
               <a:rPr lang="zh-CN" altLang="en-US" smtClean="0"/>
-              <a:t>2019/10/14</a:t>
+              <a:t>2019/10/15</a:t>
             </a:fld>
             <a:endParaRPr lang="zh-CN" altLang="en-US"/>
           </a:p>
@@ -8341,8 +8588,8 @@
         </p:nvSpPr>
         <p:spPr>
           <a:xfrm>
-            <a:off x="0" y="-1"/>
-            <a:ext cx="9145588" cy="818867"/>
+            <a:off x="0" y="0"/>
+            <a:ext cx="10385641" cy="850901"/>
           </a:xfrm>
           <a:prstGeom prst="rect">
             <a:avLst/>
@@ -8371,7 +8618,7 @@
           </a:fontRef>
         </p:style>
         <p:txBody>
-          <a:bodyPr rtlCol="0" anchor="ctr"/>
+          <a:bodyPr lIns="100054" tIns="50027" rIns="100054" bIns="50027" rtlCol="0" anchor="ctr"/>
           <a:lstStyle/>
           <a:p>
             <a:pPr algn="ctr"/>
@@ -8391,8 +8638,8 @@
         </p:nvSpPr>
         <p:spPr>
           <a:xfrm>
-            <a:off x="-9602" y="-1"/>
-            <a:ext cx="9153601" cy="818867"/>
+            <a:off x="-10903" y="0"/>
+            <a:ext cx="10394741" cy="850901"/>
           </a:xfrm>
         </p:spPr>
         <p:txBody>
@@ -8401,7 +8648,7 @@
           </a:bodyPr>
           <a:lstStyle>
             <a:lvl1pPr>
-              <a:defRPr sz="4000" b="1">
+              <a:defRPr sz="4400" b="1">
                 <a:solidFill>
                   <a:schemeClr val="bg1"/>
                 </a:solidFill>
@@ -8456,8 +8703,8 @@
         </p:nvSpPr>
         <p:spPr>
           <a:xfrm>
-            <a:off x="683568" y="1052736"/>
-            <a:ext cx="7666037" cy="4641850"/>
+            <a:off x="776254" y="1093920"/>
+            <a:ext cx="8705478" cy="4823441"/>
           </a:xfrm>
         </p:spPr>
         <p:txBody>
@@ -8467,19 +8714,19 @@
               <a:lnSpc>
                 <a:spcPct val="150000"/>
               </a:lnSpc>
-              <a:defRPr sz="2400"/>
+              <a:defRPr sz="2600"/>
             </a:lvl1pPr>
             <a:lvl2pPr>
               <a:lnSpc>
                 <a:spcPct val="150000"/>
               </a:lnSpc>
-              <a:defRPr sz="2000"/>
+              <a:defRPr sz="2200"/>
             </a:lvl2pPr>
             <a:lvl3pPr>
               <a:lnSpc>
                 <a:spcPct val="150000"/>
               </a:lnSpc>
-              <a:defRPr sz="2000"/>
+              <a:defRPr sz="2200"/>
             </a:lvl3pPr>
             <a:lvl4pPr>
               <a:lnSpc>
@@ -8544,8 +8791,8 @@
         </p:nvSpPr>
         <p:spPr>
           <a:xfrm>
-            <a:off x="782638" y="6527800"/>
-            <a:ext cx="349250" cy="207963"/>
+            <a:off x="888756" y="6783171"/>
+            <a:ext cx="396605" cy="216099"/>
           </a:xfrm>
           <a:prstGeom prst="rect">
             <a:avLst/>
@@ -8577,15 +8824,15 @@
         </p:nvSpPr>
         <p:spPr>
           <a:xfrm>
-            <a:off x="-828600" y="-162272"/>
-            <a:ext cx="8229600" cy="1143000"/>
+            <a:off x="-940950" y="-168620"/>
+            <a:ext cx="9345454" cy="1187715"/>
           </a:xfrm>
           <a:prstGeom prst="rect">
             <a:avLst/>
           </a:prstGeom>
         </p:spPr>
         <p:txBody>
-          <a:bodyPr vert="horz" lIns="91440" tIns="45720" rIns="91440" bIns="45720" rtlCol="0" anchor="ctr">
+          <a:bodyPr vert="horz" lIns="100054" tIns="50027" rIns="100054" bIns="50027" rtlCol="0" anchor="ctr">
             <a:normAutofit/>
           </a:bodyPr>
           <a:lstStyle>
@@ -8621,8 +8868,8 @@
         </p:nvSpPr>
         <p:spPr>
           <a:xfrm>
-            <a:off x="0" y="-1"/>
-            <a:ext cx="9145588" cy="818867"/>
+            <a:off x="0" y="0"/>
+            <a:ext cx="10385641" cy="850901"/>
           </a:xfrm>
           <a:prstGeom prst="rect">
             <a:avLst/>
@@ -8651,7 +8898,7 @@
           </a:fontRef>
         </p:style>
         <p:txBody>
-          <a:bodyPr rtlCol="0" anchor="ctr"/>
+          <a:bodyPr lIns="100054" tIns="50027" rIns="100054" bIns="50027" rtlCol="0" anchor="ctr"/>
           <a:lstStyle/>
           <a:p>
             <a:pPr algn="ctr"/>
@@ -8713,15 +8960,15 @@
         </p:nvSpPr>
         <p:spPr>
           <a:xfrm>
-            <a:off x="457200" y="274638"/>
-            <a:ext cx="8229600" cy="1143000"/>
+            <a:off x="519192" y="285382"/>
+            <a:ext cx="9345454" cy="1187715"/>
           </a:xfrm>
           <a:prstGeom prst="rect">
             <a:avLst/>
           </a:prstGeom>
         </p:spPr>
         <p:txBody>
-          <a:bodyPr vert="horz" lIns="91440" tIns="45720" rIns="91440" bIns="45720" rtlCol="0" anchor="ctr">
+          <a:bodyPr vert="horz" lIns="100054" tIns="50027" rIns="100054" bIns="50027" rtlCol="0" anchor="ctr">
             <a:normAutofit/>
           </a:bodyPr>
           <a:lstStyle/>
@@ -8746,15 +8993,15 @@
         </p:nvSpPr>
         <p:spPr>
           <a:xfrm>
-            <a:off x="457200" y="1600200"/>
-            <a:ext cx="8229600" cy="4525963"/>
+            <a:off x="519192" y="1662801"/>
+            <a:ext cx="9345454" cy="4703021"/>
           </a:xfrm>
           <a:prstGeom prst="rect">
             <a:avLst/>
           </a:prstGeom>
         </p:spPr>
         <p:txBody>
-          <a:bodyPr vert="horz" lIns="91440" tIns="45720" rIns="91440" bIns="45720" rtlCol="0">
+          <a:bodyPr vert="horz" lIns="100054" tIns="50027" rIns="100054" bIns="50027" rtlCol="0">
             <a:normAutofit/>
           </a:bodyPr>
           <a:lstStyle/>
@@ -8808,18 +9055,18 @@
         </p:nvSpPr>
         <p:spPr>
           <a:xfrm>
-            <a:off x="457200" y="6356350"/>
-            <a:ext cx="2133600" cy="365125"/>
+            <a:off x="519192" y="6605014"/>
+            <a:ext cx="2422896" cy="379409"/>
           </a:xfrm>
           <a:prstGeom prst="rect">
             <a:avLst/>
           </a:prstGeom>
         </p:spPr>
         <p:txBody>
-          <a:bodyPr vert="horz" lIns="91440" tIns="45720" rIns="91440" bIns="45720" rtlCol="0" anchor="ctr"/>
+          <a:bodyPr vert="horz" lIns="100054" tIns="50027" rIns="100054" bIns="50027" rtlCol="0" anchor="ctr"/>
           <a:lstStyle>
             <a:lvl1pPr algn="l">
-              <a:defRPr sz="1200">
+              <a:defRPr sz="1300">
                 <a:solidFill>
                   <a:schemeClr val="tx1">
                     <a:tint val="75000"/>
@@ -8831,7 +9078,7 @@
           <a:p>
             <a:fld id="{530820CF-B880-4189-942D-D702A7CBA730}" type="datetimeFigureOut">
               <a:rPr lang="zh-CN" altLang="en-US" smtClean="0"/>
-              <a:t>2019/10/14</a:t>
+              <a:t>2019/10/15</a:t>
             </a:fld>
             <a:endParaRPr lang="zh-CN" altLang="en-US"/>
           </a:p>
@@ -8849,18 +9096,18 @@
         </p:nvSpPr>
         <p:spPr>
           <a:xfrm>
-            <a:off x="3124200" y="6356350"/>
-            <a:ext cx="2895600" cy="365125"/>
+            <a:off x="3547812" y="6605014"/>
+            <a:ext cx="3288215" cy="379409"/>
           </a:xfrm>
           <a:prstGeom prst="rect">
             <a:avLst/>
           </a:prstGeom>
         </p:spPr>
         <p:txBody>
-          <a:bodyPr vert="horz" lIns="91440" tIns="45720" rIns="91440" bIns="45720" rtlCol="0" anchor="ctr"/>
+          <a:bodyPr vert="horz" lIns="100054" tIns="50027" rIns="100054" bIns="50027" rtlCol="0" anchor="ctr"/>
           <a:lstStyle>
             <a:lvl1pPr algn="ctr">
-              <a:defRPr sz="1200">
+              <a:defRPr sz="1300">
                 <a:solidFill>
                   <a:schemeClr val="tx1">
                     <a:tint val="75000"/>
@@ -8886,18 +9133,18 @@
         </p:nvSpPr>
         <p:spPr>
           <a:xfrm>
-            <a:off x="6553200" y="6356350"/>
-            <a:ext cx="2133600" cy="365125"/>
+            <a:off x="7441750" y="6605014"/>
+            <a:ext cx="2422896" cy="379409"/>
           </a:xfrm>
           <a:prstGeom prst="rect">
             <a:avLst/>
           </a:prstGeom>
         </p:spPr>
         <p:txBody>
-          <a:bodyPr vert="horz" lIns="91440" tIns="45720" rIns="91440" bIns="45720" rtlCol="0" anchor="ctr"/>
+          <a:bodyPr vert="horz" lIns="100054" tIns="50027" rIns="100054" bIns="50027" rtlCol="0" anchor="ctr"/>
           <a:lstStyle>
             <a:lvl1pPr algn="r">
-              <a:defRPr sz="1200">
+              <a:defRPr sz="1300">
                 <a:solidFill>
                   <a:schemeClr val="tx1">
                     <a:tint val="75000"/>
@@ -8925,12 +9172,12 @@
   </p:sldLayoutIdLst>
   <p:txStyles>
     <p:titleStyle>
-      <a:lvl1pPr algn="ctr" defTabSz="914400" rtl="0" eaLnBrk="1" latinLnBrk="0" hangingPunct="1">
+      <a:lvl1pPr algn="ctr" defTabSz="1000536" rtl="0" eaLnBrk="1" latinLnBrk="0" hangingPunct="1">
         <a:spcBef>
           <a:spcPct val="0"/>
         </a:spcBef>
         <a:buNone/>
-        <a:defRPr sz="4400" kern="1200">
+        <a:defRPr sz="4800" kern="1200">
           <a:solidFill>
             <a:schemeClr val="tx1"/>
           </a:solidFill>
@@ -8941,13 +9188,13 @@
       </a:lvl1pPr>
     </p:titleStyle>
     <p:bodyStyle>
-      <a:lvl1pPr marL="342900" indent="-342900" algn="l" defTabSz="914400" rtl="0" eaLnBrk="1" latinLnBrk="0" hangingPunct="1">
+      <a:lvl1pPr marL="375201" indent="-375201" algn="l" defTabSz="1000536" rtl="0" eaLnBrk="1" latinLnBrk="0" hangingPunct="1">
         <a:spcBef>
           <a:spcPct val="20000"/>
         </a:spcBef>
         <a:buFont typeface="Arial" pitchFamily="34" charset="0"/>
         <a:buChar char="•"/>
-        <a:defRPr sz="3200" kern="1200">
+        <a:defRPr sz="3500" kern="1200">
           <a:solidFill>
             <a:schemeClr val="tx1"/>
           </a:solidFill>
@@ -8956,13 +9203,13 @@
           <a:cs typeface="+mn-cs"/>
         </a:defRPr>
       </a:lvl1pPr>
-      <a:lvl2pPr marL="742950" indent="-285750" algn="l" defTabSz="914400" rtl="0" eaLnBrk="1" latinLnBrk="0" hangingPunct="1">
+      <a:lvl2pPr marL="812936" indent="-312668" algn="l" defTabSz="1000536" rtl="0" eaLnBrk="1" latinLnBrk="0" hangingPunct="1">
         <a:spcBef>
           <a:spcPct val="20000"/>
         </a:spcBef>
         <a:buFont typeface="Arial" pitchFamily="34" charset="0"/>
         <a:buChar char="–"/>
-        <a:defRPr sz="2800" kern="1200">
+        <a:defRPr sz="3100" kern="1200">
           <a:solidFill>
             <a:schemeClr val="tx1"/>
           </a:solidFill>
@@ -8971,13 +9218,13 @@
           <a:cs typeface="+mn-cs"/>
         </a:defRPr>
       </a:lvl2pPr>
-      <a:lvl3pPr marL="1143000" indent="-228600" algn="l" defTabSz="914400" rtl="0" eaLnBrk="1" latinLnBrk="0" hangingPunct="1">
+      <a:lvl3pPr marL="1250671" indent="-250134" algn="l" defTabSz="1000536" rtl="0" eaLnBrk="1" latinLnBrk="0" hangingPunct="1">
         <a:spcBef>
           <a:spcPct val="20000"/>
         </a:spcBef>
         <a:buFont typeface="Arial" pitchFamily="34" charset="0"/>
         <a:buChar char="•"/>
-        <a:defRPr sz="2400" kern="1200">
+        <a:defRPr sz="2600" kern="1200">
           <a:solidFill>
             <a:schemeClr val="tx1"/>
           </a:solidFill>
@@ -8986,13 +9233,13 @@
           <a:cs typeface="+mn-cs"/>
         </a:defRPr>
       </a:lvl3pPr>
-      <a:lvl4pPr marL="1600200" indent="-228600" algn="l" defTabSz="914400" rtl="0" eaLnBrk="1" latinLnBrk="0" hangingPunct="1">
+      <a:lvl4pPr marL="1750939" indent="-250134" algn="l" defTabSz="1000536" rtl="0" eaLnBrk="1" latinLnBrk="0" hangingPunct="1">
         <a:spcBef>
           <a:spcPct val="20000"/>
         </a:spcBef>
         <a:buFont typeface="Arial" pitchFamily="34" charset="0"/>
         <a:buChar char="–"/>
-        <a:defRPr sz="2000" kern="1200">
+        <a:defRPr sz="2200" kern="1200">
           <a:solidFill>
             <a:schemeClr val="tx1"/>
           </a:solidFill>
@@ -9001,13 +9248,13 @@
           <a:cs typeface="+mn-cs"/>
         </a:defRPr>
       </a:lvl4pPr>
-      <a:lvl5pPr marL="2057400" indent="-228600" algn="l" defTabSz="914400" rtl="0" eaLnBrk="1" latinLnBrk="0" hangingPunct="1">
+      <a:lvl5pPr marL="2251207" indent="-250134" algn="l" defTabSz="1000536" rtl="0" eaLnBrk="1" latinLnBrk="0" hangingPunct="1">
         <a:spcBef>
           <a:spcPct val="20000"/>
         </a:spcBef>
         <a:buFont typeface="Arial" pitchFamily="34" charset="0"/>
         <a:buChar char="»"/>
-        <a:defRPr sz="2000" kern="1200">
+        <a:defRPr sz="2200" kern="1200">
           <a:solidFill>
             <a:schemeClr val="tx1"/>
           </a:solidFill>
@@ -9016,13 +9263,13 @@
           <a:cs typeface="+mn-cs"/>
         </a:defRPr>
       </a:lvl5pPr>
-      <a:lvl6pPr marL="2514600" indent="-228600" algn="l" defTabSz="914400" rtl="0" eaLnBrk="1" latinLnBrk="0" hangingPunct="1">
+      <a:lvl6pPr marL="2751475" indent="-250134" algn="l" defTabSz="1000536" rtl="0" eaLnBrk="1" latinLnBrk="0" hangingPunct="1">
         <a:spcBef>
           <a:spcPct val="20000"/>
         </a:spcBef>
         <a:buFont typeface="Arial" pitchFamily="34" charset="0"/>
         <a:buChar char="•"/>
-        <a:defRPr sz="2000" kern="1200">
+        <a:defRPr sz="2200" kern="1200">
           <a:solidFill>
             <a:schemeClr val="tx1"/>
           </a:solidFill>
@@ -9031,13 +9278,13 @@
           <a:cs typeface="+mn-cs"/>
         </a:defRPr>
       </a:lvl6pPr>
-      <a:lvl7pPr marL="2971800" indent="-228600" algn="l" defTabSz="914400" rtl="0" eaLnBrk="1" latinLnBrk="0" hangingPunct="1">
+      <a:lvl7pPr marL="3251744" indent="-250134" algn="l" defTabSz="1000536" rtl="0" eaLnBrk="1" latinLnBrk="0" hangingPunct="1">
         <a:spcBef>
           <a:spcPct val="20000"/>
         </a:spcBef>
         <a:buFont typeface="Arial" pitchFamily="34" charset="0"/>
         <a:buChar char="•"/>
-        <a:defRPr sz="2000" kern="1200">
+        <a:defRPr sz="2200" kern="1200">
           <a:solidFill>
             <a:schemeClr val="tx1"/>
           </a:solidFill>
@@ -9046,13 +9293,13 @@
           <a:cs typeface="+mn-cs"/>
         </a:defRPr>
       </a:lvl7pPr>
-      <a:lvl8pPr marL="3429000" indent="-228600" algn="l" defTabSz="914400" rtl="0" eaLnBrk="1" latinLnBrk="0" hangingPunct="1">
+      <a:lvl8pPr marL="3752012" indent="-250134" algn="l" defTabSz="1000536" rtl="0" eaLnBrk="1" latinLnBrk="0" hangingPunct="1">
         <a:spcBef>
           <a:spcPct val="20000"/>
         </a:spcBef>
         <a:buFont typeface="Arial" pitchFamily="34" charset="0"/>
         <a:buChar char="•"/>
-        <a:defRPr sz="2000" kern="1200">
+        <a:defRPr sz="2200" kern="1200">
           <a:solidFill>
             <a:schemeClr val="tx1"/>
           </a:solidFill>
@@ -9061,13 +9308,13 @@
           <a:cs typeface="+mn-cs"/>
         </a:defRPr>
       </a:lvl8pPr>
-      <a:lvl9pPr marL="3886200" indent="-228600" algn="l" defTabSz="914400" rtl="0" eaLnBrk="1" latinLnBrk="0" hangingPunct="1">
+      <a:lvl9pPr marL="4252280" indent="-250134" algn="l" defTabSz="1000536" rtl="0" eaLnBrk="1" latinLnBrk="0" hangingPunct="1">
         <a:spcBef>
           <a:spcPct val="20000"/>
         </a:spcBef>
         <a:buFont typeface="Arial" pitchFamily="34" charset="0"/>
         <a:buChar char="•"/>
-        <a:defRPr sz="2000" kern="1200">
+        <a:defRPr sz="2200" kern="1200">
           <a:solidFill>
             <a:schemeClr val="tx1"/>
           </a:solidFill>
@@ -9081,8 +9328,8 @@
       <a:defPPr>
         <a:defRPr lang="zh-CN"/>
       </a:defPPr>
-      <a:lvl1pPr marL="0" algn="l" defTabSz="914400" rtl="0" eaLnBrk="1" latinLnBrk="0" hangingPunct="1">
-        <a:defRPr sz="1800" kern="1200">
+      <a:lvl1pPr marL="0" algn="l" defTabSz="1000536" rtl="0" eaLnBrk="1" latinLnBrk="0" hangingPunct="1">
+        <a:defRPr sz="2000" kern="1200">
           <a:solidFill>
             <a:schemeClr val="tx1"/>
           </a:solidFill>
@@ -9091,8 +9338,8 @@
           <a:cs typeface="+mn-cs"/>
         </a:defRPr>
       </a:lvl1pPr>
-      <a:lvl2pPr marL="457200" algn="l" defTabSz="914400" rtl="0" eaLnBrk="1" latinLnBrk="0" hangingPunct="1">
-        <a:defRPr sz="1800" kern="1200">
+      <a:lvl2pPr marL="500268" algn="l" defTabSz="1000536" rtl="0" eaLnBrk="1" latinLnBrk="0" hangingPunct="1">
+        <a:defRPr sz="2000" kern="1200">
           <a:solidFill>
             <a:schemeClr val="tx1"/>
           </a:solidFill>
@@ -9101,8 +9348,8 @@
           <a:cs typeface="+mn-cs"/>
         </a:defRPr>
       </a:lvl2pPr>
-      <a:lvl3pPr marL="914400" algn="l" defTabSz="914400" rtl="0" eaLnBrk="1" latinLnBrk="0" hangingPunct="1">
-        <a:defRPr sz="1800" kern="1200">
+      <a:lvl3pPr marL="1000536" algn="l" defTabSz="1000536" rtl="0" eaLnBrk="1" latinLnBrk="0" hangingPunct="1">
+        <a:defRPr sz="2000" kern="1200">
           <a:solidFill>
             <a:schemeClr val="tx1"/>
           </a:solidFill>
@@ -9111,8 +9358,8 @@
           <a:cs typeface="+mn-cs"/>
         </a:defRPr>
       </a:lvl3pPr>
-      <a:lvl4pPr marL="1371600" algn="l" defTabSz="914400" rtl="0" eaLnBrk="1" latinLnBrk="0" hangingPunct="1">
-        <a:defRPr sz="1800" kern="1200">
+      <a:lvl4pPr marL="1500805" algn="l" defTabSz="1000536" rtl="0" eaLnBrk="1" latinLnBrk="0" hangingPunct="1">
+        <a:defRPr sz="2000" kern="1200">
           <a:solidFill>
             <a:schemeClr val="tx1"/>
           </a:solidFill>
@@ -9121,8 +9368,8 @@
           <a:cs typeface="+mn-cs"/>
         </a:defRPr>
       </a:lvl4pPr>
-      <a:lvl5pPr marL="1828800" algn="l" defTabSz="914400" rtl="0" eaLnBrk="1" latinLnBrk="0" hangingPunct="1">
-        <a:defRPr sz="1800" kern="1200">
+      <a:lvl5pPr marL="2001073" algn="l" defTabSz="1000536" rtl="0" eaLnBrk="1" latinLnBrk="0" hangingPunct="1">
+        <a:defRPr sz="2000" kern="1200">
           <a:solidFill>
             <a:schemeClr val="tx1"/>
           </a:solidFill>
@@ -9131,8 +9378,8 @@
           <a:cs typeface="+mn-cs"/>
         </a:defRPr>
       </a:lvl5pPr>
-      <a:lvl6pPr marL="2286000" algn="l" defTabSz="914400" rtl="0" eaLnBrk="1" latinLnBrk="0" hangingPunct="1">
-        <a:defRPr sz="1800" kern="1200">
+      <a:lvl6pPr marL="2501341" algn="l" defTabSz="1000536" rtl="0" eaLnBrk="1" latinLnBrk="0" hangingPunct="1">
+        <a:defRPr sz="2000" kern="1200">
           <a:solidFill>
             <a:schemeClr val="tx1"/>
           </a:solidFill>
@@ -9141,8 +9388,8 @@
           <a:cs typeface="+mn-cs"/>
         </a:defRPr>
       </a:lvl6pPr>
-      <a:lvl7pPr marL="2743200" algn="l" defTabSz="914400" rtl="0" eaLnBrk="1" latinLnBrk="0" hangingPunct="1">
-        <a:defRPr sz="1800" kern="1200">
+      <a:lvl7pPr marL="3001609" algn="l" defTabSz="1000536" rtl="0" eaLnBrk="1" latinLnBrk="0" hangingPunct="1">
+        <a:defRPr sz="2000" kern="1200">
           <a:solidFill>
             <a:schemeClr val="tx1"/>
           </a:solidFill>
@@ -9151,8 +9398,8 @@
           <a:cs typeface="+mn-cs"/>
         </a:defRPr>
       </a:lvl7pPr>
-      <a:lvl8pPr marL="3200400" algn="l" defTabSz="914400" rtl="0" eaLnBrk="1" latinLnBrk="0" hangingPunct="1">
-        <a:defRPr sz="1800" kern="1200">
+      <a:lvl8pPr marL="3501878" algn="l" defTabSz="1000536" rtl="0" eaLnBrk="1" latinLnBrk="0" hangingPunct="1">
+        <a:defRPr sz="2000" kern="1200">
           <a:solidFill>
             <a:schemeClr val="tx1"/>
           </a:solidFill>
@@ -9161,8 +9408,8 @@
           <a:cs typeface="+mn-cs"/>
         </a:defRPr>
       </a:lvl8pPr>
-      <a:lvl9pPr marL="3657600" algn="l" defTabSz="914400" rtl="0" eaLnBrk="1" latinLnBrk="0" hangingPunct="1">
-        <a:defRPr sz="1800" kern="1200">
+      <a:lvl9pPr marL="4002146" algn="l" defTabSz="1000536" rtl="0" eaLnBrk="1" latinLnBrk="0" hangingPunct="1">
+        <a:defRPr sz="2000" kern="1200">
           <a:solidFill>
             <a:schemeClr val="tx1"/>
           </a:solidFill>
@@ -9320,8 +9567,8 @@
         </p:nvSpPr>
         <p:spPr>
           <a:xfrm>
-            <a:off x="5105400" y="1371600"/>
-            <a:ext cx="4038600" cy="4953000"/>
+            <a:off x="5797643" y="1425257"/>
+            <a:ext cx="4586195" cy="5146764"/>
           </a:xfrm>
           <a:prstGeom prst="rect">
             <a:avLst/>
@@ -9348,8 +9595,8 @@
         </p:nvSpPr>
         <p:spPr bwMode="auto">
           <a:xfrm>
-            <a:off x="5148263" y="1863725"/>
-            <a:ext cx="3506787" cy="366713"/>
+            <a:off x="5846318" y="1936635"/>
+            <a:ext cx="3982273" cy="408808"/>
           </a:xfrm>
           <a:prstGeom prst="rect">
             <a:avLst/>
@@ -9363,7 +9610,7 @@
           </a:ln>
         </p:spPr>
         <p:txBody>
-          <a:bodyPr>
+          <a:bodyPr lIns="100054" tIns="50027" rIns="100054" bIns="50027">
             <a:spAutoFit/>
           </a:bodyPr>
           <a:lstStyle/>
@@ -9390,8 +9637,8 @@
         </p:nvSpPr>
         <p:spPr bwMode="auto">
           <a:xfrm>
-            <a:off x="533400" y="1914525"/>
-            <a:ext cx="8137525" cy="315913"/>
+            <a:off x="605724" y="1989422"/>
+            <a:ext cx="9240895" cy="328272"/>
           </a:xfrm>
           <a:prstGeom prst="rect">
             <a:avLst/>
@@ -9405,10 +9652,10 @@
           </a:ln>
         </p:spPr>
         <p:txBody>
-          <a:bodyPr/>
+          <a:bodyPr lIns="100054" tIns="50027" rIns="100054" bIns="50027"/>
           <a:lstStyle/>
           <a:p>
-            <a:pPr marL="342900" indent="-342900">
+            <a:pPr marL="375201" indent="-375201">
               <a:spcBef>
                 <a:spcPct val="20000"/>
               </a:spcBef>
@@ -9416,8 +9663,6 @@
                 <a:schemeClr val="bg2"/>
               </a:buClr>
               <a:buSzPct val="70000"/>
-              <a:buFont typeface="Wingdings" pitchFamily="2" charset="2"/>
-              <a:buNone/>
             </a:pPr>
             <a:endParaRPr lang="en-US" altLang="zh-CN" b="1">
               <a:latin typeface="宋体" pitchFamily="2" charset="-122"/>
@@ -9440,8 +9685,8 @@
         </p:blipFill>
         <p:spPr bwMode="auto">
           <a:xfrm>
-            <a:off x="557122" y="980053"/>
-            <a:ext cx="4732057" cy="3807100"/>
+            <a:off x="632663" y="1018393"/>
+            <a:ext cx="5373678" cy="3956035"/>
           </a:xfrm>
           <a:prstGeom prst="rect">
             <a:avLst/>
@@ -9470,8 +9715,8 @@
         </p:blipFill>
         <p:spPr bwMode="auto">
           <a:xfrm>
-            <a:off x="3656014" y="2994218"/>
-            <a:ext cx="5039753" cy="3603808"/>
+            <a:off x="4151735" y="3111353"/>
+            <a:ext cx="5723095" cy="3744791"/>
           </a:xfrm>
           <a:prstGeom prst="rect">
             <a:avLst/>
@@ -9668,8 +9913,8 @@
         </p:blipFill>
         <p:spPr bwMode="auto">
           <a:xfrm>
-            <a:off x="1318551" y="1416435"/>
-            <a:ext cx="6677955" cy="4122123"/>
+            <a:off x="1497334" y="1471847"/>
+            <a:ext cx="7583421" cy="4283382"/>
           </a:xfrm>
           <a:prstGeom prst="rect">
             <a:avLst/>
@@ -9691,8 +9936,8 @@
         </p:nvSpPr>
         <p:spPr bwMode="auto">
           <a:xfrm>
-            <a:off x="1703293" y="3024768"/>
-            <a:ext cx="1541930" cy="686620"/>
+            <a:off x="1934243" y="3143098"/>
+            <a:ext cx="1751001" cy="713481"/>
           </a:xfrm>
           <a:prstGeom prst="roundRect">
             <a:avLst/>
@@ -9710,37 +9955,22 @@
           <a:effectLst/>
         </p:spPr>
         <p:txBody>
-          <a:bodyPr vert="horz" wrap="square" lIns="91440" tIns="45720" rIns="91440" bIns="45720" numCol="1" rtlCol="0" anchor="t" anchorCtr="0" compatLnSpc="1">
+          <a:bodyPr vert="horz" wrap="square" lIns="100054" tIns="50027" rIns="100054" bIns="50027" numCol="1" rtlCol="0" anchor="t" anchorCtr="0" compatLnSpc="1">
             <a:prstTxWarp prst="textNoShape">
               <a:avLst/>
             </a:prstTxWarp>
           </a:bodyPr>
           <a:lstStyle/>
           <a:p>
-            <a:pPr marL="0" marR="0" indent="0" algn="l" defTabSz="914400" rtl="0" eaLnBrk="0" fontAlgn="base" latinLnBrk="0" hangingPunct="0">
-              <a:lnSpc>
-                <a:spcPct val="100000"/>
-              </a:lnSpc>
+            <a:pPr eaLnBrk="0" fontAlgn="base" hangingPunct="0">
               <a:spcBef>
                 <a:spcPct val="0"/>
               </a:spcBef>
               <a:spcAft>
                 <a:spcPct val="0"/>
               </a:spcAft>
-              <a:buClrTx/>
-              <a:buSzTx/>
-              <a:buFontTx/>
-              <a:buNone/>
-              <a:tabLst/>
             </a:pPr>
-            <a:endParaRPr kumimoji="0" lang="zh-CN" altLang="en-US" sz="1900" b="0" i="0" u="none" strike="noStrike" cap="none" normalizeH="0" baseline="0" smtClean="0">
-              <a:ln>
-                <a:noFill/>
-              </a:ln>
-              <a:solidFill>
-                <a:schemeClr val="tx1"/>
-              </a:solidFill>
-              <a:effectLst/>
+            <a:endParaRPr lang="zh-CN" altLang="en-US" sz="2100">
               <a:latin typeface="Times New Roman" pitchFamily="18" charset="0"/>
             </a:endParaRPr>
           </a:p>
@@ -9868,8 +10098,8 @@
         </p:blipFill>
         <p:spPr bwMode="auto">
           <a:xfrm>
-            <a:off x="1590830" y="1202083"/>
-            <a:ext cx="5999017" cy="4336474"/>
+            <a:off x="1806532" y="1249109"/>
+            <a:ext cx="6812426" cy="4506119"/>
           </a:xfrm>
           <a:prstGeom prst="rect">
             <a:avLst/>
@@ -9898,8 +10128,8 @@
         </p:blipFill>
         <p:spPr bwMode="auto">
           <a:xfrm>
-            <a:off x="4278433" y="5935635"/>
-            <a:ext cx="4314825" cy="561975"/>
+            <a:off x="4858547" y="6167840"/>
+            <a:ext cx="4899874" cy="583960"/>
           </a:xfrm>
           <a:prstGeom prst="rect">
             <a:avLst/>
@@ -10076,8 +10306,8 @@
         </p:blipFill>
         <p:spPr bwMode="auto">
           <a:xfrm>
-            <a:off x="1318551" y="1416435"/>
-            <a:ext cx="6677955" cy="4122123"/>
+            <a:off x="1497334" y="1471847"/>
+            <a:ext cx="7583421" cy="4283382"/>
           </a:xfrm>
           <a:prstGeom prst="rect">
             <a:avLst/>
@@ -10099,8 +10329,8 @@
         </p:nvSpPr>
         <p:spPr bwMode="auto">
           <a:xfrm>
-            <a:off x="6042111" y="3024768"/>
-            <a:ext cx="1541930" cy="686620"/>
+            <a:off x="6861363" y="3143098"/>
+            <a:ext cx="1751001" cy="713481"/>
           </a:xfrm>
           <a:prstGeom prst="roundRect">
             <a:avLst/>
@@ -10118,37 +10348,22 @@
           <a:effectLst/>
         </p:spPr>
         <p:txBody>
-          <a:bodyPr vert="horz" wrap="square" lIns="91440" tIns="45720" rIns="91440" bIns="45720" numCol="1" rtlCol="0" anchor="t" anchorCtr="0" compatLnSpc="1">
+          <a:bodyPr vert="horz" wrap="square" lIns="100054" tIns="50027" rIns="100054" bIns="50027" numCol="1" rtlCol="0" anchor="t" anchorCtr="0" compatLnSpc="1">
             <a:prstTxWarp prst="textNoShape">
               <a:avLst/>
             </a:prstTxWarp>
           </a:bodyPr>
           <a:lstStyle/>
           <a:p>
-            <a:pPr marL="0" marR="0" indent="0" algn="l" defTabSz="914400" rtl="0" eaLnBrk="0" fontAlgn="base" latinLnBrk="0" hangingPunct="0">
-              <a:lnSpc>
-                <a:spcPct val="100000"/>
-              </a:lnSpc>
+            <a:pPr eaLnBrk="0" fontAlgn="base" hangingPunct="0">
               <a:spcBef>
                 <a:spcPct val="0"/>
               </a:spcBef>
               <a:spcAft>
                 <a:spcPct val="0"/>
               </a:spcAft>
-              <a:buClrTx/>
-              <a:buSzTx/>
-              <a:buFontTx/>
-              <a:buNone/>
-              <a:tabLst/>
             </a:pPr>
-            <a:endParaRPr kumimoji="0" lang="zh-CN" altLang="en-US" sz="1900" b="0" i="0" u="none" strike="noStrike" cap="none" normalizeH="0" baseline="0" smtClean="0">
-              <a:ln>
-                <a:noFill/>
-              </a:ln>
-              <a:solidFill>
-                <a:schemeClr val="tx1"/>
-              </a:solidFill>
-              <a:effectLst/>
+            <a:endParaRPr lang="zh-CN" altLang="en-US" sz="2100">
               <a:latin typeface="Times New Roman" pitchFamily="18" charset="0"/>
             </a:endParaRPr>
           </a:p>
@@ -10289,8 +10504,8 @@
         </p:blipFill>
         <p:spPr bwMode="auto">
           <a:xfrm>
-            <a:off x="650298" y="1038978"/>
-            <a:ext cx="5598103" cy="4836985"/>
+            <a:off x="738473" y="1079624"/>
+            <a:ext cx="6357152" cy="5026210"/>
           </a:xfrm>
           <a:prstGeom prst="rect">
             <a:avLst/>
@@ -10321,8 +10536,8 @@
         </p:blipFill>
         <p:spPr bwMode="auto">
           <a:xfrm>
-            <a:off x="6733311" y="2216540"/>
-            <a:ext cx="1814034" cy="1990332"/>
+            <a:off x="7646283" y="2303252"/>
+            <a:ext cx="2059999" cy="2068195"/>
           </a:xfrm>
           <a:prstGeom prst="rect">
             <a:avLst/>
@@ -10345,8 +10560,8 @@
         </p:nvSpPr>
         <p:spPr>
           <a:xfrm>
-            <a:off x="6404864" y="4791182"/>
-            <a:ext cx="2470195" cy="584775"/>
+            <a:off x="7273302" y="4978616"/>
+            <a:ext cx="2805130" cy="655029"/>
           </a:xfrm>
           <a:prstGeom prst="rect">
             <a:avLst/>
@@ -10354,13 +10569,13 @@
           <a:noFill/>
         </p:spPr>
         <p:txBody>
-          <a:bodyPr wrap="square" rtlCol="0">
+          <a:bodyPr wrap="square" lIns="100054" tIns="50027" rIns="100054" bIns="50027" rtlCol="0">
             <a:spAutoFit/>
           </a:bodyPr>
           <a:lstStyle/>
           <a:p>
             <a:r>
-              <a:rPr lang="zh-CN" altLang="en-US" sz="1600" dirty="0" smtClean="0">
+              <a:rPr lang="zh-CN" altLang="en-US" sz="1800" dirty="0">
                 <a:solidFill>
                   <a:schemeClr val="tx1">
                     <a:lumMod val="10000"/>
@@ -10371,7 +10586,7 @@
               </a:rPr>
               <a:t>每一步都有一个图标表示</a:t>
             </a:r>
-            <a:endParaRPr lang="en-US" altLang="zh-CN" sz="1600" dirty="0" smtClean="0">
+            <a:endParaRPr lang="en-US" altLang="zh-CN" sz="1800" dirty="0">
               <a:solidFill>
                 <a:schemeClr val="tx1">
                   <a:lumMod val="10000"/>
@@ -10383,7 +10598,7 @@
           </a:p>
           <a:p>
             <a:r>
-              <a:rPr lang="zh-CN" altLang="en-US" sz="1600" dirty="0" smtClean="0">
+              <a:rPr lang="zh-CN" altLang="en-US" sz="1800" dirty="0">
                 <a:solidFill>
                   <a:schemeClr val="tx1">
                     <a:lumMod val="10000"/>
@@ -10394,7 +10609,7 @@
               </a:rPr>
               <a:t>每一步表示一个操作</a:t>
             </a:r>
-            <a:endParaRPr lang="en-US" altLang="zh-CN" sz="1600" dirty="0" smtClean="0">
+            <a:endParaRPr lang="en-US" altLang="zh-CN" sz="1800" dirty="0">
               <a:solidFill>
                 <a:schemeClr val="tx1">
                   <a:lumMod val="10000"/>
@@ -10541,8 +10756,8 @@
         </p:blipFill>
         <p:spPr bwMode="auto">
           <a:xfrm>
-            <a:off x="594879" y="1019175"/>
-            <a:ext cx="4794539" cy="2887807"/>
+            <a:off x="675539" y="1059046"/>
+            <a:ext cx="5444632" cy="3000779"/>
           </a:xfrm>
           <a:prstGeom prst="rect">
             <a:avLst/>
@@ -10571,8 +10786,8 @@
         </p:blipFill>
         <p:spPr bwMode="auto">
           <a:xfrm>
-            <a:off x="1011381" y="1677697"/>
-            <a:ext cx="5265594" cy="2949720"/>
+            <a:off x="1148514" y="1743329"/>
+            <a:ext cx="5979558" cy="3065114"/>
           </a:xfrm>
           <a:prstGeom prst="rect">
             <a:avLst/>
@@ -10601,8 +10816,8 @@
         </p:blipFill>
         <p:spPr bwMode="auto">
           <a:xfrm>
-            <a:off x="2271280" y="2393373"/>
-            <a:ext cx="5237884" cy="2802082"/>
+            <a:off x="2579244" y="2487003"/>
+            <a:ext cx="5948090" cy="2911701"/>
           </a:xfrm>
           <a:prstGeom prst="rect">
             <a:avLst/>
@@ -10631,8 +10846,8 @@
         </p:blipFill>
         <p:spPr bwMode="auto">
           <a:xfrm>
-            <a:off x="3772332" y="3005064"/>
-            <a:ext cx="4914468" cy="2905125"/>
+            <a:off x="4283824" y="3122624"/>
+            <a:ext cx="5580822" cy="3018775"/>
           </a:xfrm>
           <a:prstGeom prst="rect">
             <a:avLst/>
@@ -10669,8 +10884,8 @@
         </p:blipFill>
         <p:spPr bwMode="auto">
           <a:xfrm>
-            <a:off x="490528" y="1019175"/>
-            <a:ext cx="8196272" cy="4891014"/>
+            <a:off x="557039" y="1059045"/>
+            <a:ext cx="9307607" cy="5082353"/>
           </a:xfrm>
           <a:prstGeom prst="rect">
             <a:avLst/>
@@ -11173,8 +11388,8 @@
         </p:nvSpPr>
         <p:spPr bwMode="auto">
           <a:xfrm>
-            <a:off x="483971" y="4619880"/>
-            <a:ext cx="4443412" cy="412750"/>
+            <a:off x="549593" y="4800612"/>
+            <a:ext cx="5045896" cy="428897"/>
           </a:xfrm>
           <a:prstGeom prst="rect">
             <a:avLst/>
@@ -11188,12 +11403,12 @@
           </a:ln>
         </p:spPr>
         <p:txBody>
-          <a:bodyPr/>
+          <a:bodyPr lIns="100054" tIns="50027" rIns="100054" bIns="50027"/>
           <a:lstStyle/>
           <a:p>
             <a:pPr algn="l"/>
             <a:r>
-              <a:rPr lang="zh-CN" altLang="en-US" sz="2000" dirty="0" smtClean="0">
+              <a:rPr lang="zh-CN" altLang="en-US" sz="2200" dirty="0">
                 <a:solidFill>
                   <a:srgbClr val="FF0000"/>
                 </a:solidFill>
@@ -11203,7 +11418,7 @@
               <a:t>提高</a:t>
             </a:r>
             <a:r>
-              <a:rPr lang="zh-CN" altLang="en-US" sz="2000" dirty="0">
+              <a:rPr lang="zh-CN" altLang="en-US" sz="2200" dirty="0">
                 <a:solidFill>
                   <a:srgbClr val="FF0000"/>
                 </a:solidFill>
@@ -11213,7 +11428,7 @@
               <a:t>录制脚本的</a:t>
             </a:r>
             <a:r>
-              <a:rPr lang="zh-CN" altLang="en-US" sz="2000" dirty="0" smtClean="0">
+              <a:rPr lang="zh-CN" altLang="en-US" sz="2200" dirty="0">
                 <a:solidFill>
                   <a:srgbClr val="FF0000"/>
                 </a:solidFill>
@@ -11222,7 +11437,7 @@
               </a:rPr>
               <a:t>可读性</a:t>
             </a:r>
-            <a:endParaRPr lang="en-US" altLang="zh-CN" sz="2000" dirty="0">
+            <a:endParaRPr lang="en-US" altLang="zh-CN" sz="2200" dirty="0">
               <a:solidFill>
                 <a:srgbClr val="FF0000"/>
               </a:solidFill>
@@ -11247,8 +11462,8 @@
         </p:blipFill>
         <p:spPr bwMode="auto">
           <a:xfrm>
-            <a:off x="5145746" y="1111632"/>
-            <a:ext cx="3299106" cy="2462140"/>
+            <a:off x="5843459" y="1155120"/>
+            <a:ext cx="3746433" cy="2558460"/>
           </a:xfrm>
           <a:prstGeom prst="rect">
             <a:avLst/>
@@ -11277,8 +11492,8 @@
         </p:blipFill>
         <p:spPr bwMode="auto">
           <a:xfrm>
-            <a:off x="3672170" y="4305470"/>
-            <a:ext cx="2779061" cy="2223247"/>
+            <a:off x="4170081" y="4473903"/>
+            <a:ext cx="3155875" cy="2310221"/>
           </a:xfrm>
           <a:prstGeom prst="rect">
             <a:avLst/>
@@ -11302,8 +11517,8 @@
         </p:nvGrpSpPr>
         <p:grpSpPr bwMode="auto">
           <a:xfrm>
-            <a:off x="6451231" y="3928019"/>
-            <a:ext cx="1971675" cy="1489075"/>
+            <a:off x="7325956" y="4081686"/>
+            <a:ext cx="2239015" cy="1547328"/>
             <a:chOff x="4332" y="3162"/>
             <a:chExt cx="1242" cy="938"/>
           </a:xfrm>
@@ -11347,13 +11562,13 @@
             <a:p>
               <a:pPr algn="l"/>
               <a:r>
-                <a:rPr lang="zh-CN" altLang="en-US" sz="1600" dirty="0" smtClean="0">
+                <a:rPr lang="zh-CN" altLang="en-US" sz="1800" dirty="0">
                   <a:ea typeface="宋体" charset="-122"/>
                 </a:rPr>
                 <a:t>       </a:t>
               </a:r>
               <a:r>
-                <a:rPr lang="zh-CN" altLang="en-US" sz="1600" dirty="0" smtClean="0">
+                <a:rPr lang="zh-CN" altLang="en-US" sz="1800" dirty="0">
                   <a:solidFill>
                     <a:srgbClr val="FF0000"/>
                   </a:solidFill>
@@ -11362,7 +11577,7 @@
                 <a:t> 建议</a:t>
               </a:r>
               <a:r>
-                <a:rPr lang="zh-CN" altLang="en-US" sz="1600" dirty="0">
+                <a:rPr lang="zh-CN" altLang="en-US" sz="1800" dirty="0">
                   <a:solidFill>
                     <a:srgbClr val="FF0000"/>
                   </a:solidFill>
@@ -11370,7 +11585,7 @@
                 </a:rPr>
                 <a:t>在脚本录制过程中对每个步骤进行重命名</a:t>
               </a:r>
-              <a:endParaRPr lang="zh-CN" altLang="en-US" sz="1600" u="sng" dirty="0">
+              <a:endParaRPr lang="zh-CN" altLang="en-US" sz="1800" u="sng" dirty="0">
                 <a:solidFill>
                   <a:srgbClr val="FF0000"/>
                 </a:solidFill>
@@ -11422,7 +11637,7 @@
                 <a:defRPr/>
               </a:pPr>
               <a:r>
-                <a:rPr lang="en-US" altLang="zh-CN" sz="1600" i="1" dirty="0">
+                <a:rPr lang="en-US" altLang="zh-CN" sz="1800" i="1" dirty="0">
                   <a:solidFill>
                     <a:schemeClr val="tx1">
                       <a:lumMod val="10000"/>
@@ -11700,8 +11915,8 @@
         </p:blipFill>
         <p:spPr bwMode="auto">
           <a:xfrm>
-            <a:off x="688599" y="1012173"/>
-            <a:ext cx="2072528" cy="4886601"/>
+            <a:off x="781966" y="1051770"/>
+            <a:ext cx="2353543" cy="5077767"/>
           </a:xfrm>
           <a:prstGeom prst="rect">
             <a:avLst/>
@@ -11730,8 +11945,8 @@
         </p:blipFill>
         <p:spPr bwMode="auto">
           <a:xfrm>
-            <a:off x="2965838" y="1859740"/>
-            <a:ext cx="5631317" cy="3294970"/>
+            <a:off x="3367978" y="1932494"/>
+            <a:ext cx="6394869" cy="3423871"/>
           </a:xfrm>
           <a:prstGeom prst="rect">
             <a:avLst/>
@@ -12008,8 +12223,8 @@
         </p:nvSpPr>
         <p:spPr>
           <a:xfrm>
-            <a:off x="5105400" y="1371600"/>
-            <a:ext cx="4038600" cy="4953000"/>
+            <a:off x="5797643" y="1425257"/>
+            <a:ext cx="4586195" cy="5146764"/>
           </a:xfrm>
           <a:prstGeom prst="rect">
             <a:avLst/>
@@ -12036,8 +12251,8 @@
         </p:nvSpPr>
         <p:spPr bwMode="auto">
           <a:xfrm>
-            <a:off x="5148263" y="1863725"/>
-            <a:ext cx="3506787" cy="366713"/>
+            <a:off x="5846318" y="1936635"/>
+            <a:ext cx="3982273" cy="408808"/>
           </a:xfrm>
           <a:prstGeom prst="rect">
             <a:avLst/>
@@ -12051,7 +12266,7 @@
           </a:ln>
         </p:spPr>
         <p:txBody>
-          <a:bodyPr>
+          <a:bodyPr lIns="100054" tIns="50027" rIns="100054" bIns="50027">
             <a:spAutoFit/>
           </a:bodyPr>
           <a:lstStyle/>
@@ -12078,8 +12293,8 @@
         </p:nvSpPr>
         <p:spPr bwMode="auto">
           <a:xfrm>
-            <a:off x="533400" y="1914525"/>
-            <a:ext cx="8137525" cy="315913"/>
+            <a:off x="605724" y="1989422"/>
+            <a:ext cx="9240895" cy="328272"/>
           </a:xfrm>
           <a:prstGeom prst="rect">
             <a:avLst/>
@@ -12093,10 +12308,10 @@
           </a:ln>
         </p:spPr>
         <p:txBody>
-          <a:bodyPr/>
+          <a:bodyPr lIns="100054" tIns="50027" rIns="100054" bIns="50027"/>
           <a:lstStyle/>
           <a:p>
-            <a:pPr marL="342900" indent="-342900">
+            <a:pPr marL="375201" indent="-375201">
               <a:spcBef>
                 <a:spcPct val="20000"/>
               </a:spcBef>
@@ -12104,8 +12319,6 @@
                 <a:schemeClr val="bg2"/>
               </a:buClr>
               <a:buSzPct val="70000"/>
-              <a:buFont typeface="Wingdings" pitchFamily="2" charset="2"/>
-              <a:buNone/>
             </a:pPr>
             <a:endParaRPr lang="en-US" altLang="zh-CN" b="1">
               <a:latin typeface="宋体" pitchFamily="2" charset="-122"/>
@@ -12128,8 +12341,8 @@
         </p:blipFill>
         <p:spPr bwMode="auto">
           <a:xfrm>
-            <a:off x="1701426" y="997985"/>
-            <a:ext cx="5954432" cy="4972512"/>
+            <a:off x="1932123" y="1037027"/>
+            <a:ext cx="6761795" cy="5167039"/>
           </a:xfrm>
           <a:prstGeom prst="rect">
             <a:avLst/>
@@ -12423,8 +12636,8 @@
         </p:blipFill>
         <p:spPr bwMode="auto">
           <a:xfrm>
-            <a:off x="251521" y="908720"/>
-            <a:ext cx="8568952" cy="5281357"/>
+            <a:off x="285625" y="944270"/>
+            <a:ext cx="9730819" cy="5487966"/>
           </a:xfrm>
           <a:prstGeom prst="rect">
             <a:avLst/>
@@ -12540,8 +12753,8 @@
         </p:blipFill>
         <p:spPr bwMode="auto">
           <a:xfrm>
-            <a:off x="248780" y="1900508"/>
-            <a:ext cx="8963733" cy="4120780"/>
+            <a:off x="282512" y="1974857"/>
+            <a:ext cx="10179129" cy="4281987"/>
           </a:xfrm>
           <a:prstGeom prst="rect">
             <a:avLst/>
@@ -12581,8 +12794,8 @@
         </p:nvSpPr>
         <p:spPr bwMode="auto">
           <a:xfrm>
-            <a:off x="6631780" y="1842261"/>
-            <a:ext cx="1107996" cy="1446550"/>
+            <a:off x="7530985" y="1914331"/>
+            <a:ext cx="1210352" cy="1578359"/>
           </a:xfrm>
           <a:prstGeom prst="rect">
             <a:avLst/>
@@ -12596,13 +12809,13 @@
           </a:ln>
         </p:spPr>
         <p:txBody>
-          <a:bodyPr wrap="none">
+          <a:bodyPr wrap="none" lIns="100054" tIns="50027" rIns="100054" bIns="50027">
             <a:spAutoFit/>
           </a:bodyPr>
           <a:lstStyle/>
           <a:p>
             <a:r>
-              <a:rPr lang="en-US" altLang="zh-CN" sz="8800" b="1" dirty="0">
+              <a:rPr lang="en-US" altLang="zh-CN" sz="9600" b="1" dirty="0">
                 <a:solidFill>
                   <a:srgbClr val="FF0000"/>
                 </a:solidFill>
@@ -12611,7 +12824,7 @@
               </a:rPr>
               <a:t>√</a:t>
             </a:r>
-            <a:endParaRPr lang="zh-CN" altLang="en-US" sz="8800" b="1" dirty="0">
+            <a:endParaRPr lang="zh-CN" altLang="en-US" sz="9600" b="1" dirty="0">
               <a:solidFill>
                 <a:srgbClr val="FF0000"/>
               </a:solidFill>
@@ -12808,8 +13021,8 @@
         </p:nvSpPr>
         <p:spPr>
           <a:xfrm>
-            <a:off x="683567" y="1052736"/>
-            <a:ext cx="7935839" cy="4641850"/>
+            <a:off x="776253" y="1093920"/>
+            <a:ext cx="9011862" cy="4823441"/>
           </a:xfrm>
         </p:spPr>
         <p:txBody>
@@ -12910,8 +13123,8 @@
         </p:blipFill>
         <p:spPr bwMode="auto">
           <a:xfrm>
-            <a:off x="604547" y="3137643"/>
-            <a:ext cx="3859500" cy="2764400"/>
+            <a:off x="686518" y="3260389"/>
+            <a:ext cx="4382811" cy="2872545"/>
           </a:xfrm>
           <a:prstGeom prst="rect">
             <a:avLst/>
@@ -12964,8 +13177,8 @@
         </p:blipFill>
         <p:spPr bwMode="auto">
           <a:xfrm>
-            <a:off x="4684801" y="3137643"/>
-            <a:ext cx="3934606" cy="2764400"/>
+            <a:off x="5320014" y="3260389"/>
+            <a:ext cx="4468101" cy="2872545"/>
           </a:xfrm>
           <a:prstGeom prst="rect">
             <a:avLst/>
@@ -13018,8 +13231,8 @@
         </p:blipFill>
         <p:spPr bwMode="auto">
           <a:xfrm>
-            <a:off x="2843808" y="2852936"/>
-            <a:ext cx="5537505" cy="3496257"/>
+            <a:off x="3229402" y="2964545"/>
+            <a:ext cx="6288337" cy="3633032"/>
           </a:xfrm>
           <a:prstGeom prst="rect">
             <a:avLst/>
@@ -13356,8 +13569,8 @@
         </p:nvSpPr>
         <p:spPr>
           <a:xfrm>
-            <a:off x="683568" y="1052736"/>
-            <a:ext cx="7864682" cy="4641850"/>
+            <a:off x="776253" y="1093920"/>
+            <a:ext cx="8931057" cy="4823441"/>
           </a:xfrm>
         </p:spPr>
         <p:txBody>
@@ -13406,8 +13619,8 @@
         </p:blipFill>
         <p:spPr bwMode="auto">
           <a:xfrm>
-            <a:off x="1489448" y="1079412"/>
-            <a:ext cx="6094692" cy="4883023"/>
+            <a:off x="1691403" y="1121640"/>
+            <a:ext cx="6921073" cy="5074049"/>
           </a:xfrm>
           <a:prstGeom prst="rect">
             <a:avLst/>
@@ -13555,8 +13768,8 @@
         </p:nvSpPr>
         <p:spPr>
           <a:xfrm>
-            <a:off x="683568" y="1052736"/>
-            <a:ext cx="7864682" cy="4641850"/>
+            <a:off x="776253" y="1093920"/>
+            <a:ext cx="8931057" cy="4823441"/>
           </a:xfrm>
         </p:spPr>
         <p:txBody>
@@ -13795,8 +14008,8 @@
         </p:blipFill>
         <p:spPr bwMode="auto">
           <a:xfrm>
-            <a:off x="3854832" y="3722500"/>
-            <a:ext cx="4552651" cy="2819215"/>
+            <a:off x="4377511" y="3868126"/>
+            <a:ext cx="5169946" cy="2929504"/>
           </a:xfrm>
           <a:prstGeom prst="rect">
             <a:avLst/>
@@ -14064,8 +14277,8 @@
         </p:blipFill>
         <p:spPr bwMode="auto">
           <a:xfrm>
-            <a:off x="248780" y="1900508"/>
-            <a:ext cx="8963733" cy="3281086"/>
+            <a:off x="282512" y="1974856"/>
+            <a:ext cx="10179129" cy="3409444"/>
           </a:xfrm>
           <a:prstGeom prst="rect">
             <a:avLst/>
@@ -14105,8 +14318,8 @@
         </p:nvSpPr>
         <p:spPr bwMode="auto">
           <a:xfrm>
-            <a:off x="7151721" y="3527587"/>
-            <a:ext cx="1107996" cy="1446550"/>
+            <a:off x="8121425" y="3665588"/>
+            <a:ext cx="1210352" cy="1578359"/>
           </a:xfrm>
           <a:prstGeom prst="rect">
             <a:avLst/>
@@ -14120,13 +14333,13 @@
           </a:ln>
         </p:spPr>
         <p:txBody>
-          <a:bodyPr wrap="none">
+          <a:bodyPr wrap="none" lIns="100054" tIns="50027" rIns="100054" bIns="50027">
             <a:spAutoFit/>
           </a:bodyPr>
           <a:lstStyle/>
           <a:p>
             <a:r>
-              <a:rPr lang="en-US" altLang="zh-CN" sz="8800" b="1" dirty="0">
+              <a:rPr lang="en-US" altLang="zh-CN" sz="9600" b="1" dirty="0">
                 <a:solidFill>
                   <a:srgbClr val="FF0000"/>
                 </a:solidFill>
@@ -14135,7 +14348,7 @@
               </a:rPr>
               <a:t>√</a:t>
             </a:r>
-            <a:endParaRPr lang="zh-CN" altLang="en-US" sz="8800" b="1" dirty="0">
+            <a:endParaRPr lang="zh-CN" altLang="en-US" sz="9600" b="1" dirty="0">
               <a:solidFill>
                 <a:srgbClr val="FF0000"/>
               </a:solidFill>
@@ -14332,8 +14545,8 @@
         </p:nvSpPr>
         <p:spPr>
           <a:xfrm>
-            <a:off x="683568" y="1052736"/>
-            <a:ext cx="7864682" cy="4641850"/>
+            <a:off x="776253" y="1093920"/>
+            <a:ext cx="8931057" cy="4823441"/>
           </a:xfrm>
         </p:spPr>
         <p:txBody>
@@ -14434,8 +14647,8 @@
         </p:blipFill>
         <p:spPr bwMode="auto">
           <a:xfrm>
-            <a:off x="1839104" y="2321516"/>
-            <a:ext cx="5537505" cy="3496257"/>
+            <a:off x="2088469" y="2412335"/>
+            <a:ext cx="6288337" cy="3633032"/>
           </a:xfrm>
           <a:prstGeom prst="rect">
             <a:avLst/>
@@ -14498,8 +14711,8 @@
         </p:blipFill>
         <p:spPr bwMode="auto">
           <a:xfrm>
-            <a:off x="4625414" y="3101788"/>
-            <a:ext cx="3992728" cy="2715984"/>
+            <a:off x="5252576" y="3223132"/>
+            <a:ext cx="4534103" cy="2822234"/>
           </a:xfrm>
           <a:prstGeom prst="rect">
             <a:avLst/>
@@ -14562,8 +14775,8 @@
         </p:blipFill>
         <p:spPr bwMode="auto">
           <a:xfrm>
-            <a:off x="604622" y="3101789"/>
-            <a:ext cx="3877732" cy="2715984"/>
+            <a:off x="686603" y="3223133"/>
+            <a:ext cx="4403515" cy="2822234"/>
           </a:xfrm>
           <a:prstGeom prst="rect">
             <a:avLst/>
@@ -14900,8 +15113,8 @@
         </p:nvSpPr>
         <p:spPr>
           <a:xfrm>
-            <a:off x="683568" y="1052736"/>
-            <a:ext cx="7864682" cy="4641850"/>
+            <a:off x="776253" y="1093920"/>
+            <a:ext cx="8931057" cy="4823441"/>
           </a:xfrm>
         </p:spPr>
         <p:txBody>
@@ -14950,8 +15163,8 @@
         </p:blipFill>
         <p:spPr bwMode="auto">
           <a:xfrm>
-            <a:off x="827585" y="1003175"/>
-            <a:ext cx="5931802" cy="4980143"/>
+            <a:off x="939798" y="1042420"/>
+            <a:ext cx="6736097" cy="5174968"/>
           </a:xfrm>
           <a:prstGeom prst="rect">
             <a:avLst/>
@@ -15099,8 +15312,8 @@
         </p:nvSpPr>
         <p:spPr>
           <a:xfrm>
-            <a:off x="683568" y="1052736"/>
-            <a:ext cx="7864682" cy="4641850"/>
+            <a:off x="776253" y="1093920"/>
+            <a:ext cx="8931057" cy="4823441"/>
           </a:xfrm>
         </p:spPr>
         <p:txBody>
@@ -15326,8 +15539,8 @@
         </p:blipFill>
         <p:spPr bwMode="auto">
           <a:xfrm>
-            <a:off x="3347864" y="4077072"/>
-            <a:ext cx="4805080" cy="2402540"/>
+            <a:off x="3801802" y="4236569"/>
+            <a:ext cx="5456602" cy="2496528"/>
           </a:xfrm>
           <a:prstGeom prst="rect">
             <a:avLst/>
@@ -15640,8 +15853,8 @@
         </p:blipFill>
         <p:spPr bwMode="auto">
           <a:xfrm>
-            <a:off x="248780" y="1900508"/>
-            <a:ext cx="8963733" cy="3281086"/>
+            <a:off x="282512" y="1974856"/>
+            <a:ext cx="10179129" cy="3409444"/>
           </a:xfrm>
           <a:prstGeom prst="rect">
             <a:avLst/>
@@ -15893,8 +16106,8 @@
         </p:nvSpPr>
         <p:spPr bwMode="auto">
           <a:xfrm>
-            <a:off x="5148263" y="1863725"/>
-            <a:ext cx="3506787" cy="366713"/>
+            <a:off x="5846318" y="1936635"/>
+            <a:ext cx="3982273" cy="408808"/>
           </a:xfrm>
           <a:prstGeom prst="rect">
             <a:avLst/>
@@ -15909,7 +16122,7 @@
           <a:effectLst/>
         </p:spPr>
         <p:txBody>
-          <a:bodyPr>
+          <a:bodyPr lIns="100054" tIns="50027" rIns="100054" bIns="50027">
             <a:spAutoFit/>
           </a:bodyPr>
           <a:lstStyle/>
@@ -15943,8 +16156,8 @@
         </p:blipFill>
         <p:spPr bwMode="auto">
           <a:xfrm>
-            <a:off x="2771800" y="4725144"/>
-            <a:ext cx="4290692" cy="1239939"/>
+            <a:off x="3147629" y="4909994"/>
+            <a:ext cx="4872468" cy="1288446"/>
           </a:xfrm>
           <a:prstGeom prst="rect">
             <a:avLst/>
@@ -16478,8 +16691,8 @@
         </p:nvSpPr>
         <p:spPr>
           <a:xfrm>
-            <a:off x="5105400" y="1371600"/>
-            <a:ext cx="4038600" cy="4953000"/>
+            <a:off x="5797643" y="1425257"/>
+            <a:ext cx="4586195" cy="5146764"/>
           </a:xfrm>
           <a:prstGeom prst="rect">
             <a:avLst/>
@@ -16506,8 +16719,8 @@
         </p:nvSpPr>
         <p:spPr bwMode="auto">
           <a:xfrm>
-            <a:off x="5148263" y="1863725"/>
-            <a:ext cx="3506787" cy="366713"/>
+            <a:off x="5846318" y="1936635"/>
+            <a:ext cx="3982273" cy="408808"/>
           </a:xfrm>
           <a:prstGeom prst="rect">
             <a:avLst/>
@@ -16521,7 +16734,7 @@
           </a:ln>
         </p:spPr>
         <p:txBody>
-          <a:bodyPr>
+          <a:bodyPr lIns="100054" tIns="50027" rIns="100054" bIns="50027">
             <a:spAutoFit/>
           </a:bodyPr>
           <a:lstStyle/>
@@ -16548,8 +16761,8 @@
         </p:nvSpPr>
         <p:spPr bwMode="auto">
           <a:xfrm>
-            <a:off x="533400" y="1914525"/>
-            <a:ext cx="8137525" cy="315913"/>
+            <a:off x="605724" y="1989422"/>
+            <a:ext cx="9240895" cy="328272"/>
           </a:xfrm>
           <a:prstGeom prst="rect">
             <a:avLst/>
@@ -16563,10 +16776,10 @@
           </a:ln>
         </p:spPr>
         <p:txBody>
-          <a:bodyPr/>
+          <a:bodyPr lIns="100054" tIns="50027" rIns="100054" bIns="50027"/>
           <a:lstStyle/>
           <a:p>
-            <a:pPr marL="342900" indent="-342900">
+            <a:pPr marL="375201" indent="-375201">
               <a:spcBef>
                 <a:spcPct val="20000"/>
               </a:spcBef>
@@ -16574,8 +16787,6 @@
                 <a:schemeClr val="bg2"/>
               </a:buClr>
               <a:buSzPct val="70000"/>
-              <a:buFont typeface="Wingdings" pitchFamily="2" charset="2"/>
-              <a:buNone/>
             </a:pPr>
             <a:endParaRPr lang="en-US" altLang="zh-CN" b="1">
               <a:latin typeface="宋体" pitchFamily="2" charset="-122"/>
@@ -16598,8 +16809,8 @@
         </p:blipFill>
         <p:spPr bwMode="auto">
           <a:xfrm>
-            <a:off x="1701426" y="997985"/>
-            <a:ext cx="5954432" cy="4972512"/>
+            <a:off x="1932123" y="1037027"/>
+            <a:ext cx="6761795" cy="5167039"/>
           </a:xfrm>
           <a:prstGeom prst="rect">
             <a:avLst/>
@@ -16730,8 +16941,8 @@
         </p:blipFill>
         <p:spPr bwMode="auto">
           <a:xfrm>
-            <a:off x="519951" y="1129557"/>
-            <a:ext cx="8143493" cy="4658745"/>
+            <a:off x="590452" y="1173746"/>
+            <a:ext cx="9247672" cy="4840997"/>
           </a:xfrm>
           <a:prstGeom prst="rect">
             <a:avLst/>
@@ -16806,8 +17017,8 @@
         </p:blipFill>
         <p:spPr bwMode="auto">
           <a:xfrm>
-            <a:off x="204788" y="1090891"/>
-            <a:ext cx="8734425" cy="4819650"/>
+            <a:off x="232556" y="1133567"/>
+            <a:ext cx="9918729" cy="5008197"/>
           </a:xfrm>
           <a:prstGeom prst="rect">
             <a:avLst/>
@@ -16900,8 +17111,8 @@
         </p:nvSpPr>
         <p:spPr bwMode="auto">
           <a:xfrm>
-            <a:off x="7133804" y="1304382"/>
-            <a:ext cx="1107996" cy="1446550"/>
+            <a:off x="8101079" y="1355410"/>
+            <a:ext cx="1210352" cy="1578359"/>
           </a:xfrm>
           <a:prstGeom prst="rect">
             <a:avLst/>
@@ -16915,13 +17126,13 @@
           </a:ln>
         </p:spPr>
         <p:txBody>
-          <a:bodyPr wrap="none">
+          <a:bodyPr wrap="none" lIns="100054" tIns="50027" rIns="100054" bIns="50027">
             <a:spAutoFit/>
           </a:bodyPr>
           <a:lstStyle/>
           <a:p>
             <a:r>
-              <a:rPr lang="en-US" altLang="zh-CN" sz="8800" b="1" dirty="0">
+              <a:rPr lang="en-US" altLang="zh-CN" sz="9600" b="1" dirty="0">
                 <a:solidFill>
                   <a:srgbClr val="FF0000"/>
                 </a:solidFill>
@@ -16930,7 +17141,7 @@
               </a:rPr>
               <a:t>√</a:t>
             </a:r>
-            <a:endParaRPr lang="zh-CN" altLang="en-US" sz="8800" b="1" dirty="0">
+            <a:endParaRPr lang="zh-CN" altLang="en-US" sz="9600" b="1" dirty="0">
               <a:solidFill>
                 <a:srgbClr val="FF0000"/>
               </a:solidFill>
@@ -17127,8 +17338,8 @@
         </p:nvSpPr>
         <p:spPr>
           <a:xfrm>
-            <a:off x="0" y="908720"/>
-            <a:ext cx="9144000" cy="4641850"/>
+            <a:off x="0" y="944270"/>
+            <a:ext cx="10383838" cy="4823441"/>
           </a:xfrm>
         </p:spPr>
         <p:txBody>
@@ -17297,8 +17508,8 @@
         </p:blipFill>
         <p:spPr bwMode="auto">
           <a:xfrm>
-            <a:off x="539552" y="3645024"/>
-            <a:ext cx="3644724" cy="2610565"/>
+            <a:off x="612710" y="3787620"/>
+            <a:ext cx="4138913" cy="2712691"/>
           </a:xfrm>
           <a:prstGeom prst="rect">
             <a:avLst/>
@@ -17351,8 +17562,8 @@
         </p:blipFill>
         <p:spPr bwMode="auto">
           <a:xfrm>
-            <a:off x="4643722" y="3352324"/>
-            <a:ext cx="3778466" cy="2654699"/>
+            <a:off x="5273366" y="3483469"/>
+            <a:ext cx="4290789" cy="2758552"/>
           </a:xfrm>
           <a:prstGeom prst="rect">
             <a:avLst/>
@@ -17644,8 +17855,8 @@
         </p:nvSpPr>
         <p:spPr>
           <a:xfrm>
-            <a:off x="683568" y="1052736"/>
-            <a:ext cx="7864682" cy="4641850"/>
+            <a:off x="776253" y="1093920"/>
+            <a:ext cx="8931057" cy="4823441"/>
           </a:xfrm>
         </p:spPr>
         <p:txBody>
@@ -17694,8 +17905,8 @@
         </p:blipFill>
         <p:spPr bwMode="auto">
           <a:xfrm>
-            <a:off x="664696" y="1260749"/>
-            <a:ext cx="3831388" cy="3114021"/>
+            <a:off x="754822" y="1310071"/>
+            <a:ext cx="4350887" cy="3235843"/>
           </a:xfrm>
           <a:prstGeom prst="rect">
             <a:avLst/>
@@ -17753,8 +17964,8 @@
         </p:blipFill>
         <p:spPr bwMode="auto">
           <a:xfrm>
-            <a:off x="4496084" y="3174491"/>
-            <a:ext cx="4106918" cy="3100805"/>
+            <a:off x="5105710" y="3298679"/>
+            <a:ext cx="4663776" cy="3222110"/>
           </a:xfrm>
           <a:prstGeom prst="rect">
             <a:avLst/>
@@ -17897,8 +18108,8 @@
         </p:nvSpPr>
         <p:spPr>
           <a:xfrm>
-            <a:off x="683568" y="1052736"/>
-            <a:ext cx="7864682" cy="4641850"/>
+            <a:off x="776253" y="1093920"/>
+            <a:ext cx="8931057" cy="4823441"/>
           </a:xfrm>
         </p:spPr>
         <p:txBody>
@@ -18007,8 +18218,8 @@
         </p:blipFill>
         <p:spPr bwMode="auto">
           <a:xfrm>
-            <a:off x="377827" y="1746719"/>
-            <a:ext cx="8425516" cy="2015561"/>
+            <a:off x="429056" y="1815052"/>
+            <a:ext cx="9567935" cy="2094411"/>
           </a:xfrm>
           <a:prstGeom prst="rect">
             <a:avLst/>
@@ -18253,8 +18464,8 @@
         </p:blipFill>
         <p:spPr bwMode="auto">
           <a:xfrm>
-            <a:off x="204788" y="1090891"/>
-            <a:ext cx="8734425" cy="4819650"/>
+            <a:off x="232556" y="1133567"/>
+            <a:ext cx="9918729" cy="5008197"/>
           </a:xfrm>
           <a:prstGeom prst="rect">
             <a:avLst/>
@@ -18347,8 +18558,8 @@
         </p:nvSpPr>
         <p:spPr bwMode="auto">
           <a:xfrm>
-            <a:off x="7133804" y="3527578"/>
-            <a:ext cx="1107996" cy="1446550"/>
+            <a:off x="8101079" y="3665578"/>
+            <a:ext cx="1210352" cy="1578359"/>
           </a:xfrm>
           <a:prstGeom prst="rect">
             <a:avLst/>
@@ -18362,13 +18573,13 @@
           </a:ln>
         </p:spPr>
         <p:txBody>
-          <a:bodyPr wrap="none">
+          <a:bodyPr wrap="none" lIns="100054" tIns="50027" rIns="100054" bIns="50027">
             <a:spAutoFit/>
           </a:bodyPr>
           <a:lstStyle/>
           <a:p>
             <a:r>
-              <a:rPr lang="en-US" altLang="zh-CN" sz="8800" b="1" dirty="0">
+              <a:rPr lang="en-US" altLang="zh-CN" sz="9600" b="1" dirty="0">
                 <a:solidFill>
                   <a:srgbClr val="FF0000"/>
                 </a:solidFill>
@@ -18377,7 +18588,7 @@
               </a:rPr>
               <a:t>√</a:t>
             </a:r>
-            <a:endParaRPr lang="zh-CN" altLang="en-US" sz="8800" b="1" dirty="0">
+            <a:endParaRPr lang="zh-CN" altLang="en-US" sz="9600" b="1" dirty="0">
               <a:solidFill>
                 <a:srgbClr val="FF0000"/>
               </a:solidFill>
@@ -18565,8 +18776,8 @@
         </p:nvSpPr>
         <p:spPr>
           <a:xfrm>
-            <a:off x="683568" y="1052736"/>
-            <a:ext cx="7864682" cy="4641850"/>
+            <a:off x="776253" y="1093920"/>
+            <a:ext cx="8931057" cy="4823441"/>
           </a:xfrm>
         </p:spPr>
         <p:txBody>
@@ -18686,8 +18897,8 @@
         </p:blipFill>
         <p:spPr bwMode="auto">
           <a:xfrm>
-            <a:off x="4661653" y="3381092"/>
-            <a:ext cx="3687554" cy="2508395"/>
+            <a:off x="5293728" y="3513362"/>
+            <a:ext cx="4187551" cy="2606525"/>
           </a:xfrm>
           <a:prstGeom prst="rect">
             <a:avLst/>
@@ -18750,8 +18961,8 @@
         </p:blipFill>
         <p:spPr bwMode="auto">
           <a:xfrm>
-            <a:off x="770968" y="3390475"/>
-            <a:ext cx="3567953" cy="2499013"/>
+            <a:off x="875504" y="3523113"/>
+            <a:ext cx="4051733" cy="2596775"/>
           </a:xfrm>
           <a:prstGeom prst="rect">
             <a:avLst/>
@@ -19053,8 +19264,8 @@
         </p:nvSpPr>
         <p:spPr>
           <a:xfrm>
-            <a:off x="683568" y="1052736"/>
-            <a:ext cx="7864682" cy="4641850"/>
+            <a:off x="776253" y="1093920"/>
+            <a:ext cx="8931057" cy="4823441"/>
           </a:xfrm>
         </p:spPr>
         <p:txBody>
@@ -19103,8 +19314,8 @@
         </p:blipFill>
         <p:spPr bwMode="auto">
           <a:xfrm>
-            <a:off x="467477" y="968190"/>
-            <a:ext cx="3971925" cy="5029200"/>
+            <a:off x="530863" y="1006066"/>
+            <a:ext cx="4510480" cy="5225945"/>
           </a:xfrm>
           <a:prstGeom prst="rect">
             <a:avLst/>
@@ -19162,8 +19373,8 @@
         </p:blipFill>
         <p:spPr bwMode="auto">
           <a:xfrm>
-            <a:off x="4446956" y="974070"/>
-            <a:ext cx="4295775" cy="5023320"/>
+            <a:off x="5049921" y="1012176"/>
+            <a:ext cx="4878241" cy="5219835"/>
           </a:xfrm>
           <a:prstGeom prst="rect">
             <a:avLst/>
@@ -19318,8 +19529,8 @@
         </p:blipFill>
         <p:spPr bwMode="auto">
           <a:xfrm>
-            <a:off x="1433828" y="1002281"/>
-            <a:ext cx="6257887" cy="4953704"/>
+            <a:off x="1628241" y="1041491"/>
+            <a:ext cx="8172189" cy="5919499"/>
           </a:xfrm>
           <a:prstGeom prst="rect">
             <a:avLst/>
@@ -19442,8 +19653,8 @@
         </p:nvSpPr>
         <p:spPr>
           <a:xfrm>
-            <a:off x="683568" y="1052736"/>
-            <a:ext cx="7864682" cy="4641850"/>
+            <a:off x="776253" y="1093920"/>
+            <a:ext cx="8931057" cy="4823441"/>
           </a:xfrm>
         </p:spPr>
         <p:txBody>
@@ -19467,7 +19678,7 @@
             <a:endParaRPr lang="en-US" altLang="zh-CN" dirty="0" smtClean="0"/>
           </a:p>
           <a:p>
-            <a:pPr marL="168275" lvl="1" indent="0">
+            <a:pPr marL="184127" lvl="1" indent="0">
               <a:buNone/>
             </a:pPr>
             <a:endParaRPr lang="en-US" altLang="zh-CN" dirty="0" smtClean="0">
@@ -19477,7 +19688,7 @@
             </a:endParaRPr>
           </a:p>
           <a:p>
-            <a:pPr marL="168275" lvl="1" indent="0">
+            <a:pPr marL="184127" lvl="1" indent="0">
               <a:buNone/>
             </a:pPr>
             <a:endParaRPr lang="en-US" altLang="zh-CN" dirty="0">
@@ -19487,7 +19698,7 @@
             </a:endParaRPr>
           </a:p>
           <a:p>
-            <a:pPr marL="168275" lvl="1" indent="0">
+            <a:pPr marL="184127" lvl="1" indent="0">
               <a:buNone/>
             </a:pPr>
             <a:endParaRPr lang="en-US" altLang="zh-CN" dirty="0" smtClean="0">
@@ -19497,7 +19708,7 @@
             </a:endParaRPr>
           </a:p>
           <a:p>
-            <a:pPr marL="168275" lvl="1" indent="0">
+            <a:pPr marL="184127" lvl="1" indent="0">
               <a:buNone/>
             </a:pPr>
             <a:endParaRPr lang="en-US" altLang="zh-CN" dirty="0">
@@ -19507,7 +19718,7 @@
             </a:endParaRPr>
           </a:p>
           <a:p>
-            <a:pPr marL="168275" lvl="1" indent="0">
+            <a:pPr marL="184127" lvl="1" indent="0">
               <a:buNone/>
             </a:pPr>
             <a:endParaRPr lang="en-US" altLang="zh-CN" dirty="0" smtClean="0">
@@ -19517,7 +19728,7 @@
             </a:endParaRPr>
           </a:p>
           <a:p>
-            <a:pPr marL="168275" lvl="1" indent="0">
+            <a:pPr marL="184127" lvl="1" indent="0">
               <a:buNone/>
             </a:pPr>
             <a:endParaRPr lang="en-US" altLang="zh-CN" dirty="0" smtClean="0">
@@ -19626,8 +19837,8 @@
         </p:blipFill>
         <p:spPr bwMode="auto">
           <a:xfrm>
-            <a:off x="803755" y="1556792"/>
-            <a:ext cx="7576577" cy="2934259"/>
+            <a:off x="912737" y="1617695"/>
+            <a:ext cx="8603888" cy="3049049"/>
           </a:xfrm>
           <a:prstGeom prst="rect">
             <a:avLst/>
@@ -19950,8 +20161,8 @@
         </p:blipFill>
         <p:spPr bwMode="auto">
           <a:xfrm>
-            <a:off x="204788" y="1090891"/>
-            <a:ext cx="8734425" cy="4819650"/>
+            <a:off x="232556" y="1133567"/>
+            <a:ext cx="9918729" cy="5008197"/>
           </a:xfrm>
           <a:prstGeom prst="rect">
             <a:avLst/>
@@ -20260,8 +20471,8 @@
         </p:nvSpPr>
         <p:spPr>
           <a:xfrm>
-            <a:off x="457200" y="908720"/>
-            <a:ext cx="8229600" cy="5217443"/>
+            <a:off x="519192" y="944270"/>
+            <a:ext cx="9345454" cy="5421552"/>
           </a:xfrm>
         </p:spPr>
         <p:txBody>
@@ -20306,8 +20517,8 @@
         </p:nvSpPr>
         <p:spPr bwMode="auto">
           <a:xfrm>
-            <a:off x="5148263" y="1863725"/>
-            <a:ext cx="3506787" cy="366713"/>
+            <a:off x="5846318" y="1936635"/>
+            <a:ext cx="3982273" cy="408808"/>
           </a:xfrm>
           <a:prstGeom prst="rect">
             <a:avLst/>
@@ -20322,7 +20533,7 @@
           <a:effectLst/>
         </p:spPr>
         <p:txBody>
-          <a:bodyPr>
+          <a:bodyPr lIns="100054" tIns="50027" rIns="100054" bIns="50027">
             <a:spAutoFit/>
           </a:bodyPr>
           <a:lstStyle/>
@@ -20349,8 +20560,8 @@
         </p:nvSpPr>
         <p:spPr bwMode="auto">
           <a:xfrm>
-            <a:off x="1857703" y="2679508"/>
-            <a:ext cx="8239540" cy="4462272"/>
+            <a:off x="2109590" y="2784332"/>
+            <a:ext cx="9356742" cy="4636838"/>
           </a:xfrm>
           <a:prstGeom prst="rect">
             <a:avLst/>
@@ -20365,10 +20576,10 @@
           <a:effectLst/>
         </p:spPr>
         <p:txBody>
-          <a:bodyPr/>
+          <a:bodyPr lIns="100054" tIns="50027" rIns="100054" bIns="50027"/>
           <a:lstStyle/>
           <a:p>
-            <a:pPr marL="342900" indent="-342900">
+            <a:pPr marL="375201" indent="-375201">
               <a:spcBef>
                 <a:spcPct val="20000"/>
               </a:spcBef>
@@ -20379,7 +20590,7 @@
               <a:buFont typeface="Wingdings" pitchFamily="2" charset="2"/>
               <a:buChar char="v"/>
             </a:pPr>
-            <a:endParaRPr lang="en-US" altLang="zh-CN" sz="1300" dirty="0">
+            <a:endParaRPr lang="en-US" altLang="zh-CN" sz="1400" dirty="0">
               <a:solidFill>
                 <a:schemeClr val="tx1">
                   <a:lumMod val="10000"/>
@@ -20405,8 +20616,8 @@
         </p:blipFill>
         <p:spPr bwMode="auto">
           <a:xfrm>
-            <a:off x="1954225" y="4563481"/>
-            <a:ext cx="5509533" cy="1309689"/>
+            <a:off x="2219200" y="4742007"/>
+            <a:ext cx="6256572" cy="1360925"/>
           </a:xfrm>
           <a:prstGeom prst="rect">
             <a:avLst/>
@@ -20438,8 +20649,8 @@
         </p:blipFill>
         <p:spPr bwMode="auto">
           <a:xfrm>
-            <a:off x="3414622" y="1693769"/>
-            <a:ext cx="5124905" cy="2645146"/>
+            <a:off x="3877612" y="1760030"/>
+            <a:ext cx="5819793" cy="2748625"/>
           </a:xfrm>
           <a:prstGeom prst="rect">
             <a:avLst/>
@@ -20474,8 +20685,8 @@
         </p:blipFill>
         <p:spPr bwMode="auto">
           <a:xfrm>
-            <a:off x="686637" y="1693770"/>
-            <a:ext cx="2456817" cy="2645145"/>
+            <a:off x="779739" y="1760032"/>
+            <a:ext cx="2789938" cy="2748624"/>
           </a:xfrm>
           <a:prstGeom prst="rect">
             <a:avLst/>
@@ -20798,8 +21009,8 @@
         </p:nvSpPr>
         <p:spPr>
           <a:xfrm>
-            <a:off x="457200" y="836712"/>
-            <a:ext cx="8229600" cy="5289451"/>
+            <a:off x="519192" y="869445"/>
+            <a:ext cx="9345454" cy="5496377"/>
           </a:xfrm>
         </p:spPr>
         <p:txBody>
@@ -20844,8 +21055,8 @@
         </p:nvSpPr>
         <p:spPr bwMode="auto">
           <a:xfrm>
-            <a:off x="5148263" y="1776641"/>
-            <a:ext cx="3506787" cy="366713"/>
+            <a:off x="5846318" y="1846144"/>
+            <a:ext cx="3982273" cy="408808"/>
           </a:xfrm>
           <a:prstGeom prst="rect">
             <a:avLst/>
@@ -20860,7 +21071,7 @@
           <a:effectLst/>
         </p:spPr>
         <p:txBody>
-          <a:bodyPr>
+          <a:bodyPr lIns="100054" tIns="50027" rIns="100054" bIns="50027">
             <a:spAutoFit/>
           </a:bodyPr>
           <a:lstStyle/>
@@ -20887,8 +21098,8 @@
         </p:nvSpPr>
         <p:spPr bwMode="auto">
           <a:xfrm>
-            <a:off x="1857703" y="2679508"/>
-            <a:ext cx="8239540" cy="4462272"/>
+            <a:off x="2109590" y="2784332"/>
+            <a:ext cx="9356742" cy="4636838"/>
           </a:xfrm>
           <a:prstGeom prst="rect">
             <a:avLst/>
@@ -20903,10 +21114,10 @@
           <a:effectLst/>
         </p:spPr>
         <p:txBody>
-          <a:bodyPr/>
+          <a:bodyPr lIns="100054" tIns="50027" rIns="100054" bIns="50027"/>
           <a:lstStyle/>
           <a:p>
-            <a:pPr marL="342900" indent="-342900">
+            <a:pPr marL="375201" indent="-375201">
               <a:spcBef>
                 <a:spcPct val="20000"/>
               </a:spcBef>
@@ -20917,7 +21128,7 @@
               <a:buFont typeface="Wingdings" pitchFamily="2" charset="2"/>
               <a:buChar char="v"/>
             </a:pPr>
-            <a:endParaRPr lang="en-US" altLang="zh-CN" sz="1300" dirty="0">
+            <a:endParaRPr lang="en-US" altLang="zh-CN" sz="1400" dirty="0">
               <a:solidFill>
                 <a:schemeClr val="tx1">
                   <a:lumMod val="10000"/>
@@ -20951,8 +21162,8 @@
         </p:blipFill>
         <p:spPr bwMode="auto">
           <a:xfrm>
-            <a:off x="976999" y="4113514"/>
-            <a:ext cx="1873250" cy="1713545"/>
+            <a:off x="1109470" y="4274437"/>
+            <a:ext cx="2127245" cy="1780580"/>
           </a:xfrm>
           <a:prstGeom prst="rect">
             <a:avLst/>
@@ -20992,8 +21203,8 @@
         </p:nvSpPr>
         <p:spPr bwMode="gray">
           <a:xfrm>
-            <a:off x="1110258" y="4659283"/>
-            <a:ext cx="1614487" cy="677108"/>
+            <a:off x="1260799" y="4841556"/>
+            <a:ext cx="1833396" cy="716584"/>
           </a:xfrm>
           <a:prstGeom prst="rect">
             <a:avLst/>
@@ -21033,7 +21244,7 @@
           </a:extLst>
         </p:spPr>
         <p:txBody>
-          <a:bodyPr>
+          <a:bodyPr lIns="100054" tIns="50027" rIns="100054" bIns="50027">
             <a:spAutoFit/>
           </a:bodyPr>
           <a:lstStyle>
@@ -21195,8 +21406,8 @@
         </p:blipFill>
         <p:spPr bwMode="auto">
           <a:xfrm>
-            <a:off x="3450480" y="1683726"/>
-            <a:ext cx="5037820" cy="4125404"/>
+            <a:off x="3918332" y="1749594"/>
+            <a:ext cx="5720900" cy="4286792"/>
           </a:xfrm>
           <a:prstGeom prst="rect">
             <a:avLst/>
@@ -21233,8 +21444,8 @@
         </p:blipFill>
         <p:spPr bwMode="auto">
           <a:xfrm>
-            <a:off x="813874" y="1683726"/>
-            <a:ext cx="2137956" cy="2295490"/>
+            <a:off x="924228" y="1749594"/>
+            <a:ext cx="2427842" cy="2385291"/>
           </a:xfrm>
           <a:prstGeom prst="rect">
             <a:avLst/>
@@ -21584,8 +21795,8 @@
         </p:nvSpPr>
         <p:spPr>
           <a:xfrm>
-            <a:off x="391485" y="980728"/>
-            <a:ext cx="8229600" cy="4525963"/>
+            <a:off x="444567" y="1019095"/>
+            <a:ext cx="9345454" cy="4703021"/>
           </a:xfrm>
         </p:spPr>
         <p:txBody>
@@ -21680,7 +21891,7 @@
             </a:r>
           </a:p>
           <a:p>
-            <a:pPr marL="457200" lvl="1" indent="0">
+            <a:pPr marL="500268" lvl="1" indent="0">
               <a:buNone/>
             </a:pPr>
             <a:r>
@@ -21742,8 +21953,8 @@
         </p:nvSpPr>
         <p:spPr bwMode="auto">
           <a:xfrm>
-            <a:off x="5148263" y="1863725"/>
-            <a:ext cx="3506787" cy="366713"/>
+            <a:off x="5846318" y="1936635"/>
+            <a:ext cx="3982273" cy="408808"/>
           </a:xfrm>
           <a:prstGeom prst="rect">
             <a:avLst/>
@@ -21758,7 +21969,7 @@
           <a:effectLst/>
         </p:spPr>
         <p:txBody>
-          <a:bodyPr>
+          <a:bodyPr lIns="100054" tIns="50027" rIns="100054" bIns="50027">
             <a:spAutoFit/>
           </a:bodyPr>
           <a:lstStyle/>
@@ -21790,8 +22001,8 @@
         </p:blipFill>
         <p:spPr bwMode="auto">
           <a:xfrm>
-            <a:off x="3563888" y="4221088"/>
-            <a:ext cx="4415757" cy="1888991"/>
+            <a:off x="4047117" y="4386219"/>
+            <a:ext cx="5014491" cy="1962889"/>
           </a:xfrm>
           <a:prstGeom prst="rect">
             <a:avLst/>
@@ -22358,8 +22569,8 @@
         </p:blipFill>
         <p:spPr bwMode="auto">
           <a:xfrm>
-            <a:off x="2094011" y="1139184"/>
-            <a:ext cx="5085484" cy="2714625"/>
+            <a:off x="2377939" y="1183750"/>
+            <a:ext cx="5775026" cy="2820822"/>
           </a:xfrm>
           <a:prstGeom prst="rect">
             <a:avLst/>
@@ -22383,8 +22594,8 @@
         </p:nvSpPr>
         <p:spPr bwMode="auto">
           <a:xfrm>
-            <a:off x="2222695" y="3456576"/>
-            <a:ext cx="881359" cy="245812"/>
+            <a:off x="2524071" y="3591799"/>
+            <a:ext cx="1000863" cy="255428"/>
           </a:xfrm>
           <a:prstGeom prst="rect">
             <a:avLst/>
@@ -22402,37 +22613,22 @@
           <a:effectLst/>
         </p:spPr>
         <p:txBody>
-          <a:bodyPr vert="horz" wrap="square" lIns="91440" tIns="45720" rIns="91440" bIns="45720" numCol="1" rtlCol="0" anchor="t" anchorCtr="0" compatLnSpc="1">
+          <a:bodyPr vert="horz" wrap="square" lIns="100054" tIns="50027" rIns="100054" bIns="50027" numCol="1" rtlCol="0" anchor="t" anchorCtr="0" compatLnSpc="1">
             <a:prstTxWarp prst="textNoShape">
               <a:avLst/>
             </a:prstTxWarp>
           </a:bodyPr>
           <a:lstStyle/>
           <a:p>
-            <a:pPr marL="0" marR="0" indent="0" algn="l" defTabSz="914400" rtl="0" eaLnBrk="0" fontAlgn="base" latinLnBrk="0" hangingPunct="0">
-              <a:lnSpc>
-                <a:spcPct val="100000"/>
-              </a:lnSpc>
+            <a:pPr eaLnBrk="0" fontAlgn="base" hangingPunct="0">
               <a:spcBef>
                 <a:spcPct val="0"/>
               </a:spcBef>
               <a:spcAft>
                 <a:spcPct val="0"/>
               </a:spcAft>
-              <a:buClrTx/>
-              <a:buSzTx/>
-              <a:buFontTx/>
-              <a:buNone/>
-              <a:tabLst/>
             </a:pPr>
-            <a:endParaRPr kumimoji="0" lang="zh-CN" altLang="en-US" sz="1900" b="0" i="0" u="none" strike="noStrike" cap="none" normalizeH="0" baseline="0" smtClean="0">
-              <a:ln>
-                <a:noFill/>
-              </a:ln>
-              <a:solidFill>
-                <a:schemeClr val="tx1"/>
-              </a:solidFill>
-              <a:effectLst/>
+            <a:endParaRPr lang="zh-CN" altLang="en-US" sz="2100">
               <a:latin typeface="Times New Roman" pitchFamily="18" charset="0"/>
             </a:endParaRPr>
           </a:p>
@@ -22446,8 +22642,8 @@
         </p:nvSpPr>
         <p:spPr>
           <a:xfrm>
-            <a:off x="1330352" y="6021288"/>
-            <a:ext cx="6739492" cy="384721"/>
+            <a:off x="1510735" y="6256844"/>
+            <a:ext cx="7653302" cy="408808"/>
           </a:xfrm>
           <a:prstGeom prst="rect">
             <a:avLst/>
@@ -22457,7 +22653,7 @@
           </a:solidFill>
         </p:spPr>
         <p:txBody>
-          <a:bodyPr wrap="square">
+          <a:bodyPr wrap="square" lIns="100054" tIns="50027" rIns="100054" bIns="50027">
             <a:spAutoFit/>
           </a:bodyPr>
           <a:lstStyle/>
@@ -22701,8 +22897,8 @@
         </p:blipFill>
         <p:spPr bwMode="auto">
           <a:xfrm>
-            <a:off x="827584" y="1052736"/>
-            <a:ext cx="6856413" cy="5238750"/>
+            <a:off x="939797" y="1093920"/>
+            <a:ext cx="7786076" cy="5443692"/>
           </a:xfrm>
           <a:prstGeom prst="rect">
             <a:avLst/>
@@ -22790,8 +22986,8 @@
         </p:nvSpPr>
         <p:spPr bwMode="auto">
           <a:xfrm>
-            <a:off x="683568" y="260648"/>
-            <a:ext cx="6226175" cy="565820"/>
+            <a:off x="776254" y="270845"/>
+            <a:ext cx="7070384" cy="587955"/>
           </a:xfrm>
           <a:prstGeom prst="rect">
             <a:avLst/>
@@ -22945,8 +23141,8 @@
         </p:nvSpPr>
         <p:spPr>
           <a:xfrm>
-            <a:off x="6512612" y="4916800"/>
-            <a:ext cx="1234249" cy="523220"/>
+            <a:off x="7415270" y="5109147"/>
+            <a:ext cx="1362380" cy="578085"/>
           </a:xfrm>
           <a:prstGeom prst="rect">
             <a:avLst/>
@@ -22954,7 +23150,7 @@
           <a:noFill/>
         </p:spPr>
         <p:txBody>
-          <a:bodyPr wrap="none" lIns="91440" tIns="45720" rIns="91440" bIns="45720">
+          <a:bodyPr wrap="none" lIns="100054" tIns="50027" rIns="100054" bIns="50027">
             <a:spAutoFit/>
             <a:scene3d>
               <a:camera prst="orthographicFront"/>
@@ -22975,7 +23171,7 @@
           <a:p>
             <a:pPr algn="ctr"/>
             <a:r>
-              <a:rPr lang="en-US" altLang="zh-CN" sz="2800" b="1" dirty="0" smtClean="0">
+              <a:rPr lang="en-US" altLang="zh-CN" sz="3100" b="1" dirty="0">
                 <a:ln w="11430"/>
                 <a:gradFill>
                   <a:gsLst>
@@ -23014,7 +23210,7 @@
               </a:rPr>
               <a:t>Script</a:t>
             </a:r>
-            <a:endParaRPr lang="zh-CN" altLang="en-US" sz="2800" b="1" cap="none" spc="0" dirty="0">
+            <a:endParaRPr lang="zh-CN" altLang="en-US" sz="3100" b="1" dirty="0">
               <a:ln w="11430"/>
               <a:gradFill>
                 <a:gsLst>
@@ -23062,8 +23258,8 @@
         </p:nvSpPr>
         <p:spPr>
           <a:xfrm>
-            <a:off x="6004976" y="3509980"/>
-            <a:ext cx="2639782" cy="523220"/>
+            <a:off x="6819193" y="3647292"/>
+            <a:ext cx="2997711" cy="578085"/>
           </a:xfrm>
           <a:prstGeom prst="rect">
             <a:avLst/>
@@ -23071,7 +23267,7 @@
           <a:noFill/>
         </p:spPr>
         <p:txBody>
-          <a:bodyPr wrap="square" lIns="91440" tIns="45720" rIns="91440" bIns="45720">
+          <a:bodyPr wrap="square" lIns="100054" tIns="50027" rIns="100054" bIns="50027">
             <a:spAutoFit/>
             <a:scene3d>
               <a:camera prst="orthographicFront"/>
@@ -23092,7 +23288,7 @@
           <a:p>
             <a:pPr algn="ctr"/>
             <a:r>
-              <a:rPr lang="en-US" altLang="zh-CN" sz="2800" b="1" dirty="0" smtClean="0">
+              <a:rPr lang="en-US" altLang="zh-CN" sz="3100" b="1" dirty="0">
                 <a:ln w="11430"/>
                 <a:solidFill>
                   <a:srgbClr val="FF9999"/>
@@ -23109,7 +23305,7 @@
               </a:rPr>
               <a:t>Protocol</a:t>
             </a:r>
-            <a:endParaRPr lang="zh-CN" altLang="en-US" sz="2800" b="1" cap="none" spc="0" dirty="0">
+            <a:endParaRPr lang="zh-CN" altLang="en-US" sz="3100" b="1" dirty="0">
               <a:ln w="11430"/>
               <a:solidFill>
                 <a:srgbClr val="FF9999"/>
@@ -23135,8 +23331,8 @@
         </p:nvSpPr>
         <p:spPr>
           <a:xfrm>
-            <a:off x="826889" y="2863649"/>
-            <a:ext cx="1966051" cy="523220"/>
+            <a:off x="967738" y="2975676"/>
+            <a:ext cx="2175166" cy="578085"/>
           </a:xfrm>
           <a:prstGeom prst="rect">
             <a:avLst/>
@@ -23144,7 +23340,7 @@
           <a:noFill/>
         </p:spPr>
         <p:txBody>
-          <a:bodyPr wrap="none" lIns="91440" tIns="45720" rIns="91440" bIns="45720">
+          <a:bodyPr wrap="none" lIns="100054" tIns="50027" rIns="100054" bIns="50027">
             <a:spAutoFit/>
             <a:scene3d>
               <a:camera prst="orthographicFront"/>
@@ -23165,7 +23361,7 @@
           <a:p>
             <a:pPr algn="ctr"/>
             <a:r>
-              <a:rPr lang="en-US" altLang="zh-CN" sz="2800" b="1" dirty="0" smtClean="0">
+              <a:rPr lang="en-US" altLang="zh-CN" sz="3100" b="1" dirty="0">
                 <a:ln w="11430"/>
                 <a:solidFill>
                   <a:srgbClr val="92D050"/>
@@ -23182,7 +23378,7 @@
               </a:rPr>
               <a:t>Advanced</a:t>
             </a:r>
-            <a:endParaRPr lang="zh-CN" altLang="en-US" sz="2800" b="1" cap="none" spc="0" dirty="0">
+            <a:endParaRPr lang="zh-CN" altLang="en-US" sz="3100" b="1" dirty="0">
               <a:ln w="11430"/>
               <a:solidFill>
                 <a:srgbClr val="92D050"/>
@@ -23208,8 +23404,8 @@
         </p:nvSpPr>
         <p:spPr>
           <a:xfrm>
-            <a:off x="1066276" y="4883911"/>
-            <a:ext cx="2209131" cy="523220"/>
+            <a:off x="1243015" y="5074972"/>
+            <a:ext cx="2444343" cy="578085"/>
           </a:xfrm>
           <a:prstGeom prst="rect">
             <a:avLst/>
@@ -23217,7 +23413,7 @@
           <a:noFill/>
         </p:spPr>
         <p:txBody>
-          <a:bodyPr wrap="none" lIns="91440" tIns="45720" rIns="91440" bIns="45720">
+          <a:bodyPr wrap="none" lIns="100054" tIns="50027" rIns="100054" bIns="50027">
             <a:spAutoFit/>
             <a:scene3d>
               <a:camera prst="orthographicFront"/>
@@ -23238,7 +23434,7 @@
           <a:p>
             <a:pPr algn="ctr"/>
             <a:r>
-              <a:rPr lang="en-US" altLang="zh-CN" sz="2800" b="1" dirty="0" smtClean="0">
+              <a:rPr lang="en-US" altLang="zh-CN" sz="3100" b="1" dirty="0">
                 <a:ln w="11430"/>
                 <a:solidFill>
                   <a:srgbClr val="00B0F0"/>
@@ -23255,7 +23451,7 @@
               </a:rPr>
               <a:t>Correlation</a:t>
             </a:r>
-            <a:endParaRPr lang="zh-CN" altLang="en-US" sz="2800" b="1" cap="none" spc="0" dirty="0">
+            <a:endParaRPr lang="zh-CN" altLang="en-US" sz="3100" b="1" dirty="0">
               <a:ln w="11430"/>
               <a:solidFill>
                 <a:srgbClr val="00B0F0"/>
@@ -23296,8 +23492,8 @@
         </p:blipFill>
         <p:spPr bwMode="auto">
           <a:xfrm>
-            <a:off x="3219575" y="2051863"/>
-            <a:ext cx="2873257" cy="3126547"/>
+            <a:off x="3656119" y="2132133"/>
+            <a:ext cx="3262843" cy="3248859"/>
           </a:xfrm>
           <a:prstGeom prst="rect">
             <a:avLst/>
@@ -23345,8 +23541,8 @@
         </p:nvSpPr>
         <p:spPr>
           <a:xfrm>
-            <a:off x="6004976" y="2217318"/>
-            <a:ext cx="2639782" cy="523220"/>
+            <a:off x="6819193" y="2304060"/>
+            <a:ext cx="2997711" cy="578085"/>
           </a:xfrm>
           <a:prstGeom prst="rect">
             <a:avLst/>
@@ -23354,7 +23550,7 @@
           <a:noFill/>
         </p:spPr>
         <p:txBody>
-          <a:bodyPr wrap="square" lIns="91440" tIns="45720" rIns="91440" bIns="45720">
+          <a:bodyPr wrap="square" lIns="100054" tIns="50027" rIns="100054" bIns="50027">
             <a:spAutoFit/>
             <a:scene3d>
               <a:camera prst="orthographicFront"/>
@@ -23375,7 +23571,7 @@
           <a:p>
             <a:pPr algn="ctr"/>
             <a:r>
-              <a:rPr lang="en-US" altLang="zh-CN" sz="2800" b="1" dirty="0" smtClean="0">
+              <a:rPr lang="en-US" altLang="zh-CN" sz="3100" b="1" dirty="0">
                 <a:ln w="11430"/>
                 <a:solidFill>
                   <a:srgbClr val="7030A0"/>
@@ -23392,7 +23588,7 @@
               </a:rPr>
               <a:t>Recording</a:t>
             </a:r>
-            <a:endParaRPr lang="zh-CN" altLang="en-US" sz="2800" b="1" cap="none" spc="0" dirty="0">
+            <a:endParaRPr lang="zh-CN" altLang="en-US" sz="3100" b="1" dirty="0">
               <a:ln w="11430"/>
               <a:solidFill>
                 <a:srgbClr val="7030A0"/>
@@ -23418,8 +23614,8 @@
         </p:nvSpPr>
         <p:spPr>
           <a:xfrm>
-            <a:off x="1155921" y="1182197"/>
-            <a:ext cx="4154804" cy="523220"/>
+            <a:off x="1312653" y="1228445"/>
+            <a:ext cx="4718155" cy="578085"/>
           </a:xfrm>
           <a:prstGeom prst="rect">
             <a:avLst/>
@@ -23427,7 +23623,7 @@
           <a:noFill/>
         </p:spPr>
         <p:txBody>
-          <a:bodyPr wrap="square" lIns="91440" tIns="45720" rIns="91440" bIns="45720">
+          <a:bodyPr wrap="square" lIns="100054" tIns="50027" rIns="100054" bIns="50027">
             <a:spAutoFit/>
             <a:scene3d>
               <a:camera prst="orthographicFront"/>
@@ -23448,7 +23644,7 @@
           <a:p>
             <a:pPr algn="ctr"/>
             <a:r>
-              <a:rPr lang="en-US" altLang="zh-CN" sz="2800" b="1" dirty="0" smtClean="0">
+              <a:rPr lang="en-US" altLang="zh-CN" sz="3100" b="1" dirty="0">
                 <a:ln w="11430"/>
                 <a:solidFill>
                   <a:srgbClr val="FF9933"/>
@@ -23466,7 +23662,7 @@
               <a:t>Ports </a:t>
             </a:r>
             <a:r>
-              <a:rPr lang="en-US" altLang="zh-CN" sz="2800" b="1" dirty="0">
+              <a:rPr lang="en-US" altLang="zh-CN" sz="3100" b="1" dirty="0">
                 <a:ln w="11430"/>
                 <a:solidFill>
                   <a:srgbClr val="FF9933"/>
@@ -23483,7 +23679,7 @@
               </a:rPr>
               <a:t>mapping</a:t>
             </a:r>
-            <a:endParaRPr lang="zh-CN" altLang="en-US" sz="2800" b="1" cap="none" spc="0" dirty="0">
+            <a:endParaRPr lang="zh-CN" altLang="en-US" sz="3100" b="1" dirty="0">
               <a:ln w="11430"/>
               <a:solidFill>
                 <a:srgbClr val="FF9933"/>
@@ -23932,8 +24128,8 @@
         </p:blipFill>
         <p:spPr bwMode="auto">
           <a:xfrm>
-            <a:off x="1563225" y="1304927"/>
-            <a:ext cx="6032011" cy="3285004"/>
+            <a:off x="1775184" y="1355976"/>
+            <a:ext cx="6849893" cy="3413515"/>
           </a:xfrm>
           <a:prstGeom prst="rect">
             <a:avLst/>
@@ -23971,8 +24167,8 @@
         </p:nvSpPr>
         <p:spPr>
           <a:xfrm>
-            <a:off x="2311844" y="3741561"/>
-            <a:ext cx="2339102" cy="523220"/>
+            <a:off x="2659773" y="3887932"/>
+            <a:ext cx="2587331" cy="578085"/>
           </a:xfrm>
           <a:prstGeom prst="rect">
             <a:avLst/>
@@ -23980,7 +24176,7 @@
           <a:noFill/>
         </p:spPr>
         <p:txBody>
-          <a:bodyPr wrap="none" lIns="91440" tIns="45720" rIns="91440" bIns="45720">
+          <a:bodyPr wrap="none" lIns="100054" tIns="50027" rIns="100054" bIns="50027">
             <a:spAutoFit/>
             <a:scene3d>
               <a:camera prst="orthographicFront"/>
@@ -23999,7 +24195,7 @@
           <a:p>
             <a:pPr algn="ctr"/>
             <a:r>
-              <a:rPr lang="zh-CN" altLang="en-US" sz="2800" b="1" dirty="0" smtClean="0">
+              <a:rPr lang="zh-CN" altLang="en-US" sz="3100" b="1" dirty="0">
                 <a:ln w="50800"/>
                 <a:solidFill>
                   <a:srgbClr val="FF0000"/>
@@ -24009,12 +24205,11 @@
               </a:rPr>
               <a:t>缺陷管理系统</a:t>
             </a:r>
-            <a:endParaRPr lang="zh-CN" altLang="en-US" sz="2800" b="1" cap="none" spc="0" dirty="0">
+            <a:endParaRPr lang="zh-CN" altLang="en-US" sz="3100" b="1" dirty="0">
               <a:ln w="50800"/>
               <a:solidFill>
                 <a:srgbClr val="FF0000"/>
               </a:solidFill>
-              <a:effectLst/>
               <a:latin typeface="微软雅黑" pitchFamily="34" charset="-122"/>
               <a:ea typeface="微软雅黑" pitchFamily="34" charset="-122"/>
             </a:endParaRPr>
@@ -24029,8 +24224,8 @@
         </p:nvSpPr>
         <p:spPr>
           <a:xfrm>
-            <a:off x="1248819" y="4849880"/>
-            <a:ext cx="6646371" cy="646331"/>
+            <a:off x="1526296" y="5039610"/>
+            <a:ext cx="7331257" cy="701195"/>
           </a:xfrm>
           <a:prstGeom prst="rect">
             <a:avLst/>
@@ -24038,14 +24233,14 @@
           <a:noFill/>
         </p:spPr>
         <p:txBody>
-          <a:bodyPr wrap="none" lIns="91440" tIns="45720" rIns="91440" bIns="45720">
+          <a:bodyPr wrap="none" lIns="100054" tIns="50027" rIns="100054" bIns="50027">
             <a:spAutoFit/>
           </a:bodyPr>
           <a:lstStyle/>
           <a:p>
             <a:pPr algn="ctr"/>
             <a:r>
-              <a:rPr lang="en-US" altLang="zh-CN" sz="2800" b="1" cap="none" spc="50" dirty="0" smtClean="0">
+              <a:rPr lang="en-US" altLang="zh-CN" sz="3100" b="1" spc="55" dirty="0">
                 <a:ln w="12700" cmpd="sng">
                   <a:solidFill>
                     <a:schemeClr val="accent6">
@@ -24075,7 +24270,7 @@
               <a:t>1. </a:t>
             </a:r>
             <a:r>
-              <a:rPr lang="zh-CN" altLang="en-US" sz="2800" b="1" cap="none" spc="50" dirty="0" smtClean="0">
+              <a:rPr lang="zh-CN" altLang="en-US" sz="3100" b="1" spc="55" dirty="0">
                 <a:ln w="12700" cmpd="sng">
                   <a:solidFill>
                     <a:schemeClr val="accent6">
@@ -24105,7 +24300,7 @@
               <a:t>登录</a:t>
             </a:r>
             <a:r>
-              <a:rPr lang="en-US" altLang="zh-CN" sz="2800" b="1" spc="50" dirty="0" smtClean="0">
+              <a:rPr lang="en-US" altLang="zh-CN" sz="3100" b="1" spc="55" dirty="0">
                 <a:ln w="12700" cmpd="sng">
                   <a:solidFill>
                     <a:schemeClr val="accent6">
@@ -24135,7 +24330,7 @@
               <a:t>      2. </a:t>
             </a:r>
             <a:r>
-              <a:rPr lang="zh-CN" altLang="en-US" sz="2800" b="1" spc="50" dirty="0" smtClean="0">
+              <a:rPr lang="zh-CN" altLang="en-US" sz="3100" b="1" spc="55" dirty="0">
                 <a:ln w="12700" cmpd="sng">
                   <a:solidFill>
                     <a:schemeClr val="accent6">
@@ -24165,7 +24360,7 @@
               <a:t>创建</a:t>
             </a:r>
             <a:r>
-              <a:rPr lang="zh-CN" altLang="en-US" sz="3600" b="1" spc="50" dirty="0" smtClean="0">
+              <a:rPr lang="zh-CN" altLang="en-US" sz="3900" b="1" spc="55" dirty="0">
                 <a:ln w="12700" cmpd="sng">
                   <a:solidFill>
                     <a:schemeClr val="accent6">
@@ -24192,7 +24387,7 @@
               <a:t>多个</a:t>
             </a:r>
             <a:r>
-              <a:rPr lang="en-US" altLang="zh-CN" sz="2800" b="1" spc="50" dirty="0" smtClean="0">
+              <a:rPr lang="en-US" altLang="zh-CN" sz="3100" b="1" spc="55" dirty="0">
                 <a:ln w="12700" cmpd="sng">
                   <a:solidFill>
                     <a:schemeClr val="accent6">
@@ -24222,7 +24417,7 @@
               <a:t>bug     3. </a:t>
             </a:r>
             <a:r>
-              <a:rPr lang="zh-CN" altLang="en-US" sz="2800" b="1" spc="50" dirty="0" smtClean="0">
+              <a:rPr lang="zh-CN" altLang="en-US" sz="3100" b="1" spc="55" dirty="0">
                 <a:ln w="12700" cmpd="sng">
                   <a:solidFill>
                     <a:schemeClr val="accent6">
@@ -24251,7 +24446,7 @@
               </a:rPr>
               <a:t>退出</a:t>
             </a:r>
-            <a:endParaRPr lang="zh-CN" altLang="en-US" sz="2800" b="1" cap="none" spc="50" dirty="0">
+            <a:endParaRPr lang="zh-CN" altLang="en-US" sz="3100" b="1" spc="55" dirty="0">
               <a:ln w="12700" cmpd="sng">
                 <a:solidFill>
                   <a:schemeClr val="accent6">
@@ -24369,8 +24564,8 @@
         </p:nvSpPr>
         <p:spPr>
           <a:xfrm>
-            <a:off x="819699" y="5344180"/>
-            <a:ext cx="7553323" cy="677108"/>
+            <a:off x="930843" y="5553247"/>
+            <a:ext cx="8577481" cy="716584"/>
           </a:xfrm>
           <a:prstGeom prst="rect">
             <a:avLst/>
@@ -24380,7 +24575,7 @@
           </a:solidFill>
         </p:spPr>
         <p:txBody>
-          <a:bodyPr wrap="square">
+          <a:bodyPr wrap="square" lIns="100054" tIns="50027" rIns="100054" bIns="50027">
             <a:spAutoFit/>
           </a:bodyPr>
           <a:lstStyle/>
@@ -24453,8 +24648,8 @@
         </p:nvSpPr>
         <p:spPr>
           <a:xfrm>
-            <a:off x="544123" y="4572250"/>
-            <a:ext cx="2591286" cy="646331"/>
+            <a:off x="773914" y="4751119"/>
+            <a:ext cx="2630612" cy="701195"/>
           </a:xfrm>
           <a:prstGeom prst="rect">
             <a:avLst/>
@@ -24462,7 +24657,7 @@
           <a:noFill/>
         </p:spPr>
         <p:txBody>
-          <a:bodyPr wrap="none" lIns="91440" tIns="45720" rIns="91440" bIns="45720">
+          <a:bodyPr wrap="none" lIns="100054" tIns="50027" rIns="100054" bIns="50027">
             <a:spAutoFit/>
             <a:scene3d>
               <a:camera prst="orthographicFront"/>
@@ -24483,7 +24678,7 @@
           <a:p>
             <a:pPr algn="ctr"/>
             <a:r>
-              <a:rPr lang="en-US" altLang="zh-CN" sz="3600" b="1" dirty="0" smtClean="0">
+              <a:rPr lang="en-US" altLang="zh-CN" sz="3900" b="1" dirty="0">
                 <a:ln w="11430"/>
                 <a:solidFill>
                   <a:srgbClr val="FF9933"/>
@@ -24499,7 +24694,7 @@
               <a:t>Visual </a:t>
             </a:r>
             <a:r>
-              <a:rPr lang="en-US" altLang="zh-CN" sz="3600" b="1" dirty="0">
+              <a:rPr lang="en-US" altLang="zh-CN" sz="3900" b="1" dirty="0">
                 <a:ln w="11430"/>
                 <a:solidFill>
                   <a:srgbClr val="FF9933"/>
@@ -24514,7 +24709,7 @@
               </a:rPr>
               <a:t>Basic</a:t>
             </a:r>
-            <a:endParaRPr lang="zh-CN" altLang="en-US" sz="3600" b="1" cap="none" spc="0" dirty="0">
+            <a:endParaRPr lang="zh-CN" altLang="en-US" sz="3900" b="1" dirty="0">
               <a:ln w="11430"/>
               <a:solidFill>
                 <a:srgbClr val="FF9933"/>
@@ -24538,8 +24733,8 @@
         </p:nvSpPr>
         <p:spPr>
           <a:xfrm>
-            <a:off x="3686886" y="4586087"/>
-            <a:ext cx="2146742" cy="646331"/>
+            <a:off x="4367073" y="4765497"/>
+            <a:ext cx="2077256" cy="701195"/>
           </a:xfrm>
           <a:prstGeom prst="rect">
             <a:avLst/>
@@ -24547,7 +24742,7 @@
           <a:noFill/>
         </p:spPr>
         <p:txBody>
-          <a:bodyPr wrap="none" lIns="91440" tIns="45720" rIns="91440" bIns="45720">
+          <a:bodyPr wrap="none" lIns="100054" tIns="50027" rIns="100054" bIns="50027">
             <a:spAutoFit/>
             <a:scene3d>
               <a:camera prst="orthographicFront"/>
@@ -24568,7 +24763,7 @@
           <a:p>
             <a:pPr algn="ctr"/>
             <a:r>
-              <a:rPr lang="en-US" altLang="zh-CN" sz="3600" b="1" dirty="0" smtClean="0">
+              <a:rPr lang="en-US" altLang="zh-CN" sz="3900" b="1" dirty="0">
                 <a:ln w="11430"/>
                 <a:solidFill>
                   <a:srgbClr val="FFFF00"/>
@@ -24583,7 +24778,7 @@
               </a:rPr>
               <a:t>VB Script</a:t>
             </a:r>
-            <a:endParaRPr lang="zh-CN" altLang="en-US" sz="3600" b="1" cap="none" spc="0" dirty="0">
+            <a:endParaRPr lang="zh-CN" altLang="en-US" sz="3900" b="1" dirty="0">
               <a:ln w="11430"/>
               <a:solidFill>
                 <a:srgbClr val="FFFF00"/>
@@ -24607,8 +24802,8 @@
         </p:nvSpPr>
         <p:spPr>
           <a:xfrm>
-            <a:off x="6299016" y="4557941"/>
-            <a:ext cx="2236510" cy="1200329"/>
+            <a:off x="7306576" y="4736250"/>
+            <a:ext cx="2232810" cy="1301360"/>
           </a:xfrm>
           <a:prstGeom prst="rect">
             <a:avLst/>
@@ -24616,7 +24811,7 @@
           <a:noFill/>
         </p:spPr>
         <p:txBody>
-          <a:bodyPr wrap="none" lIns="91440" tIns="45720" rIns="91440" bIns="45720">
+          <a:bodyPr wrap="none" lIns="100054" tIns="50027" rIns="100054" bIns="50027">
             <a:spAutoFit/>
             <a:scene3d>
               <a:camera prst="orthographicFront"/>
@@ -24637,7 +24832,7 @@
           <a:p>
             <a:pPr algn="ctr"/>
             <a:r>
-              <a:rPr lang="en-US" altLang="zh-CN" sz="3600" b="1" dirty="0" err="1" smtClean="0">
+              <a:rPr lang="en-US" altLang="zh-CN" sz="3900" b="1" dirty="0" err="1">
                 <a:ln w="11430"/>
                 <a:solidFill>
                   <a:srgbClr val="92D050"/>
@@ -24652,7 +24847,7 @@
               </a:rPr>
               <a:t>Javascript</a:t>
             </a:r>
-            <a:endParaRPr lang="en-US" altLang="zh-CN" sz="3600" b="1" dirty="0">
+            <a:endParaRPr lang="en-US" altLang="zh-CN" sz="3900" b="1" dirty="0">
               <a:ln w="11430"/>
               <a:solidFill>
                 <a:srgbClr val="92D050"/>
@@ -24668,7 +24863,7 @@
           </a:p>
           <a:p>
             <a:pPr algn="ctr"/>
-            <a:endParaRPr lang="zh-CN" altLang="en-US" sz="3600" b="1" cap="none" spc="0" dirty="0">
+            <a:endParaRPr lang="zh-CN" altLang="en-US" sz="3900" b="1" dirty="0">
               <a:ln w="11430"/>
               <a:solidFill>
                 <a:srgbClr val="92D050"/>
@@ -24707,8 +24902,8 @@
         </p:blipFill>
         <p:spPr bwMode="auto">
           <a:xfrm>
-            <a:off x="2668209" y="870898"/>
-            <a:ext cx="4749062" cy="3628596"/>
+            <a:off x="3029992" y="904968"/>
+            <a:ext cx="5392989" cy="3770548"/>
           </a:xfrm>
           <a:prstGeom prst="rect">
             <a:avLst/>
@@ -24756,8 +24951,8 @@
         </p:nvSpPr>
         <p:spPr>
           <a:xfrm>
-            <a:off x="3347992" y="2685196"/>
-            <a:ext cx="684803" cy="923330"/>
+            <a:off x="3889369" y="2790242"/>
+            <a:ext cx="602813" cy="1008972"/>
           </a:xfrm>
           <a:prstGeom prst="rect">
             <a:avLst/>
@@ -24765,7 +24960,7 @@
           <a:noFill/>
         </p:spPr>
         <p:txBody>
-          <a:bodyPr wrap="none" lIns="91440" tIns="45720" rIns="91440" bIns="45720">
+          <a:bodyPr wrap="none" lIns="100054" tIns="50027" rIns="100054" bIns="50027">
             <a:spAutoFit/>
             <a:scene3d>
               <a:camera prst="orthographicFront"/>
@@ -24786,7 +24981,7 @@
           <a:p>
             <a:pPr algn="ctr"/>
             <a:r>
-              <a:rPr lang="en-US" altLang="zh-CN" sz="5400" b="1" cap="none" spc="0" dirty="0" smtClean="0">
+              <a:rPr lang="en-US" altLang="zh-CN" sz="5900" b="1" dirty="0">
                 <a:ln w="11430"/>
                 <a:solidFill>
                   <a:srgbClr val="FF0000"/>
@@ -24801,7 +24996,7 @@
               </a:rPr>
               <a:t>C</a:t>
             </a:r>
-            <a:endParaRPr lang="zh-CN" altLang="en-US" sz="5400" b="1" cap="none" spc="0" dirty="0">
+            <a:endParaRPr lang="zh-CN" altLang="en-US" sz="5900" b="1" dirty="0">
               <a:ln w="11430"/>
               <a:solidFill>
                 <a:srgbClr val="FF0000"/>
@@ -24952,8 +25147,8 @@
         </p:blipFill>
         <p:spPr bwMode="auto">
           <a:xfrm>
-            <a:off x="932497" y="1090800"/>
-            <a:ext cx="7342823" cy="4898520"/>
+            <a:off x="1058935" y="1133473"/>
+            <a:ext cx="8338439" cy="5090152"/>
           </a:xfrm>
           <a:prstGeom prst="rect">
             <a:avLst/>
@@ -25046,8 +25241,8 @@
         </p:blipFill>
         <p:spPr bwMode="auto">
           <a:xfrm>
-            <a:off x="4059906" y="3214638"/>
-            <a:ext cx="3590925" cy="1181100"/>
+            <a:off x="4610390" y="3340396"/>
+            <a:ext cx="4077820" cy="1227305"/>
           </a:xfrm>
           <a:prstGeom prst="rect">
             <a:avLst/>
@@ -25178,15 +25373,15 @@
         </p:nvSpPr>
         <p:spPr>
           <a:xfrm>
-            <a:off x="4538132" y="1229468"/>
-            <a:ext cx="4402668" cy="1089529"/>
+            <a:off x="5153459" y="1277566"/>
+            <a:ext cx="4999627" cy="1209027"/>
           </a:xfrm>
           <a:prstGeom prst="rect">
             <a:avLst/>
           </a:prstGeom>
         </p:spPr>
         <p:txBody>
-          <a:bodyPr wrap="square">
+          <a:bodyPr wrap="square" lIns="100054" tIns="50027" rIns="100054" bIns="50027">
             <a:spAutoFit/>
           </a:bodyPr>
           <a:lstStyle/>
@@ -25198,7 +25393,7 @@
               <a:defRPr/>
             </a:pPr>
             <a:r>
-              <a:rPr lang="zh-CN" altLang="en-US" sz="1800" dirty="0" smtClean="0">
+              <a:rPr lang="zh-CN" altLang="en-US" dirty="0">
                 <a:solidFill>
                   <a:schemeClr val="tx1">
                     <a:lumMod val="10000"/>
@@ -25209,7 +25404,7 @@
               </a:rPr>
               <a:t>目的：指定要录制的信息和要使用的函数</a:t>
             </a:r>
-            <a:endParaRPr lang="en-US" altLang="zh-CN" sz="1800" dirty="0" smtClean="0">
+            <a:endParaRPr lang="en-US" altLang="zh-CN" dirty="0">
               <a:solidFill>
                 <a:schemeClr val="tx1">
                   <a:lumMod val="10000"/>
@@ -25227,7 +25422,7 @@
               <a:defRPr/>
             </a:pPr>
             <a:r>
-              <a:rPr lang="zh-CN" altLang="en-US" sz="1800" dirty="0" smtClean="0">
+              <a:rPr lang="zh-CN" altLang="en-US" dirty="0">
                 <a:solidFill>
                   <a:schemeClr val="tx1">
                     <a:lumMod val="10000"/>
@@ -25238,7 +25433,7 @@
               </a:rPr>
               <a:t>依据：项目和环境要求</a:t>
             </a:r>
-            <a:endParaRPr lang="en-US" altLang="zh-CN" sz="1800" dirty="0" smtClean="0">
+            <a:endParaRPr lang="en-US" altLang="zh-CN" dirty="0">
               <a:solidFill>
                 <a:schemeClr val="tx1">
                   <a:lumMod val="10000"/>
@@ -25256,7 +25451,7 @@
               <a:defRPr/>
             </a:pPr>
             <a:r>
-              <a:rPr lang="zh-CN" altLang="en-US" sz="1800" dirty="0" smtClean="0">
+              <a:rPr lang="zh-CN" altLang="en-US" dirty="0">
                 <a:solidFill>
                   <a:schemeClr val="tx1">
                     <a:lumMod val="10000"/>
@@ -25268,7 +25463,7 @@
               <a:t>类型：基于 </a:t>
             </a:r>
             <a:r>
-              <a:rPr lang="en-US" altLang="zh-CN" sz="1800" dirty="0" smtClean="0">
+              <a:rPr lang="en-US" altLang="zh-CN" dirty="0">
                 <a:solidFill>
                   <a:schemeClr val="tx1">
                     <a:lumMod val="10000"/>
@@ -25280,7 +25475,7 @@
               <a:t>HTML </a:t>
             </a:r>
             <a:r>
-              <a:rPr lang="zh-CN" altLang="en-US" sz="1800" dirty="0" smtClean="0">
+              <a:rPr lang="zh-CN" altLang="en-US" dirty="0">
                 <a:solidFill>
                   <a:schemeClr val="tx1">
                     <a:lumMod val="10000"/>
@@ -25292,7 +25487,7 @@
               <a:t>、基于 </a:t>
             </a:r>
             <a:r>
-              <a:rPr lang="en-US" altLang="zh-CN" sz="1800" dirty="0" smtClean="0">
+              <a:rPr lang="en-US" altLang="zh-CN" dirty="0">
                 <a:solidFill>
                   <a:schemeClr val="tx1">
                     <a:lumMod val="10000"/>
@@ -25304,7 +25499,7 @@
               <a:t>URL </a:t>
             </a:r>
             <a:r>
-              <a:rPr lang="zh-CN" altLang="en-US" sz="1800" dirty="0" smtClean="0">
+              <a:rPr lang="zh-CN" altLang="en-US" dirty="0">
                 <a:solidFill>
                   <a:schemeClr val="tx1">
                     <a:lumMod val="10000"/>
@@ -25326,8 +25521,8 @@
         </p:nvSpPr>
         <p:spPr>
           <a:xfrm>
-            <a:off x="496335" y="3988473"/>
-            <a:ext cx="6330139" cy="2062103"/>
+            <a:off x="563634" y="4144505"/>
+            <a:ext cx="7188445" cy="2317022"/>
           </a:xfrm>
           <a:prstGeom prst="rect">
             <a:avLst/>
@@ -25341,13 +25536,13 @@
           </a:ln>
         </p:spPr>
         <p:txBody>
-          <a:bodyPr wrap="square">
+          <a:bodyPr wrap="square" lIns="100054" tIns="50027" rIns="100054" bIns="50027">
             <a:spAutoFit/>
           </a:bodyPr>
           <a:lstStyle/>
           <a:p>
             <a:r>
-              <a:rPr lang="zh-CN" altLang="en-US" sz="1600" b="1" dirty="0" smtClean="0">
+              <a:rPr lang="zh-CN" altLang="en-US" sz="1800" b="1" dirty="0">
                 <a:solidFill>
                   <a:schemeClr val="tx1">
                     <a:lumMod val="10000"/>
@@ -25359,7 +25554,7 @@
               <a:t>基于 </a:t>
             </a:r>
             <a:r>
-              <a:rPr lang="en-US" altLang="zh-CN" sz="1600" b="1" dirty="0" smtClean="0">
+              <a:rPr lang="en-US" altLang="zh-CN" sz="1800" b="1" dirty="0">
                 <a:solidFill>
                   <a:schemeClr val="tx1">
                     <a:lumMod val="10000"/>
@@ -25371,7 +25566,7 @@
               <a:t>HTML </a:t>
             </a:r>
             <a:r>
-              <a:rPr lang="zh-CN" altLang="en-US" sz="1600" b="1" dirty="0" smtClean="0">
+              <a:rPr lang="zh-CN" altLang="en-US" sz="1800" b="1" dirty="0">
                 <a:solidFill>
                   <a:schemeClr val="tx1">
                     <a:lumMod val="10000"/>
@@ -25383,28 +25578,28 @@
               <a:t>的脚本级别：</a:t>
             </a:r>
             <a:r>
-              <a:rPr lang="zh-CN" altLang="en-US" sz="1600" dirty="0" smtClean="0">
+              <a:rPr lang="zh-CN" altLang="en-US" sz="1800" dirty="0">
                 <a:latin typeface="黑体" pitchFamily="2" charset="-122"/>
                 <a:ea typeface="黑体" pitchFamily="2" charset="-122"/>
               </a:rPr>
               <a:t>为每个 </a:t>
             </a:r>
             <a:r>
-              <a:rPr lang="en-US" sz="1600" dirty="0" smtClean="0">
+              <a:rPr lang="en-US" sz="1800" dirty="0">
                 <a:latin typeface="黑体" pitchFamily="2" charset="-122"/>
                 <a:ea typeface="黑体" pitchFamily="2" charset="-122"/>
               </a:rPr>
               <a:t>HTML</a:t>
             </a:r>
             <a:r>
-              <a:rPr lang="zh-CN" altLang="en-US" sz="1600" dirty="0" smtClean="0">
+              <a:rPr lang="zh-CN" altLang="en-US" sz="1800" dirty="0">
                 <a:latin typeface="黑体" pitchFamily="2" charset="-122"/>
                 <a:ea typeface="黑体" pitchFamily="2" charset="-122"/>
               </a:rPr>
               <a:t>用户操作生成单独的步骤和函数。</a:t>
             </a:r>
             <a:r>
-              <a:rPr lang="zh-CN" altLang="en-US" sz="1600" dirty="0" smtClean="0">
+              <a:rPr lang="zh-CN" altLang="en-US" sz="1800" dirty="0">
                 <a:solidFill>
                   <a:srgbClr val="FF0000"/>
                 </a:solidFill>
@@ -25414,13 +25609,13 @@
               <a:t>步骤直观</a:t>
             </a:r>
             <a:r>
-              <a:rPr lang="zh-CN" altLang="en-US" sz="1600" dirty="0" smtClean="0">
+              <a:rPr lang="zh-CN" altLang="en-US" sz="1800" dirty="0">
                 <a:latin typeface="黑体" pitchFamily="2" charset="-122"/>
                 <a:ea typeface="黑体" pitchFamily="2" charset="-122"/>
               </a:rPr>
               <a:t>且脚本容易理解和维护。</a:t>
             </a:r>
-            <a:endParaRPr lang="en-US" altLang="zh-CN" sz="1600" dirty="0" smtClean="0">
+            <a:endParaRPr lang="en-US" altLang="zh-CN" sz="1800" dirty="0">
               <a:solidFill>
                 <a:schemeClr val="tx1">
                   <a:lumMod val="10000"/>
@@ -25432,7 +25627,7 @@
           </a:p>
           <a:p>
             <a:r>
-              <a:rPr lang="zh-CN" altLang="en-US" sz="1600" b="1" dirty="0" smtClean="0">
+              <a:rPr lang="zh-CN" altLang="en-US" sz="1800" b="1" dirty="0">
                 <a:solidFill>
                   <a:schemeClr val="tx1">
                     <a:lumMod val="10000"/>
@@ -25444,7 +25639,7 @@
               <a:t>基于 </a:t>
             </a:r>
             <a:r>
-              <a:rPr lang="en-US" altLang="zh-CN" sz="1600" b="1" dirty="0" smtClean="0">
+              <a:rPr lang="en-US" altLang="zh-CN" sz="1800" b="1" dirty="0">
                 <a:solidFill>
                   <a:schemeClr val="tx1">
                     <a:lumMod val="10000"/>
@@ -25456,7 +25651,7 @@
               <a:t>URL </a:t>
             </a:r>
             <a:r>
-              <a:rPr lang="zh-CN" altLang="en-US" sz="1600" b="1" dirty="0" smtClean="0">
+              <a:rPr lang="zh-CN" altLang="en-US" sz="1800" b="1" dirty="0">
                 <a:solidFill>
                   <a:schemeClr val="tx1">
                     <a:lumMod val="10000"/>
@@ -25468,7 +25663,7 @@
               <a:t>的脚本级别</a:t>
             </a:r>
             <a:r>
-              <a:rPr lang="zh-CN" altLang="en-US" sz="1600" dirty="0" smtClean="0">
+              <a:rPr lang="zh-CN" altLang="en-US" sz="1800" dirty="0">
                 <a:solidFill>
                   <a:schemeClr val="tx1">
                     <a:lumMod val="10000"/>
@@ -25480,14 +25675,14 @@
               <a:t>：</a:t>
             </a:r>
             <a:r>
-              <a:rPr lang="zh-CN" altLang="en-US" sz="1600" dirty="0" smtClean="0">
+              <a:rPr lang="zh-CN" altLang="en-US" sz="1800" dirty="0">
                 <a:latin typeface="黑体" pitchFamily="2" charset="-122"/>
                 <a:ea typeface="黑体" pitchFamily="2" charset="-122"/>
               </a:rPr>
               <a:t>录制“客户端向服务器发送请求后，服务器返回给客户端的</a:t>
             </a:r>
             <a:r>
-              <a:rPr lang="zh-CN" altLang="en-US" sz="1600" dirty="0" smtClean="0">
+              <a:rPr lang="zh-CN" altLang="en-US" sz="1800" dirty="0">
                 <a:solidFill>
                   <a:srgbClr val="FF0000"/>
                 </a:solidFill>
@@ -25497,63 +25692,63 @@
               <a:t>所有浏览器请求和资源</a:t>
             </a:r>
             <a:r>
-              <a:rPr lang="zh-CN" altLang="en-US" sz="1600" dirty="0" smtClean="0">
+              <a:rPr lang="zh-CN" altLang="en-US" sz="1800" dirty="0">
                 <a:latin typeface="黑体" pitchFamily="2" charset="-122"/>
                 <a:ea typeface="黑体" pitchFamily="2" charset="-122"/>
               </a:rPr>
               <a:t>”。它自动将每个</a:t>
             </a:r>
             <a:r>
-              <a:rPr lang="en-US" sz="1600" dirty="0" smtClean="0">
+              <a:rPr lang="en-US" sz="1800" dirty="0">
                 <a:latin typeface="黑体" pitchFamily="2" charset="-122"/>
                 <a:ea typeface="黑体" pitchFamily="2" charset="-122"/>
               </a:rPr>
               <a:t>HTTP</a:t>
             </a:r>
             <a:r>
-              <a:rPr lang="zh-CN" altLang="en-US" sz="1600" dirty="0" smtClean="0">
+              <a:rPr lang="zh-CN" altLang="en-US" sz="1800" dirty="0">
                 <a:latin typeface="黑体" pitchFamily="2" charset="-122"/>
                 <a:ea typeface="黑体" pitchFamily="2" charset="-122"/>
               </a:rPr>
               <a:t>资源（即所有操作）录制为 </a:t>
             </a:r>
             <a:r>
-              <a:rPr lang="en-US" sz="1600" dirty="0" smtClean="0">
+              <a:rPr lang="en-US" sz="1800" dirty="0">
                 <a:latin typeface="黑体" pitchFamily="2" charset="-122"/>
                 <a:ea typeface="黑体" pitchFamily="2" charset="-122"/>
               </a:rPr>
               <a:t>URL </a:t>
             </a:r>
             <a:r>
-              <a:rPr lang="zh-CN" altLang="en-US" sz="1600" dirty="0" smtClean="0">
+              <a:rPr lang="zh-CN" altLang="en-US" sz="1800" dirty="0">
                 <a:latin typeface="黑体" pitchFamily="2" charset="-122"/>
                 <a:ea typeface="黑体" pitchFamily="2" charset="-122"/>
               </a:rPr>
               <a:t>步骤（即由</a:t>
             </a:r>
             <a:r>
-              <a:rPr lang="en-US" sz="1600" dirty="0" err="1" smtClean="0">
+              <a:rPr lang="en-US" sz="1800" dirty="0" err="1">
                 <a:latin typeface="黑体" pitchFamily="2" charset="-122"/>
                 <a:ea typeface="黑体" pitchFamily="2" charset="-122"/>
               </a:rPr>
               <a:t>web_url</a:t>
             </a:r>
             <a:r>
-              <a:rPr lang="en-US" sz="1600" dirty="0" smtClean="0">
+              <a:rPr lang="en-US" sz="1800" dirty="0">
                 <a:latin typeface="黑体" pitchFamily="2" charset="-122"/>
                 <a:ea typeface="黑体" pitchFamily="2" charset="-122"/>
               </a:rPr>
               <a:t> </a:t>
             </a:r>
             <a:r>
-              <a:rPr lang="zh-CN" altLang="en-US" sz="1600" dirty="0" smtClean="0">
+              <a:rPr lang="zh-CN" altLang="en-US" sz="1800" dirty="0">
                 <a:latin typeface="黑体" pitchFamily="2" charset="-122"/>
                 <a:ea typeface="黑体" pitchFamily="2" charset="-122"/>
               </a:rPr>
               <a:t>语句构成的脚本）。较上一方式，记录了</a:t>
             </a:r>
             <a:r>
-              <a:rPr lang="zh-CN" altLang="en-US" sz="1600" dirty="0" smtClean="0">
+              <a:rPr lang="zh-CN" altLang="en-US" sz="1800" dirty="0">
                 <a:solidFill>
                   <a:srgbClr val="FF0000"/>
                 </a:solidFill>
@@ -25563,14 +25758,14 @@
               <a:t>更详细</a:t>
             </a:r>
             <a:r>
-              <a:rPr lang="zh-CN" altLang="en-US" sz="1600" dirty="0" smtClean="0">
+              <a:rPr lang="zh-CN" altLang="en-US" sz="1800" dirty="0">
                 <a:latin typeface="黑体" pitchFamily="2" charset="-122"/>
                 <a:ea typeface="黑体" pitchFamily="2" charset="-122"/>
               </a:rPr>
               <a:t>的客户端操作信息，甚至可捕获</a:t>
             </a:r>
             <a:r>
-              <a:rPr lang="zh-CN" altLang="en-US" sz="1600" dirty="0" smtClean="0">
+              <a:rPr lang="zh-CN" altLang="en-US" sz="1800" dirty="0">
                 <a:solidFill>
                   <a:srgbClr val="FF0000"/>
                 </a:solidFill>
@@ -25580,7 +25775,7 @@
               <a:t>非</a:t>
             </a:r>
             <a:r>
-              <a:rPr lang="en-US" sz="1600" dirty="0" smtClean="0">
+              <a:rPr lang="en-US" sz="1800" dirty="0">
                 <a:solidFill>
                   <a:srgbClr val="FF0000"/>
                 </a:solidFill>
@@ -25590,7 +25785,7 @@
               <a:t>HTML</a:t>
             </a:r>
             <a:r>
-              <a:rPr lang="zh-CN" altLang="en-US" sz="1600" dirty="0" smtClean="0">
+              <a:rPr lang="zh-CN" altLang="en-US" sz="1800" dirty="0">
                 <a:solidFill>
                   <a:srgbClr val="FF0000"/>
                 </a:solidFill>
@@ -25600,14 +25795,14 @@
               <a:t>形式应用程序</a:t>
             </a:r>
             <a:r>
-              <a:rPr lang="zh-CN" altLang="en-US" sz="1600" dirty="0" smtClean="0">
+              <a:rPr lang="zh-CN" altLang="en-US" sz="1800" dirty="0">
                 <a:latin typeface="黑体" pitchFamily="2" charset="-122"/>
                 <a:ea typeface="黑体" pitchFamily="2" charset="-122"/>
               </a:rPr>
               <a:t>，如小程序、非浏览器程序。但生成的脚本</a:t>
             </a:r>
             <a:r>
-              <a:rPr lang="zh-CN" altLang="en-US" sz="1600" dirty="0" smtClean="0">
+              <a:rPr lang="zh-CN" altLang="en-US" sz="1800" dirty="0">
                 <a:solidFill>
                   <a:srgbClr val="FF0000"/>
                 </a:solidFill>
@@ -25617,14 +25812,14 @@
               <a:t>内容长且多</a:t>
             </a:r>
             <a:r>
-              <a:rPr lang="zh-CN" altLang="en-US" sz="1600" dirty="0" smtClean="0">
+              <a:rPr lang="zh-CN" altLang="en-US" sz="1800" dirty="0">
                 <a:latin typeface="黑体" pitchFamily="2" charset="-122"/>
                 <a:ea typeface="黑体" pitchFamily="2" charset="-122"/>
               </a:rPr>
               <a:t>，显示</a:t>
             </a:r>
             <a:r>
-              <a:rPr lang="zh-CN" altLang="en-US" sz="1600" dirty="0" smtClean="0">
+              <a:rPr lang="zh-CN" altLang="en-US" sz="1800" dirty="0">
                 <a:solidFill>
                   <a:srgbClr val="FF0000"/>
                 </a:solidFill>
@@ -25634,13 +25829,13 @@
               <a:t>不直观</a:t>
             </a:r>
             <a:r>
-              <a:rPr lang="zh-CN" altLang="en-US" sz="1600" dirty="0" smtClean="0">
+              <a:rPr lang="zh-CN" altLang="en-US" sz="1800" dirty="0">
                 <a:latin typeface="黑体" pitchFamily="2" charset="-122"/>
                 <a:ea typeface="黑体" pitchFamily="2" charset="-122"/>
               </a:rPr>
               <a:t>。</a:t>
             </a:r>
-            <a:endParaRPr lang="zh-CN" altLang="en-US" sz="1600" dirty="0">
+            <a:endParaRPr lang="zh-CN" altLang="en-US" sz="1800" dirty="0">
               <a:solidFill>
                 <a:schemeClr val="tx1">
                   <a:lumMod val="10000"/>
@@ -25660,8 +25855,8 @@
         </p:nvSpPr>
         <p:spPr bwMode="auto">
           <a:xfrm>
-            <a:off x="4825402" y="2395576"/>
-            <a:ext cx="850184" cy="1456267"/>
+            <a:off x="5479680" y="2489292"/>
+            <a:ext cx="965461" cy="1513237"/>
           </a:xfrm>
           <a:prstGeom prst="curvedLeftArrow">
             <a:avLst/>
@@ -25708,37 +25903,22 @@
           </a:effectLst>
         </p:spPr>
         <p:txBody>
-          <a:bodyPr vert="horz" wrap="square" lIns="91440" tIns="45720" rIns="91440" bIns="45720" numCol="1" rtlCol="0" anchor="t" anchorCtr="0" compatLnSpc="1">
+          <a:bodyPr vert="horz" wrap="square" lIns="100054" tIns="50027" rIns="100054" bIns="50027" numCol="1" rtlCol="0" anchor="t" anchorCtr="0" compatLnSpc="1">
             <a:prstTxWarp prst="textNoShape">
               <a:avLst/>
             </a:prstTxWarp>
           </a:bodyPr>
           <a:lstStyle/>
           <a:p>
-            <a:pPr marL="0" marR="0" indent="0" algn="l" defTabSz="914400" rtl="0" eaLnBrk="0" fontAlgn="base" latinLnBrk="0" hangingPunct="0">
-              <a:lnSpc>
-                <a:spcPct val="100000"/>
-              </a:lnSpc>
+            <a:pPr eaLnBrk="0" fontAlgn="base" hangingPunct="0">
               <a:spcBef>
                 <a:spcPct val="0"/>
               </a:spcBef>
               <a:spcAft>
                 <a:spcPct val="0"/>
               </a:spcAft>
-              <a:buClrTx/>
-              <a:buSzTx/>
-              <a:buFontTx/>
-              <a:buNone/>
-              <a:tabLst/>
             </a:pPr>
-            <a:endParaRPr kumimoji="0" lang="zh-CN" altLang="en-US" sz="1900" b="0" i="0" u="none" strike="noStrike" cap="none" normalizeH="0" baseline="0" smtClean="0">
-              <a:ln>
-                <a:noFill/>
-              </a:ln>
-              <a:solidFill>
-                <a:schemeClr val="tx1"/>
-              </a:solidFill>
-              <a:effectLst/>
+            <a:endParaRPr lang="zh-CN" altLang="en-US" sz="2100">
               <a:latin typeface="Times New Roman" pitchFamily="18" charset="0"/>
             </a:endParaRPr>
           </a:p>
@@ -25752,15 +25932,15 @@
         </p:nvSpPr>
         <p:spPr>
           <a:xfrm>
-            <a:off x="7047190" y="3001634"/>
-            <a:ext cx="2286002" cy="677108"/>
+            <a:off x="8002721" y="3119059"/>
+            <a:ext cx="2595962" cy="716584"/>
           </a:xfrm>
           <a:prstGeom prst="rect">
             <a:avLst/>
           </a:prstGeom>
         </p:spPr>
         <p:txBody>
-          <a:bodyPr wrap="square">
+          <a:bodyPr wrap="square" lIns="100054" tIns="50027" rIns="100054" bIns="50027">
             <a:spAutoFit/>
           </a:bodyPr>
           <a:lstStyle/>
@@ -25819,8 +25999,8 @@
         </p:blipFill>
         <p:spPr bwMode="auto">
           <a:xfrm>
-            <a:off x="535690" y="944174"/>
-            <a:ext cx="3866040" cy="2977495"/>
+            <a:off x="608324" y="981111"/>
+            <a:ext cx="4390238" cy="3093976"/>
           </a:xfrm>
           <a:prstGeom prst="rect">
             <a:avLst/>
@@ -25849,8 +26029,8 @@
         </p:blipFill>
         <p:spPr bwMode="auto">
           <a:xfrm>
-            <a:off x="7061235" y="3995015"/>
-            <a:ext cx="1594033" cy="2025870"/>
+            <a:off x="8018671" y="4151302"/>
+            <a:ext cx="1810168" cy="2105123"/>
           </a:xfrm>
           <a:prstGeom prst="rect">
             <a:avLst/>
@@ -25879,8 +26059,8 @@
         </p:blipFill>
         <p:spPr bwMode="auto">
           <a:xfrm>
-            <a:off x="340661" y="920097"/>
-            <a:ext cx="8420849" cy="5136646"/>
+            <a:off x="386852" y="956092"/>
+            <a:ext cx="9562635" cy="5337594"/>
           </a:xfrm>
           <a:prstGeom prst="rect">
             <a:avLst/>
@@ -26247,8 +26427,8 @@
         </p:nvSpPr>
         <p:spPr>
           <a:xfrm>
-            <a:off x="467544" y="980728"/>
-            <a:ext cx="8229600" cy="4525963"/>
+            <a:off x="530939" y="1019095"/>
+            <a:ext cx="9345454" cy="4703021"/>
           </a:xfrm>
         </p:spPr>
         <p:txBody>
@@ -26486,8 +26666,8 @@
         </p:blipFill>
         <p:spPr bwMode="auto">
           <a:xfrm>
-            <a:off x="467544" y="2780928"/>
-            <a:ext cx="3326524" cy="3294993"/>
+            <a:off x="530939" y="2889719"/>
+            <a:ext cx="3777568" cy="3423895"/>
           </a:xfrm>
           <a:prstGeom prst="rect">
             <a:avLst/>
@@ -26513,8 +26693,8 @@
         </p:blipFill>
         <p:spPr bwMode="auto">
           <a:xfrm>
-            <a:off x="5076055" y="1340768"/>
-            <a:ext cx="3436883" cy="3279228"/>
+            <a:off x="5764320" y="1393219"/>
+            <a:ext cx="3902891" cy="3407513"/>
           </a:xfrm>
           <a:prstGeom prst="rect">
             <a:avLst/>
@@ -26752,8 +26932,8 @@
         </p:nvSpPr>
         <p:spPr>
           <a:xfrm>
-            <a:off x="240293" y="4525174"/>
-            <a:ext cx="4114792" cy="2062103"/>
+            <a:off x="272874" y="4702202"/>
+            <a:ext cx="4672718" cy="2317022"/>
           </a:xfrm>
           <a:prstGeom prst="rect">
             <a:avLst/>
@@ -26763,20 +26943,20 @@
           </a:solidFill>
         </p:spPr>
         <p:txBody>
-          <a:bodyPr wrap="square">
+          <a:bodyPr wrap="square" lIns="100054" tIns="50027" rIns="100054" bIns="50027">
             <a:spAutoFit/>
           </a:bodyPr>
           <a:lstStyle/>
           <a:p>
             <a:r>
-              <a:rPr lang="zh-CN" altLang="en-US" sz="1600" dirty="0" smtClean="0">
+              <a:rPr lang="zh-CN" altLang="en-US" sz="1800" dirty="0">
                 <a:latin typeface="黑体" pitchFamily="2" charset="-122"/>
                 <a:ea typeface="黑体" pitchFamily="2" charset="-122"/>
               </a:rPr>
               <a:t>即描述用户行为的脚本</a:t>
             </a:r>
             <a:r>
-              <a:rPr lang="zh-CN" altLang="en-US" sz="1600" dirty="0" smtClean="0">
+              <a:rPr lang="zh-CN" altLang="en-US" sz="1800" dirty="0">
                 <a:solidFill>
                   <a:schemeClr val="tx1">
                     <a:lumMod val="10000"/>
@@ -26788,7 +26968,7 @@
               <a:t>。</a:t>
             </a:r>
             <a:r>
-              <a:rPr lang="zh-CN" altLang="en-US" sz="1600" dirty="0" smtClean="0">
+              <a:rPr lang="zh-CN" altLang="en-US" sz="1800" dirty="0">
                 <a:solidFill>
                   <a:srgbClr val="FF0000"/>
                 </a:solidFill>
@@ -26797,7 +26977,7 @@
               </a:rPr>
               <a:t>脚本非常直观。 </a:t>
             </a:r>
-            <a:endParaRPr lang="en-US" altLang="zh-CN" sz="1600" dirty="0" smtClean="0">
+            <a:endParaRPr lang="en-US" altLang="zh-CN" sz="1800" dirty="0">
               <a:solidFill>
                 <a:srgbClr val="FF0000"/>
               </a:solidFill>
@@ -26807,7 +26987,7 @@
           </a:p>
           <a:p>
             <a:r>
-              <a:rPr lang="zh-CN" altLang="en-US" sz="1600" dirty="0" smtClean="0">
+              <a:rPr lang="zh-CN" altLang="en-US" sz="1800" dirty="0">
                 <a:solidFill>
                   <a:schemeClr val="tx1">
                     <a:lumMod val="10000"/>
@@ -26819,7 +26999,7 @@
               <a:t>它生成</a:t>
             </a:r>
             <a:r>
-              <a:rPr lang="zh-CN" altLang="en-US" sz="1600" dirty="0" smtClean="0">
+              <a:rPr lang="zh-CN" altLang="en-US" sz="1800" dirty="0">
                 <a:solidFill>
                   <a:srgbClr val="FF0000"/>
                 </a:solidFill>
@@ -26829,7 +27009,7 @@
               <a:t>直接对应于发生的操作</a:t>
             </a:r>
             <a:r>
-              <a:rPr lang="zh-CN" altLang="en-US" sz="1600" dirty="0" smtClean="0">
+              <a:rPr lang="zh-CN" altLang="en-US" sz="1800" dirty="0">
                 <a:solidFill>
                   <a:schemeClr val="tx1">
                     <a:lumMod val="10000"/>
@@ -26840,7 +27020,7 @@
               </a:rPr>
               <a:t>的函数。</a:t>
             </a:r>
-            <a:endParaRPr lang="en-US" altLang="zh-CN" sz="1600" dirty="0" smtClean="0">
+            <a:endParaRPr lang="en-US" altLang="zh-CN" sz="1800" dirty="0">
               <a:solidFill>
                 <a:schemeClr val="tx1">
                   <a:lumMod val="10000"/>
@@ -26852,7 +27032,7 @@
           </a:p>
           <a:p>
             <a:r>
-              <a:rPr lang="zh-CN" altLang="en-US" sz="1600" dirty="0" smtClean="0">
+              <a:rPr lang="zh-CN" altLang="en-US" sz="1800" dirty="0">
                 <a:solidFill>
                   <a:schemeClr val="tx1">
                     <a:lumMod val="10000"/>
@@ -26864,7 +27044,7 @@
               <a:t>它创建 </a:t>
             </a:r>
             <a:r>
-              <a:rPr lang="en-US" altLang="zh-CN" sz="1600" dirty="0" smtClean="0">
+              <a:rPr lang="en-US" altLang="zh-CN" sz="1800" dirty="0">
                 <a:solidFill>
                   <a:schemeClr val="tx1">
                     <a:lumMod val="10000"/>
@@ -26876,7 +27056,7 @@
               <a:t>URL (</a:t>
             </a:r>
             <a:r>
-              <a:rPr lang="en-US" altLang="zh-CN" sz="1600" dirty="0" err="1" smtClean="0">
+              <a:rPr lang="en-US" altLang="zh-CN" sz="1800" dirty="0" err="1">
                 <a:solidFill>
                   <a:schemeClr val="tx1">
                     <a:lumMod val="10000"/>
@@ -26888,7 +27068,7 @@
               <a:t>web_url</a:t>
             </a:r>
             <a:r>
-              <a:rPr lang="en-US" altLang="zh-CN" sz="1600" dirty="0" smtClean="0">
+              <a:rPr lang="en-US" altLang="zh-CN" sz="1800" dirty="0">
                 <a:solidFill>
                   <a:schemeClr val="tx1">
                     <a:lumMod val="10000"/>
@@ -26900,7 +27080,7 @@
               <a:t>)</a:t>
             </a:r>
             <a:r>
-              <a:rPr lang="zh-CN" altLang="en-US" sz="1600" dirty="0" smtClean="0">
+              <a:rPr lang="zh-CN" altLang="en-US" sz="1800" dirty="0">
                 <a:solidFill>
                   <a:schemeClr val="tx1">
                     <a:lumMod val="10000"/>
@@ -26911,7 +27091,7 @@
               </a:rPr>
               <a:t>、</a:t>
             </a:r>
-            <a:endParaRPr lang="en-US" altLang="zh-CN" sz="1600" dirty="0" smtClean="0">
+            <a:endParaRPr lang="en-US" altLang="zh-CN" sz="1800" dirty="0">
               <a:solidFill>
                 <a:schemeClr val="tx1">
                   <a:lumMod val="10000"/>
@@ -26923,7 +27103,7 @@
           </a:p>
           <a:p>
             <a:r>
-              <a:rPr lang="zh-CN" altLang="en-US" sz="1600" dirty="0" smtClean="0">
+              <a:rPr lang="zh-CN" altLang="en-US" sz="1800" dirty="0">
                 <a:solidFill>
                   <a:schemeClr val="tx1">
                     <a:lumMod val="10000"/>
@@ -26935,7 +27115,7 @@
               <a:t>链接 </a:t>
             </a:r>
             <a:r>
-              <a:rPr lang="en-US" altLang="zh-CN" sz="1600" dirty="0" smtClean="0">
+              <a:rPr lang="en-US" altLang="zh-CN" sz="1800" dirty="0">
                 <a:solidFill>
                   <a:schemeClr val="tx1">
                     <a:lumMod val="10000"/>
@@ -26947,7 +27127,7 @@
               <a:t>(</a:t>
             </a:r>
             <a:r>
-              <a:rPr lang="en-US" altLang="zh-CN" sz="1600" dirty="0" err="1" smtClean="0">
+              <a:rPr lang="en-US" altLang="zh-CN" sz="1800" dirty="0" err="1">
                 <a:solidFill>
                   <a:schemeClr val="tx1">
                     <a:lumMod val="10000"/>
@@ -26959,7 +27139,7 @@
               <a:t>web_link</a:t>
             </a:r>
             <a:r>
-              <a:rPr lang="en-US" altLang="zh-CN" sz="1600" dirty="0" smtClean="0">
+              <a:rPr lang="en-US" altLang="zh-CN" sz="1800" dirty="0">
                 <a:solidFill>
                   <a:schemeClr val="tx1">
                     <a:lumMod val="10000"/>
@@ -26971,7 +27151,7 @@
               <a:t>)</a:t>
             </a:r>
             <a:r>
-              <a:rPr lang="zh-CN" altLang="en-US" sz="1600" dirty="0" smtClean="0">
+              <a:rPr lang="zh-CN" altLang="en-US" sz="1800" dirty="0">
                 <a:solidFill>
                   <a:schemeClr val="tx1">
                     <a:lumMod val="10000"/>
@@ -26982,7 +27162,7 @@
               </a:rPr>
               <a:t>、</a:t>
             </a:r>
-            <a:endParaRPr lang="en-US" altLang="zh-CN" sz="1600" dirty="0" smtClean="0">
+            <a:endParaRPr lang="en-US" altLang="zh-CN" sz="1800" dirty="0">
               <a:solidFill>
                 <a:schemeClr val="tx1">
                   <a:lumMod val="10000"/>
@@ -26994,7 +27174,7 @@
           </a:p>
           <a:p>
             <a:r>
-              <a:rPr lang="zh-CN" altLang="en-US" sz="1600" dirty="0" smtClean="0">
+              <a:rPr lang="zh-CN" altLang="en-US" sz="1800" dirty="0">
                 <a:solidFill>
                   <a:schemeClr val="tx1">
                     <a:lumMod val="10000"/>
@@ -27006,7 +27186,7 @@
               <a:t>图像 </a:t>
             </a:r>
             <a:r>
-              <a:rPr lang="en-US" altLang="zh-CN" sz="1600" dirty="0" smtClean="0">
+              <a:rPr lang="en-US" altLang="zh-CN" sz="1800" dirty="0">
                 <a:solidFill>
                   <a:schemeClr val="tx1">
                     <a:lumMod val="10000"/>
@@ -27018,7 +27198,7 @@
               <a:t>(</a:t>
             </a:r>
             <a:r>
-              <a:rPr lang="en-US" altLang="zh-CN" sz="1600" dirty="0" err="1" smtClean="0">
+              <a:rPr lang="en-US" altLang="zh-CN" sz="1800" dirty="0" err="1">
                 <a:solidFill>
                   <a:schemeClr val="tx1">
                     <a:lumMod val="10000"/>
@@ -27030,7 +27210,7 @@
               <a:t>web_image</a:t>
             </a:r>
             <a:r>
-              <a:rPr lang="en-US" altLang="zh-CN" sz="1600" dirty="0" smtClean="0">
+              <a:rPr lang="en-US" altLang="zh-CN" sz="1800" dirty="0">
                 <a:solidFill>
                   <a:schemeClr val="tx1">
                     <a:lumMod val="10000"/>
@@ -27042,7 +27222,7 @@
               <a:t>) </a:t>
             </a:r>
             <a:r>
-              <a:rPr lang="zh-CN" altLang="en-US" sz="1600" dirty="0" smtClean="0">
+              <a:rPr lang="zh-CN" altLang="en-US" sz="1800" dirty="0">
                 <a:solidFill>
                   <a:schemeClr val="tx1">
                     <a:lumMod val="10000"/>
@@ -27053,7 +27233,7 @@
               </a:rPr>
               <a:t>、</a:t>
             </a:r>
-            <a:endParaRPr lang="en-US" altLang="zh-CN" sz="1600" dirty="0">
+            <a:endParaRPr lang="en-US" altLang="zh-CN" sz="1800" dirty="0">
               <a:solidFill>
                 <a:schemeClr val="tx1">
                   <a:lumMod val="10000"/>
@@ -27065,7 +27245,7 @@
           </a:p>
           <a:p>
             <a:r>
-              <a:rPr lang="zh-CN" altLang="en-US" sz="1600" dirty="0" smtClean="0">
+              <a:rPr lang="zh-CN" altLang="en-US" sz="1800" dirty="0">
                 <a:solidFill>
                   <a:schemeClr val="tx1">
                     <a:lumMod val="10000"/>
@@ -27077,7 +27257,7 @@
               <a:t>表单提交 </a:t>
             </a:r>
             <a:r>
-              <a:rPr lang="en-US" altLang="zh-CN" sz="1600" dirty="0" smtClean="0">
+              <a:rPr lang="en-US" altLang="zh-CN" sz="1800" dirty="0">
                 <a:solidFill>
                   <a:schemeClr val="tx1">
                     <a:lumMod val="10000"/>
@@ -27089,7 +27269,7 @@
               <a:t>(</a:t>
             </a:r>
             <a:r>
-              <a:rPr lang="en-US" altLang="zh-CN" sz="1600" dirty="0" err="1" smtClean="0">
+              <a:rPr lang="en-US" altLang="zh-CN" sz="1800" dirty="0" err="1">
                 <a:solidFill>
                   <a:schemeClr val="tx1">
                     <a:lumMod val="10000"/>
@@ -27101,7 +27281,7 @@
               <a:t>web_submit_form</a:t>
             </a:r>
             <a:r>
-              <a:rPr lang="en-US" altLang="zh-CN" sz="1600" dirty="0" smtClean="0">
+              <a:rPr lang="en-US" altLang="zh-CN" sz="1800" dirty="0">
                 <a:solidFill>
                   <a:schemeClr val="tx1">
                     <a:lumMod val="10000"/>
@@ -27113,7 +27293,7 @@
               <a:t>) </a:t>
             </a:r>
             <a:r>
-              <a:rPr lang="zh-CN" altLang="en-US" sz="1600" dirty="0" smtClean="0">
+              <a:rPr lang="zh-CN" altLang="en-US" sz="1800" dirty="0">
                 <a:solidFill>
                   <a:schemeClr val="tx1">
                     <a:lumMod val="10000"/>
@@ -27124,7 +27304,7 @@
               </a:rPr>
               <a:t>函数。</a:t>
             </a:r>
-            <a:endParaRPr lang="en-US" altLang="zh-CN" sz="1600" dirty="0" smtClean="0">
+            <a:endParaRPr lang="en-US" altLang="zh-CN" sz="1800" dirty="0">
               <a:solidFill>
                 <a:schemeClr val="tx1">
                   <a:lumMod val="10000"/>
@@ -27136,7 +27316,7 @@
           </a:p>
           <a:p>
             <a:r>
-              <a:rPr lang="zh-CN" altLang="en-US" sz="1600" dirty="0" smtClean="0">
+              <a:rPr lang="zh-CN" altLang="en-US" sz="1800" dirty="0">
                 <a:solidFill>
                   <a:schemeClr val="tx1">
                     <a:lumMod val="10000"/>
@@ -27147,7 +27327,7 @@
               </a:rPr>
               <a:t>面临存在多个同名链接页面的录制时，较难进行分辨。</a:t>
             </a:r>
-            <a:endParaRPr lang="zh-CN" altLang="en-US" sz="1600" dirty="0">
+            <a:endParaRPr lang="zh-CN" altLang="en-US" sz="1800" dirty="0">
               <a:solidFill>
                 <a:schemeClr val="tx1">
                   <a:lumMod val="10000"/>
@@ -27167,8 +27347,8 @@
         </p:nvSpPr>
         <p:spPr>
           <a:xfrm>
-            <a:off x="4405447" y="4521144"/>
-            <a:ext cx="4572000" cy="2062103"/>
+            <a:off x="5002783" y="4698014"/>
+            <a:ext cx="5191919" cy="2317022"/>
           </a:xfrm>
           <a:prstGeom prst="rect">
             <a:avLst/>
@@ -27178,83 +27358,83 @@
           </a:solidFill>
         </p:spPr>
         <p:txBody>
-          <a:bodyPr>
+          <a:bodyPr lIns="100054" tIns="50027" rIns="100054" bIns="50027">
             <a:spAutoFit/>
           </a:bodyPr>
           <a:lstStyle/>
           <a:p>
             <a:r>
-              <a:rPr lang="zh-CN" altLang="en-US" sz="1600" dirty="0" smtClean="0">
+              <a:rPr lang="zh-CN" altLang="en-US" sz="1800" dirty="0">
                 <a:latin typeface="黑体" pitchFamily="2" charset="-122"/>
                 <a:ea typeface="黑体" pitchFamily="2" charset="-122"/>
               </a:rPr>
               <a:t>即仅包含明确</a:t>
             </a:r>
             <a:r>
-              <a:rPr lang="en-US" sz="1600" dirty="0" smtClean="0">
+              <a:rPr lang="en-US" sz="1800" dirty="0">
                 <a:latin typeface="黑体" pitchFamily="2" charset="-122"/>
                 <a:ea typeface="黑体" pitchFamily="2" charset="-122"/>
               </a:rPr>
               <a:t>URL</a:t>
             </a:r>
             <a:r>
-              <a:rPr lang="zh-CN" altLang="en-US" sz="1600" dirty="0" smtClean="0">
+              <a:rPr lang="zh-CN" altLang="en-US" sz="1800" dirty="0">
                 <a:latin typeface="黑体" pitchFamily="2" charset="-122"/>
                 <a:ea typeface="黑体" pitchFamily="2" charset="-122"/>
               </a:rPr>
               <a:t>的脚本。立足于客户端实际发送的请求，更详尽的显示了用户对系统的真实操作。由</a:t>
             </a:r>
             <a:r>
-              <a:rPr lang="en-US" sz="1600" dirty="0" err="1" smtClean="0">
+              <a:rPr lang="en-US" sz="1800" dirty="0" err="1">
                 <a:latin typeface="黑体" pitchFamily="2" charset="-122"/>
                 <a:ea typeface="黑体" pitchFamily="2" charset="-122"/>
               </a:rPr>
               <a:t>web_url</a:t>
             </a:r>
             <a:r>
-              <a:rPr lang="en-US" sz="1600" dirty="0" smtClean="0">
+              <a:rPr lang="en-US" sz="1800" dirty="0">
                 <a:latin typeface="黑体" pitchFamily="2" charset="-122"/>
                 <a:ea typeface="黑体" pitchFamily="2" charset="-122"/>
               </a:rPr>
               <a:t> </a:t>
             </a:r>
             <a:r>
-              <a:rPr lang="zh-CN" altLang="en-US" sz="1600" dirty="0" smtClean="0">
+              <a:rPr lang="zh-CN" altLang="en-US" sz="1800" dirty="0">
                 <a:latin typeface="黑体" pitchFamily="2" charset="-122"/>
                 <a:ea typeface="黑体" pitchFamily="2" charset="-122"/>
               </a:rPr>
               <a:t>函数来显示所有链接、</a:t>
             </a:r>
             <a:r>
-              <a:rPr lang="en-US" sz="1600" dirty="0" smtClean="0">
+              <a:rPr lang="en-US" sz="1800" dirty="0">
                 <a:latin typeface="黑体" pitchFamily="2" charset="-122"/>
                 <a:ea typeface="黑体" pitchFamily="2" charset="-122"/>
               </a:rPr>
               <a:t>URL</a:t>
             </a:r>
             <a:r>
-              <a:rPr lang="zh-CN" altLang="en-US" sz="1600" dirty="0" smtClean="0">
+              <a:rPr lang="zh-CN" altLang="en-US" sz="1800" dirty="0">
                 <a:latin typeface="黑体" pitchFamily="2" charset="-122"/>
                 <a:ea typeface="黑体" pitchFamily="2" charset="-122"/>
               </a:rPr>
               <a:t>及图像等，由</a:t>
             </a:r>
             <a:r>
-              <a:rPr lang="en-US" sz="1600" dirty="0" err="1" smtClean="0">
+              <a:rPr lang="en-US" sz="1800" dirty="0" err="1">
                 <a:latin typeface="黑体" pitchFamily="2" charset="-122"/>
                 <a:ea typeface="黑体" pitchFamily="2" charset="-122"/>
               </a:rPr>
               <a:t>web_submit_data</a:t>
             </a:r>
             <a:r>
-              <a:rPr lang="zh-CN" altLang="en-US" sz="1600" dirty="0" smtClean="0">
+              <a:rPr lang="zh-CN" altLang="en-US" sz="1800" dirty="0">
                 <a:latin typeface="黑体" pitchFamily="2" charset="-122"/>
                 <a:ea typeface="黑体" pitchFamily="2" charset="-122"/>
               </a:rPr>
               <a:t>函数来显示表单提交过程。</a:t>
             </a:r>
             <a:r>
-              <a:rPr lang="zh-CN" altLang="en-US" sz="1600" dirty="0" smtClean="0">
+              <a:rPr lang="zh-CN" altLang="en-US" sz="1800" dirty="0">
                 <a:solidFill>
                   <a:srgbClr val="FF0000"/>
                 </a:solidFill>
@@ -27263,7 +27443,7 @@
               </a:rPr>
               <a:t>脚本不是很直观。</a:t>
             </a:r>
-            <a:endParaRPr lang="en-US" altLang="zh-CN" sz="1600" dirty="0" smtClean="0">
+            <a:endParaRPr lang="en-US" altLang="zh-CN" sz="1800" dirty="0">
               <a:solidFill>
                 <a:srgbClr val="FF0000"/>
               </a:solidFill>
@@ -27273,20 +27453,20 @@
           </a:p>
           <a:p>
             <a:r>
-              <a:rPr lang="zh-CN" altLang="en-US" sz="1600" dirty="0" smtClean="0">
+              <a:rPr lang="zh-CN" altLang="en-US" sz="1800" dirty="0">
                 <a:latin typeface="黑体" pitchFamily="2" charset="-122"/>
                 <a:ea typeface="黑体" pitchFamily="2" charset="-122"/>
               </a:rPr>
               <a:t>面临存在多个同名链接页面的录制时，它能轻松将所有链接一一列出。</a:t>
             </a:r>
-            <a:endParaRPr lang="en-US" altLang="zh-CN" sz="1600" dirty="0" smtClean="0">
+            <a:endParaRPr lang="en-US" altLang="zh-CN" sz="1800" dirty="0">
               <a:latin typeface="黑体" pitchFamily="2" charset="-122"/>
               <a:ea typeface="黑体" pitchFamily="2" charset="-122"/>
             </a:endParaRPr>
           </a:p>
           <a:p>
             <a:r>
-              <a:rPr lang="zh-CN" altLang="en-US" sz="1600" dirty="0" smtClean="0">
+              <a:rPr lang="zh-CN" altLang="en-US" sz="1800" dirty="0">
                 <a:solidFill>
                   <a:schemeClr val="tx1">
                     <a:lumMod val="10000"/>
@@ -27298,7 +27478,7 @@
               <a:t>有利于该步骤的</a:t>
             </a:r>
             <a:r>
-              <a:rPr lang="zh-CN" altLang="en-US" sz="1600" dirty="0" smtClean="0">
+              <a:rPr lang="zh-CN" altLang="en-US" sz="1800" dirty="0">
                 <a:solidFill>
                   <a:srgbClr val="FF0000"/>
                 </a:solidFill>
@@ -27308,7 +27488,7 @@
               <a:t>参数化和关联</a:t>
             </a:r>
             <a:r>
-              <a:rPr lang="zh-CN" altLang="en-US" sz="1600" dirty="0" smtClean="0">
+              <a:rPr lang="zh-CN" altLang="en-US" sz="1800" dirty="0">
                 <a:solidFill>
                   <a:schemeClr val="tx1">
                     <a:lumMod val="10000"/>
@@ -27319,7 +27499,7 @@
               </a:rPr>
               <a:t>。 </a:t>
             </a:r>
-            <a:endParaRPr lang="zh-CN" altLang="en-US" sz="1600" dirty="0">
+            <a:endParaRPr lang="zh-CN" altLang="en-US" sz="1800" dirty="0">
               <a:solidFill>
                 <a:schemeClr val="tx1">
                   <a:lumMod val="10000"/>
@@ -27346,8 +27526,8 @@
         </p:blipFill>
         <p:spPr bwMode="auto">
           <a:xfrm>
-            <a:off x="2159886" y="923097"/>
-            <a:ext cx="4984205" cy="3475476"/>
+            <a:off x="2452746" y="959209"/>
+            <a:ext cx="5660015" cy="3611438"/>
           </a:xfrm>
           <a:prstGeom prst="rect">
             <a:avLst/>
@@ -27376,8 +27556,8 @@
         </p:blipFill>
         <p:spPr bwMode="auto">
           <a:xfrm>
-            <a:off x="1103595" y="915260"/>
-            <a:ext cx="3373817" cy="3484179"/>
+            <a:off x="1253232" y="951066"/>
+            <a:ext cx="3831274" cy="3620482"/>
           </a:xfrm>
           <a:prstGeom prst="rect">
             <a:avLst/>
@@ -27409,8 +27589,8 @@
         </p:blipFill>
         <p:spPr bwMode="auto">
           <a:xfrm>
-            <a:off x="4493178" y="915258"/>
-            <a:ext cx="3610303" cy="3484180"/>
+            <a:off x="5102410" y="951063"/>
+            <a:ext cx="4099825" cy="3620483"/>
           </a:xfrm>
           <a:prstGeom prst="rect">
             <a:avLst/>
@@ -27731,8 +27911,8 @@
         </p:blipFill>
         <p:spPr bwMode="auto">
           <a:xfrm>
-            <a:off x="1344711" y="1093701"/>
-            <a:ext cx="6476227" cy="4585911"/>
+            <a:off x="1527041" y="1136488"/>
+            <a:ext cx="7354341" cy="4765314"/>
           </a:xfrm>
           <a:prstGeom prst="rect">
             <a:avLst/>
@@ -27863,8 +28043,8 @@
         </p:blipFill>
         <p:spPr bwMode="auto">
           <a:xfrm>
-            <a:off x="1344711" y="1093701"/>
-            <a:ext cx="6476227" cy="4585911"/>
+            <a:off x="1527041" y="1136488"/>
+            <a:ext cx="7354341" cy="4765314"/>
           </a:xfrm>
           <a:prstGeom prst="rect">
             <a:avLst/>
@@ -27995,8 +28175,8 @@
         </p:blipFill>
         <p:spPr bwMode="auto">
           <a:xfrm>
-            <a:off x="467544" y="836712"/>
-            <a:ext cx="5525795" cy="4471217"/>
+            <a:off x="530939" y="869445"/>
+            <a:ext cx="6275039" cy="4646133"/>
           </a:xfrm>
           <a:prstGeom prst="rect">
             <a:avLst/>
@@ -28025,8 +28205,8 @@
         </p:blipFill>
         <p:spPr bwMode="auto">
           <a:xfrm>
-            <a:off x="3101788" y="1936377"/>
-            <a:ext cx="5325034" cy="4069976"/>
+            <a:off x="3522361" y="2012129"/>
+            <a:ext cx="6047057" cy="4229195"/>
           </a:xfrm>
           <a:prstGeom prst="rect">
             <a:avLst/>
@@ -28266,8 +28446,8 @@
         </p:nvSpPr>
         <p:spPr>
           <a:xfrm>
-            <a:off x="498477" y="1052736"/>
-            <a:ext cx="8229600" cy="4525963"/>
+            <a:off x="566066" y="1093920"/>
+            <a:ext cx="9345454" cy="4703021"/>
           </a:xfrm>
         </p:spPr>
         <p:txBody>
@@ -28308,8 +28488,8 @@
         </p:blipFill>
         <p:spPr bwMode="auto">
           <a:xfrm>
-            <a:off x="3968414" y="2708920"/>
-            <a:ext cx="4780050" cy="3696552"/>
+            <a:off x="4506492" y="2814894"/>
+            <a:ext cx="5428179" cy="3841163"/>
           </a:xfrm>
           <a:prstGeom prst="rect">
             <a:avLst/>
@@ -28331,21 +28511,21 @@
         </p:nvSpPr>
         <p:spPr>
           <a:xfrm>
-            <a:off x="395536" y="2060848"/>
-            <a:ext cx="8352928" cy="830997"/>
+            <a:off x="449167" y="2141470"/>
+            <a:ext cx="9485504" cy="901250"/>
           </a:xfrm>
           <a:prstGeom prst="rect">
             <a:avLst/>
           </a:prstGeom>
         </p:spPr>
         <p:txBody>
-          <a:bodyPr wrap="square">
+          <a:bodyPr wrap="square" lIns="100054" tIns="50027" rIns="100054" bIns="50027">
             <a:spAutoFit/>
           </a:bodyPr>
           <a:lstStyle/>
           <a:p>
             <a:r>
-              <a:rPr lang="zh-CN" altLang="en-US" sz="2400" dirty="0">
+              <a:rPr lang="zh-CN" altLang="en-US" sz="2600" dirty="0">
                 <a:solidFill>
                   <a:srgbClr val="FF0000"/>
                 </a:solidFill>
@@ -28706,8 +28886,8 @@
         </p:blipFill>
         <p:spPr bwMode="auto">
           <a:xfrm>
-            <a:off x="4895290" y="3766859"/>
-            <a:ext cx="3436321" cy="2347072"/>
+            <a:off x="5559045" y="3914220"/>
+            <a:ext cx="3902253" cy="2438890"/>
           </a:xfrm>
           <a:prstGeom prst="rect">
             <a:avLst/>
@@ -28760,8 +28940,8 @@
         </p:blipFill>
         <p:spPr bwMode="auto">
           <a:xfrm>
-            <a:off x="879844" y="3790675"/>
-            <a:ext cx="3323562" cy="1940859"/>
+            <a:off x="999142" y="3938969"/>
+            <a:ext cx="3774205" cy="2016786"/>
           </a:xfrm>
           <a:prstGeom prst="rect">
             <a:avLst/>
@@ -28897,8 +29077,8 @@
         </p:blipFill>
         <p:spPr bwMode="auto">
           <a:xfrm>
-            <a:off x="1478742" y="1932733"/>
-            <a:ext cx="6293657" cy="3335250"/>
+            <a:off x="1679246" y="2008343"/>
+            <a:ext cx="7147016" cy="3465726"/>
           </a:xfrm>
           <a:prstGeom prst="rect">
             <a:avLst/>
@@ -29177,8 +29357,8 @@
         </p:blipFill>
         <p:spPr bwMode="auto">
           <a:xfrm>
-            <a:off x="1318551" y="1416435"/>
-            <a:ext cx="6677955" cy="4122123"/>
+            <a:off x="1497334" y="1471847"/>
+            <a:ext cx="7583421" cy="4283382"/>
           </a:xfrm>
           <a:prstGeom prst="rect">
             <a:avLst/>
